--- a/sudoku.pptx
+++ b/sudoku.pptx
@@ -411,7 +411,7 @@
           <a:p>
             <a:fld id="{0971EF12-5369-4F7D-8386-2BAB2912270B}" type="datetimeFigureOut">
               <a:rPr lang="fr-FR" smtClean="0"/>
-              <a:t>07/04/2020</a:t>
+              <a:t>08/04/2020</a:t>
             </a:fld>
             <a:endParaRPr lang="fr-FR"/>
           </a:p>
@@ -581,7 +581,7 @@
             <a:fld id="{D680E798-53FF-4C51-A981-953463752515}" type="datetimeFigureOut">
               <a:rPr lang="fr-FR" smtClean="0"/>
               <a:pPr/>
-              <a:t>07/04/2020</a:t>
+              <a:t>08/04/2020</a:t>
             </a:fld>
             <a:endParaRPr lang="fr-FR" dirty="0"/>
           </a:p>
@@ -19237,7 +19237,6 @@
               <a:rPr lang="fr-FR" dirty="0"/>
               <a:t>)</a:t>
             </a:r>
-            <a:endParaRPr lang="fr-FR" dirty="0"/>
           </a:p>
         </p:txBody>
       </p:sp>
@@ -19348,54 +19347,347 @@
           </a:p>
         </p:txBody>
       </p:sp>
-      <p:sp>
-        <p:nvSpPr>
-          <p:cNvPr id="2" name="Espace réservé du contenu 1"/>
-          <p:cNvSpPr>
-            <a:spLocks noGrp="1"/>
-          </p:cNvSpPr>
-          <p:nvPr>
-            <p:ph idx="1"/>
-          </p:nvPr>
-        </p:nvSpPr>
+      <p:pic>
+        <p:nvPicPr>
+          <p:cNvPr id="3" name="Image 2"/>
+          <p:cNvPicPr>
+            <a:picLocks noChangeAspect="1"/>
+          </p:cNvPicPr>
+          <p:nvPr/>
+        </p:nvPicPr>
+        <p:blipFill>
+          <a:blip r:embed="rId2">
+            <a:extLst>
+              <a:ext uri="{28A0092B-C50C-407E-A947-70E740481C1C}">
+                <a14:useLocalDpi xmlns:a14="http://schemas.microsoft.com/office/drawing/2010/main" val="0"/>
+              </a:ext>
+            </a:extLst>
+          </a:blip>
+          <a:stretch>
+            <a:fillRect/>
+          </a:stretch>
+        </p:blipFill>
         <p:spPr>
           <a:xfrm>
-            <a:off x="503238" y="1131889"/>
-            <a:ext cx="8389937" cy="1259841"/>
-          </a:xfrm>
-        </p:spPr>
-        <p:txBody>
-          <a:bodyPr/>
-          <a:lstStyle/>
-          <a:p>
-            <a:r>
-              <a:rPr lang="fr-FR" dirty="0" smtClean="0"/>
-              <a:t>1995 Gavin Lowe: An </a:t>
-            </a:r>
-            <a:r>
-              <a:rPr lang="fr-FR" dirty="0" err="1" smtClean="0"/>
-              <a:t>attack</a:t>
-            </a:r>
-            <a:r>
-              <a:rPr lang="fr-FR" dirty="0" smtClean="0"/>
-              <a:t> on the NSPK </a:t>
-            </a:r>
-            <a:r>
-              <a:rPr lang="fr-FR" dirty="0" err="1" smtClean="0"/>
-              <a:t>authentication</a:t>
-            </a:r>
-            <a:r>
-              <a:rPr lang="fr-FR" dirty="0" smtClean="0"/>
-              <a:t> </a:t>
-            </a:r>
-            <a:r>
-              <a:rPr lang="fr-FR" dirty="0" err="1" smtClean="0"/>
-              <a:t>protocol</a:t>
-            </a:r>
-            <a:endParaRPr lang="fr-FR" dirty="0"/>
-          </a:p>
-        </p:txBody>
-      </p:sp>
+            <a:off x="157290" y="644222"/>
+            <a:ext cx="2542502" cy="4159776"/>
+          </a:xfrm>
+          <a:prstGeom prst="rect">
+            <a:avLst/>
+          </a:prstGeom>
+        </p:spPr>
+      </p:pic>
+      <p:pic>
+        <p:nvPicPr>
+          <p:cNvPr id="4" name="Image 3"/>
+          <p:cNvPicPr>
+            <a:picLocks noChangeAspect="1"/>
+          </p:cNvPicPr>
+          <p:nvPr/>
+        </p:nvPicPr>
+        <p:blipFill>
+          <a:blip r:embed="rId3">
+            <a:extLst>
+              <a:ext uri="{28A0092B-C50C-407E-A947-70E740481C1C}">
+                <a14:useLocalDpi xmlns:a14="http://schemas.microsoft.com/office/drawing/2010/main" val="0"/>
+              </a:ext>
+            </a:extLst>
+          </a:blip>
+          <a:stretch>
+            <a:fillRect/>
+          </a:stretch>
+        </p:blipFill>
+        <p:spPr>
+          <a:xfrm>
+            <a:off x="6408204" y="411163"/>
+            <a:ext cx="2622492" cy="4299942"/>
+          </a:xfrm>
+          <a:prstGeom prst="rect">
+            <a:avLst/>
+          </a:prstGeom>
+        </p:spPr>
+      </p:pic>
+      <p:grpSp>
+        <p:nvGrpSpPr>
+          <p:cNvPr id="19" name="Groupe 18"/>
+          <p:cNvGrpSpPr/>
+          <p:nvPr/>
+        </p:nvGrpSpPr>
+        <p:grpSpPr>
+          <a:xfrm>
+            <a:off x="2586441" y="1059582"/>
+            <a:ext cx="4145799" cy="828092"/>
+            <a:chOff x="2586441" y="1059582"/>
+            <a:chExt cx="4145799" cy="828092"/>
+          </a:xfrm>
+        </p:grpSpPr>
+        <p:cxnSp>
+          <p:nvCxnSpPr>
+            <p:cNvPr id="9" name="Connecteur droit avec flèche 8"/>
+            <p:cNvCxnSpPr/>
+            <p:nvPr/>
+          </p:nvCxnSpPr>
+          <p:spPr>
+            <a:xfrm flipV="1">
+              <a:off x="2586441" y="1059582"/>
+              <a:ext cx="4145799" cy="828092"/>
+            </a:xfrm>
+            <a:prstGeom prst="straightConnector1">
+              <a:avLst/>
+            </a:prstGeom>
+            <a:ln w="63500">
+              <a:tailEnd type="triangle"/>
+            </a:ln>
+          </p:spPr>
+          <p:style>
+            <a:lnRef idx="1">
+              <a:schemeClr val="accent1"/>
+            </a:lnRef>
+            <a:fillRef idx="0">
+              <a:schemeClr val="accent1"/>
+            </a:fillRef>
+            <a:effectRef idx="0">
+              <a:schemeClr val="accent1"/>
+            </a:effectRef>
+            <a:fontRef idx="minor">
+              <a:schemeClr val="tx1"/>
+            </a:fontRef>
+          </p:style>
+        </p:cxnSp>
+        <p:sp>
+          <p:nvSpPr>
+            <p:cNvPr id="13" name="Rectangle 12"/>
+            <p:cNvSpPr/>
+            <p:nvPr/>
+          </p:nvSpPr>
+          <p:spPr>
+            <a:xfrm>
+              <a:off x="3676956" y="1072531"/>
+              <a:ext cx="1309654" cy="369332"/>
+            </a:xfrm>
+            <a:prstGeom prst="rect">
+              <a:avLst/>
+            </a:prstGeom>
+          </p:spPr>
+          <p:txBody>
+            <a:bodyPr wrap="none">
+              <a:spAutoFit/>
+            </a:bodyPr>
+            <a:lstStyle/>
+            <a:p>
+              <a:r>
+                <a:rPr lang="fr-FR" dirty="0"/>
+                <a:t>&lt; N</a:t>
+              </a:r>
+              <a:r>
+                <a:rPr lang="fr-FR" baseline="-25000" dirty="0"/>
+                <a:t>A</a:t>
+              </a:r>
+              <a:r>
+                <a:rPr lang="fr-FR" dirty="0"/>
+                <a:t> , A </a:t>
+              </a:r>
+              <a:r>
+                <a:rPr lang="fr-FR" dirty="0" smtClean="0"/>
+                <a:t>&gt;</a:t>
+              </a:r>
+              <a:r>
+                <a:rPr lang="fr-FR" baseline="-25000" dirty="0" smtClean="0"/>
+                <a:t>B</a:t>
+              </a:r>
+              <a:endParaRPr lang="fr-FR" baseline="-25000" dirty="0"/>
+            </a:p>
+          </p:txBody>
+        </p:sp>
+      </p:grpSp>
+      <p:grpSp>
+        <p:nvGrpSpPr>
+          <p:cNvPr id="20" name="Groupe 19"/>
+          <p:cNvGrpSpPr/>
+          <p:nvPr/>
+        </p:nvGrpSpPr>
+        <p:grpSpPr>
+          <a:xfrm>
+            <a:off x="1511660" y="2499742"/>
+            <a:ext cx="7026118" cy="756084"/>
+            <a:chOff x="1511660" y="2499742"/>
+            <a:chExt cx="7026118" cy="756084"/>
+          </a:xfrm>
+        </p:grpSpPr>
+        <p:cxnSp>
+          <p:nvCxnSpPr>
+            <p:cNvPr id="14" name="Connecteur droit avec flèche 13"/>
+            <p:cNvCxnSpPr/>
+            <p:nvPr/>
+          </p:nvCxnSpPr>
+          <p:spPr>
+            <a:xfrm flipH="1">
+              <a:off x="1511660" y="2499742"/>
+              <a:ext cx="7026118" cy="756084"/>
+            </a:xfrm>
+            <a:prstGeom prst="straightConnector1">
+              <a:avLst/>
+            </a:prstGeom>
+            <a:ln w="63500">
+              <a:tailEnd type="triangle"/>
+            </a:ln>
+          </p:spPr>
+          <p:style>
+            <a:lnRef idx="1">
+              <a:schemeClr val="accent1"/>
+            </a:lnRef>
+            <a:fillRef idx="0">
+              <a:schemeClr val="accent1"/>
+            </a:fillRef>
+            <a:effectRef idx="0">
+              <a:schemeClr val="accent1"/>
+            </a:effectRef>
+            <a:fontRef idx="minor">
+              <a:schemeClr val="tx1"/>
+            </a:fontRef>
+          </p:style>
+        </p:cxnSp>
+        <p:sp>
+          <p:nvSpPr>
+            <p:cNvPr id="15" name="ZoneTexte 14"/>
+            <p:cNvSpPr txBox="1"/>
+            <p:nvPr/>
+          </p:nvSpPr>
+          <p:spPr>
+            <a:xfrm>
+              <a:off x="3676956" y="2500152"/>
+              <a:ext cx="1407308" cy="369332"/>
+            </a:xfrm>
+            <a:prstGeom prst="rect">
+              <a:avLst/>
+            </a:prstGeom>
+            <a:noFill/>
+          </p:spPr>
+          <p:txBody>
+            <a:bodyPr wrap="none" rtlCol="0">
+              <a:spAutoFit/>
+            </a:bodyPr>
+            <a:lstStyle/>
+            <a:p>
+              <a:r>
+                <a:rPr lang="fr-FR" dirty="0" smtClean="0"/>
+                <a:t>&lt; N</a:t>
+              </a:r>
+              <a:r>
+                <a:rPr lang="fr-FR" baseline="-25000" dirty="0" smtClean="0"/>
+                <a:t>A</a:t>
+              </a:r>
+              <a:r>
+                <a:rPr lang="fr-FR" dirty="0" smtClean="0"/>
+                <a:t> , N</a:t>
+              </a:r>
+              <a:r>
+                <a:rPr lang="fr-FR" baseline="-25000" dirty="0" smtClean="0"/>
+                <a:t>B</a:t>
+              </a:r>
+              <a:r>
+                <a:rPr lang="fr-FR" dirty="0" smtClean="0"/>
+                <a:t> &gt;</a:t>
+              </a:r>
+              <a:r>
+                <a:rPr lang="fr-FR" baseline="-25000" dirty="0" smtClean="0"/>
+                <a:t>A</a:t>
+              </a:r>
+              <a:endParaRPr lang="fr-FR" baseline="-25000" dirty="0"/>
+            </a:p>
+          </p:txBody>
+        </p:sp>
+      </p:grpSp>
+      <p:grpSp>
+        <p:nvGrpSpPr>
+          <p:cNvPr id="21" name="Groupe 20"/>
+          <p:cNvGrpSpPr/>
+          <p:nvPr/>
+        </p:nvGrpSpPr>
+        <p:grpSpPr>
+          <a:xfrm>
+            <a:off x="2586441" y="3624576"/>
+            <a:ext cx="4073791" cy="495346"/>
+            <a:chOff x="2586441" y="3624576"/>
+            <a:chExt cx="4073791" cy="495346"/>
+          </a:xfrm>
+        </p:grpSpPr>
+        <p:sp>
+          <p:nvSpPr>
+            <p:cNvPr id="16" name="ZoneTexte 15"/>
+            <p:cNvSpPr txBox="1"/>
+            <p:nvPr/>
+          </p:nvSpPr>
+          <p:spPr>
+            <a:xfrm>
+              <a:off x="3970508" y="3624576"/>
+              <a:ext cx="954107" cy="369332"/>
+            </a:xfrm>
+            <a:prstGeom prst="rect">
+              <a:avLst/>
+            </a:prstGeom>
+            <a:noFill/>
+          </p:spPr>
+          <p:txBody>
+            <a:bodyPr wrap="none" rtlCol="0">
+              <a:spAutoFit/>
+            </a:bodyPr>
+            <a:lstStyle/>
+            <a:p>
+              <a:r>
+                <a:rPr lang="fr-FR" dirty="0" smtClean="0"/>
+                <a:t>&lt; N</a:t>
+              </a:r>
+              <a:r>
+                <a:rPr lang="fr-FR" baseline="-25000" dirty="0" smtClean="0"/>
+                <a:t>B</a:t>
+              </a:r>
+              <a:r>
+                <a:rPr lang="fr-FR" dirty="0" smtClean="0"/>
+                <a:t> &gt;</a:t>
+              </a:r>
+              <a:r>
+                <a:rPr lang="fr-FR" baseline="-25000" dirty="0" smtClean="0"/>
+                <a:t>B</a:t>
+              </a:r>
+              <a:endParaRPr lang="fr-FR" baseline="-25000" dirty="0"/>
+            </a:p>
+          </p:txBody>
+        </p:sp>
+        <p:cxnSp>
+          <p:nvCxnSpPr>
+            <p:cNvPr id="17" name="Connecteur droit avec flèche 16"/>
+            <p:cNvCxnSpPr/>
+            <p:nvPr/>
+          </p:nvCxnSpPr>
+          <p:spPr>
+            <a:xfrm flipV="1">
+              <a:off x="2586441" y="3867894"/>
+              <a:ext cx="4073791" cy="252028"/>
+            </a:xfrm>
+            <a:prstGeom prst="straightConnector1">
+              <a:avLst/>
+            </a:prstGeom>
+            <a:ln w="63500">
+              <a:tailEnd type="triangle"/>
+            </a:ln>
+          </p:spPr>
+          <p:style>
+            <a:lnRef idx="1">
+              <a:schemeClr val="accent1"/>
+            </a:lnRef>
+            <a:fillRef idx="0">
+              <a:schemeClr val="accent1"/>
+            </a:fillRef>
+            <a:effectRef idx="0">
+              <a:schemeClr val="accent1"/>
+            </a:effectRef>
+            <a:fontRef idx="minor">
+              <a:schemeClr val="tx1"/>
+            </a:fontRef>
+          </p:style>
+        </p:cxnSp>
+      </p:grpSp>
     </p:spTree>
     <p:extLst>
       <p:ext uri="{BB962C8B-B14F-4D97-AF65-F5344CB8AC3E}">
@@ -19409,7 +19701,210 @@
   <p:timing>
     <p:tnLst>
       <p:par>
-        <p:cTn id="1" dur="indefinite" restart="never" nodeType="tmRoot"/>
+        <p:cTn id="1" dur="indefinite" restart="never" nodeType="tmRoot">
+          <p:childTnLst>
+            <p:seq concurrent="1" nextAc="seek">
+              <p:cTn id="2" dur="indefinite" nodeType="mainSeq">
+                <p:childTnLst>
+                  <p:par>
+                    <p:cTn id="3" fill="hold">
+                      <p:stCondLst>
+                        <p:cond delay="indefinite"/>
+                      </p:stCondLst>
+                      <p:childTnLst>
+                        <p:par>
+                          <p:cTn id="4" fill="hold">
+                            <p:stCondLst>
+                              <p:cond delay="0"/>
+                            </p:stCondLst>
+                            <p:childTnLst>
+                              <p:par>
+                                <p:cTn id="5" presetID="1" presetClass="entr" presetSubtype="0" fill="hold" nodeType="clickEffect">
+                                  <p:stCondLst>
+                                    <p:cond delay="0"/>
+                                  </p:stCondLst>
+                                  <p:childTnLst>
+                                    <p:set>
+                                      <p:cBhvr>
+                                        <p:cTn id="6" dur="1" fill="hold">
+                                          <p:stCondLst>
+                                            <p:cond delay="0"/>
+                                          </p:stCondLst>
+                                        </p:cTn>
+                                        <p:tgtEl>
+                                          <p:spTgt spid="4"/>
+                                        </p:tgtEl>
+                                        <p:attrNameLst>
+                                          <p:attrName>style.visibility</p:attrName>
+                                        </p:attrNameLst>
+                                      </p:cBhvr>
+                                      <p:to>
+                                        <p:strVal val="visible"/>
+                                      </p:to>
+                                    </p:set>
+                                  </p:childTnLst>
+                                </p:cTn>
+                              </p:par>
+                            </p:childTnLst>
+                          </p:cTn>
+                        </p:par>
+                      </p:childTnLst>
+                    </p:cTn>
+                  </p:par>
+                  <p:par>
+                    <p:cTn id="7" fill="hold">
+                      <p:stCondLst>
+                        <p:cond delay="indefinite"/>
+                      </p:stCondLst>
+                      <p:childTnLst>
+                        <p:par>
+                          <p:cTn id="8" fill="hold">
+                            <p:stCondLst>
+                              <p:cond delay="0"/>
+                            </p:stCondLst>
+                            <p:childTnLst>
+                              <p:par>
+                                <p:cTn id="9" presetID="1" presetClass="entr" presetSubtype="0" fill="hold" nodeType="clickEffect">
+                                  <p:stCondLst>
+                                    <p:cond delay="0"/>
+                                  </p:stCondLst>
+                                  <p:childTnLst>
+                                    <p:set>
+                                      <p:cBhvr>
+                                        <p:cTn id="10" dur="1" fill="hold">
+                                          <p:stCondLst>
+                                            <p:cond delay="0"/>
+                                          </p:stCondLst>
+                                        </p:cTn>
+                                        <p:tgtEl>
+                                          <p:spTgt spid="19"/>
+                                        </p:tgtEl>
+                                        <p:attrNameLst>
+                                          <p:attrName>style.visibility</p:attrName>
+                                        </p:attrNameLst>
+                                      </p:cBhvr>
+                                      <p:to>
+                                        <p:strVal val="visible"/>
+                                      </p:to>
+                                    </p:set>
+                                  </p:childTnLst>
+                                </p:cTn>
+                              </p:par>
+                            </p:childTnLst>
+                          </p:cTn>
+                        </p:par>
+                      </p:childTnLst>
+                    </p:cTn>
+                  </p:par>
+                  <p:par>
+                    <p:cTn id="11" fill="hold">
+                      <p:stCondLst>
+                        <p:cond delay="indefinite"/>
+                      </p:stCondLst>
+                      <p:childTnLst>
+                        <p:par>
+                          <p:cTn id="12" fill="hold">
+                            <p:stCondLst>
+                              <p:cond delay="0"/>
+                            </p:stCondLst>
+                            <p:childTnLst>
+                              <p:par>
+                                <p:cTn id="13" presetID="1" presetClass="entr" presetSubtype="0" fill="hold" nodeType="clickEffect">
+                                  <p:stCondLst>
+                                    <p:cond delay="0"/>
+                                  </p:stCondLst>
+                                  <p:childTnLst>
+                                    <p:set>
+                                      <p:cBhvr>
+                                        <p:cTn id="14" dur="1" fill="hold">
+                                          <p:stCondLst>
+                                            <p:cond delay="0"/>
+                                          </p:stCondLst>
+                                        </p:cTn>
+                                        <p:tgtEl>
+                                          <p:spTgt spid="20"/>
+                                        </p:tgtEl>
+                                        <p:attrNameLst>
+                                          <p:attrName>style.visibility</p:attrName>
+                                        </p:attrNameLst>
+                                      </p:cBhvr>
+                                      <p:to>
+                                        <p:strVal val="visible"/>
+                                      </p:to>
+                                    </p:set>
+                                  </p:childTnLst>
+                                </p:cTn>
+                              </p:par>
+                            </p:childTnLst>
+                          </p:cTn>
+                        </p:par>
+                      </p:childTnLst>
+                    </p:cTn>
+                  </p:par>
+                  <p:par>
+                    <p:cTn id="15" fill="hold">
+                      <p:stCondLst>
+                        <p:cond delay="indefinite"/>
+                      </p:stCondLst>
+                      <p:childTnLst>
+                        <p:par>
+                          <p:cTn id="16" fill="hold">
+                            <p:stCondLst>
+                              <p:cond delay="0"/>
+                            </p:stCondLst>
+                            <p:childTnLst>
+                              <p:par>
+                                <p:cTn id="17" presetID="1" presetClass="entr" presetSubtype="0" fill="hold" nodeType="clickEffect">
+                                  <p:stCondLst>
+                                    <p:cond delay="0"/>
+                                  </p:stCondLst>
+                                  <p:childTnLst>
+                                    <p:set>
+                                      <p:cBhvr>
+                                        <p:cTn id="18" dur="1" fill="hold">
+                                          <p:stCondLst>
+                                            <p:cond delay="0"/>
+                                          </p:stCondLst>
+                                        </p:cTn>
+                                        <p:tgtEl>
+                                          <p:spTgt spid="21"/>
+                                        </p:tgtEl>
+                                        <p:attrNameLst>
+                                          <p:attrName>style.visibility</p:attrName>
+                                        </p:attrNameLst>
+                                      </p:cBhvr>
+                                      <p:to>
+                                        <p:strVal val="visible"/>
+                                      </p:to>
+                                    </p:set>
+                                  </p:childTnLst>
+                                </p:cTn>
+                              </p:par>
+                            </p:childTnLst>
+                          </p:cTn>
+                        </p:par>
+                      </p:childTnLst>
+                    </p:cTn>
+                  </p:par>
+                </p:childTnLst>
+              </p:cTn>
+              <p:prevCondLst>
+                <p:cond evt="onPrev" delay="0">
+                  <p:tgtEl>
+                    <p:sldTgt/>
+                  </p:tgtEl>
+                </p:cond>
+              </p:prevCondLst>
+              <p:nextCondLst>
+                <p:cond evt="onNext" delay="0">
+                  <p:tgtEl>
+                    <p:sldTgt/>
+                  </p:tgtEl>
+                </p:cond>
+              </p:nextCondLst>
+            </p:seq>
+          </p:childTnLst>
+        </p:cTn>
       </p:par>
     </p:tnLst>
   </p:timing>
@@ -19469,7 +19964,6 @@
               <a:rPr lang="fr-FR" dirty="0"/>
               <a:t>)</a:t>
             </a:r>
-            <a:endParaRPr lang="fr-FR" dirty="0"/>
           </a:p>
         </p:txBody>
       </p:sp>
@@ -19580,54 +20074,96 @@
           </a:p>
         </p:txBody>
       </p:sp>
-      <p:sp>
-        <p:nvSpPr>
-          <p:cNvPr id="2" name="Espace réservé du contenu 1"/>
-          <p:cNvSpPr>
-            <a:spLocks noGrp="1"/>
-          </p:cNvSpPr>
-          <p:nvPr>
-            <p:ph idx="1"/>
-          </p:nvPr>
-        </p:nvSpPr>
+      <p:pic>
+        <p:nvPicPr>
+          <p:cNvPr id="4" name="Image 3"/>
+          <p:cNvPicPr>
+            <a:picLocks noChangeAspect="1"/>
+          </p:cNvPicPr>
+          <p:nvPr/>
+        </p:nvPicPr>
+        <p:blipFill>
+          <a:blip r:embed="rId2">
+            <a:extLst>
+              <a:ext uri="{28A0092B-C50C-407E-A947-70E740481C1C}">
+                <a14:useLocalDpi xmlns:a14="http://schemas.microsoft.com/office/drawing/2010/main" val="0"/>
+              </a:ext>
+            </a:extLst>
+          </a:blip>
+          <a:stretch>
+            <a:fillRect/>
+          </a:stretch>
+        </p:blipFill>
         <p:spPr>
           <a:xfrm>
-            <a:off x="503238" y="1131889"/>
-            <a:ext cx="8389937" cy="1259841"/>
-          </a:xfrm>
-        </p:spPr>
-        <p:txBody>
-          <a:bodyPr/>
-          <a:lstStyle/>
-          <a:p>
-            <a:r>
-              <a:rPr lang="fr-FR" dirty="0" smtClean="0"/>
-              <a:t>1995 Gavin Lowe: An </a:t>
-            </a:r>
-            <a:r>
-              <a:rPr lang="fr-FR" dirty="0" err="1" smtClean="0"/>
-              <a:t>attack</a:t>
-            </a:r>
-            <a:r>
-              <a:rPr lang="fr-FR" dirty="0" smtClean="0"/>
-              <a:t> on the NSPK </a:t>
-            </a:r>
-            <a:r>
-              <a:rPr lang="fr-FR" dirty="0" err="1" smtClean="0"/>
-              <a:t>authentication</a:t>
-            </a:r>
-            <a:r>
-              <a:rPr lang="fr-FR" dirty="0" smtClean="0"/>
-              <a:t> </a:t>
-            </a:r>
-            <a:r>
-              <a:rPr lang="fr-FR" dirty="0" err="1" smtClean="0"/>
-              <a:t>protocol</a:t>
-            </a:r>
-            <a:endParaRPr lang="fr-FR" dirty="0"/>
-          </a:p>
-        </p:txBody>
-      </p:sp>
+            <a:off x="2686488" y="807554"/>
+            <a:ext cx="3505692" cy="3856993"/>
+          </a:xfrm>
+          <a:prstGeom prst="rect">
+            <a:avLst/>
+          </a:prstGeom>
+        </p:spPr>
+      </p:pic>
+      <p:pic>
+        <p:nvPicPr>
+          <p:cNvPr id="5" name="Image 4"/>
+          <p:cNvPicPr>
+            <a:picLocks noChangeAspect="1"/>
+          </p:cNvPicPr>
+          <p:nvPr/>
+        </p:nvPicPr>
+        <p:blipFill>
+          <a:blip r:embed="rId3">
+            <a:extLst>
+              <a:ext uri="{28A0092B-C50C-407E-A947-70E740481C1C}">
+                <a14:useLocalDpi xmlns:a14="http://schemas.microsoft.com/office/drawing/2010/main" val="0"/>
+              </a:ext>
+            </a:extLst>
+          </a:blip>
+          <a:stretch>
+            <a:fillRect/>
+          </a:stretch>
+        </p:blipFill>
+        <p:spPr>
+          <a:xfrm>
+            <a:off x="17013" y="2247714"/>
+            <a:ext cx="2692720" cy="1315684"/>
+          </a:xfrm>
+          <a:prstGeom prst="rect">
+            <a:avLst/>
+          </a:prstGeom>
+        </p:spPr>
+      </p:pic>
+      <p:pic>
+        <p:nvPicPr>
+          <p:cNvPr id="6" name="Image 5"/>
+          <p:cNvPicPr>
+            <a:picLocks noChangeAspect="1"/>
+          </p:cNvPicPr>
+          <p:nvPr/>
+        </p:nvPicPr>
+        <p:blipFill>
+          <a:blip r:embed="rId4">
+            <a:extLst>
+              <a:ext uri="{28A0092B-C50C-407E-A947-70E740481C1C}">
+                <a14:useLocalDpi xmlns:a14="http://schemas.microsoft.com/office/drawing/2010/main" val="0"/>
+              </a:ext>
+            </a:extLst>
+          </a:blip>
+          <a:stretch>
+            <a:fillRect/>
+          </a:stretch>
+        </p:blipFill>
+        <p:spPr>
+          <a:xfrm>
+            <a:off x="6565436" y="735546"/>
+            <a:ext cx="2579072" cy="3825384"/>
+          </a:xfrm>
+          <a:prstGeom prst="rect">
+            <a:avLst/>
+          </a:prstGeom>
+        </p:spPr>
+      </p:pic>
     </p:spTree>
     <p:extLst>
       <p:ext uri="{BB962C8B-B14F-4D97-AF65-F5344CB8AC3E}">
@@ -19641,7 +20177,165 @@
   <p:timing>
     <p:tnLst>
       <p:par>
-        <p:cTn id="1" dur="indefinite" restart="never" nodeType="tmRoot"/>
+        <p:cTn id="1" dur="indefinite" restart="never" nodeType="tmRoot">
+          <p:childTnLst>
+            <p:seq concurrent="1" nextAc="seek">
+              <p:cTn id="2" dur="indefinite" nodeType="mainSeq">
+                <p:childTnLst>
+                  <p:par>
+                    <p:cTn id="3" fill="hold">
+                      <p:stCondLst>
+                        <p:cond delay="indefinite"/>
+                      </p:stCondLst>
+                      <p:childTnLst>
+                        <p:par>
+                          <p:cTn id="4" fill="hold">
+                            <p:stCondLst>
+                              <p:cond delay="0"/>
+                            </p:stCondLst>
+                            <p:childTnLst>
+                              <p:par>
+                                <p:cTn id="5" presetID="1" presetClass="entr" presetSubtype="0" fill="hold" nodeType="clickEffect">
+                                  <p:stCondLst>
+                                    <p:cond delay="0"/>
+                                  </p:stCondLst>
+                                  <p:childTnLst>
+                                    <p:set>
+                                      <p:cBhvr>
+                                        <p:cTn id="6" dur="1" fill="hold">
+                                          <p:stCondLst>
+                                            <p:cond delay="0"/>
+                                          </p:stCondLst>
+                                        </p:cTn>
+                                        <p:tgtEl>
+                                          <p:spTgt spid="5"/>
+                                        </p:tgtEl>
+                                        <p:attrNameLst>
+                                          <p:attrName>style.visibility</p:attrName>
+                                        </p:attrNameLst>
+                                      </p:cBhvr>
+                                      <p:to>
+                                        <p:strVal val="visible"/>
+                                      </p:to>
+                                    </p:set>
+                                  </p:childTnLst>
+                                </p:cTn>
+                              </p:par>
+                            </p:childTnLst>
+                          </p:cTn>
+                        </p:par>
+                      </p:childTnLst>
+                    </p:cTn>
+                  </p:par>
+                  <p:par>
+                    <p:cTn id="7" fill="hold">
+                      <p:stCondLst>
+                        <p:cond delay="indefinite"/>
+                      </p:stCondLst>
+                      <p:childTnLst>
+                        <p:par>
+                          <p:cTn id="8" fill="hold">
+                            <p:stCondLst>
+                              <p:cond delay="0"/>
+                            </p:stCondLst>
+                            <p:childTnLst>
+                              <p:par>
+                                <p:cTn id="9" presetID="1" presetClass="entr" presetSubtype="0" fill="hold" nodeType="clickEffect">
+                                  <p:stCondLst>
+                                    <p:cond delay="0"/>
+                                  </p:stCondLst>
+                                  <p:childTnLst>
+                                    <p:set>
+                                      <p:cBhvr>
+                                        <p:cTn id="10" dur="1" fill="hold">
+                                          <p:stCondLst>
+                                            <p:cond delay="0"/>
+                                          </p:stCondLst>
+                                        </p:cTn>
+                                        <p:tgtEl>
+                                          <p:spTgt spid="4"/>
+                                        </p:tgtEl>
+                                        <p:attrNameLst>
+                                          <p:attrName>style.visibility</p:attrName>
+                                        </p:attrNameLst>
+                                      </p:cBhvr>
+                                      <p:to>
+                                        <p:strVal val="visible"/>
+                                      </p:to>
+                                    </p:set>
+                                  </p:childTnLst>
+                                </p:cTn>
+                              </p:par>
+                            </p:childTnLst>
+                          </p:cTn>
+                        </p:par>
+                      </p:childTnLst>
+                    </p:cTn>
+                  </p:par>
+                  <p:par>
+                    <p:cTn id="11" fill="hold">
+                      <p:stCondLst>
+                        <p:cond delay="indefinite"/>
+                      </p:stCondLst>
+                      <p:childTnLst>
+                        <p:par>
+                          <p:cTn id="12" fill="hold">
+                            <p:stCondLst>
+                              <p:cond delay="0"/>
+                            </p:stCondLst>
+                            <p:childTnLst>
+                              <p:par>
+                                <p:cTn id="13" presetID="1" presetClass="entr" presetSubtype="0" fill="hold" nodeType="clickEffect">
+                                  <p:stCondLst>
+                                    <p:cond delay="0"/>
+                                  </p:stCondLst>
+                                  <p:childTnLst>
+                                    <p:set>
+                                      <p:cBhvr>
+                                        <p:cTn id="14" dur="1" fill="hold">
+                                          <p:stCondLst>
+                                            <p:cond delay="0"/>
+                                          </p:stCondLst>
+                                        </p:cTn>
+                                        <p:tgtEl>
+                                          <p:spTgt spid="6"/>
+                                        </p:tgtEl>
+                                        <p:attrNameLst>
+                                          <p:attrName>style.visibility</p:attrName>
+                                        </p:attrNameLst>
+                                      </p:cBhvr>
+                                      <p:to>
+                                        <p:strVal val="visible"/>
+                                      </p:to>
+                                    </p:set>
+                                  </p:childTnLst>
+                                </p:cTn>
+                              </p:par>
+                            </p:childTnLst>
+                          </p:cTn>
+                        </p:par>
+                      </p:childTnLst>
+                    </p:cTn>
+                  </p:par>
+                </p:childTnLst>
+              </p:cTn>
+              <p:prevCondLst>
+                <p:cond evt="onPrev" delay="0">
+                  <p:tgtEl>
+                    <p:sldTgt/>
+                  </p:tgtEl>
+                </p:cond>
+              </p:prevCondLst>
+              <p:nextCondLst>
+                <p:cond evt="onNext" delay="0">
+                  <p:tgtEl>
+                    <p:sldTgt/>
+                  </p:tgtEl>
+                </p:cond>
+              </p:nextCondLst>
+            </p:seq>
+          </p:childTnLst>
+        </p:cTn>
       </p:par>
     </p:tnLst>
   </p:timing>
@@ -24393,15 +25087,7 @@
             </a:r>
             <a:r>
               <a:rPr lang="fr-FR" dirty="0" smtClean="0"/>
-              <a:t>-Schroeder-Lowe </a:t>
-            </a:r>
-            <a:r>
-              <a:rPr lang="fr-FR" dirty="0" smtClean="0"/>
-              <a:t>(</a:t>
-            </a:r>
-            <a:r>
-              <a:rPr lang="fr-FR" dirty="0" smtClean="0"/>
-              <a:t>1/4)</a:t>
+              <a:t>-Schroeder-Lowe (1/4)</a:t>
             </a:r>
             <a:endParaRPr lang="fr-FR" dirty="0"/>
           </a:p>
@@ -24660,239 +25346,284 @@
           </a:p>
         </p:txBody>
       </p:sp>
-      <p:cxnSp>
-        <p:nvCxnSpPr>
-          <p:cNvPr id="17" name="Connecteur droit avec flèche 16"/>
-          <p:cNvCxnSpPr/>
+      <p:grpSp>
+        <p:nvGrpSpPr>
+          <p:cNvPr id="2" name="Groupe 1"/>
+          <p:cNvGrpSpPr/>
           <p:nvPr/>
-        </p:nvCxnSpPr>
-        <p:spPr>
+        </p:nvGrpSpPr>
+        <p:grpSpPr>
           <a:xfrm>
-            <a:off x="3059832" y="2967794"/>
-            <a:ext cx="2412268" cy="0"/>
-          </a:xfrm>
-          <a:prstGeom prst="straightConnector1">
-            <a:avLst/>
-          </a:prstGeom>
-          <a:ln w="63500">
-            <a:tailEnd type="triangle"/>
-          </a:ln>
-        </p:spPr>
-        <p:style>
-          <a:lnRef idx="1">
-            <a:schemeClr val="accent1"/>
-          </a:lnRef>
-          <a:fillRef idx="0">
-            <a:schemeClr val="accent1"/>
-          </a:fillRef>
-          <a:effectRef idx="0">
-            <a:schemeClr val="accent1"/>
-          </a:effectRef>
-          <a:fontRef idx="minor">
-            <a:schemeClr val="tx1"/>
-          </a:fontRef>
-        </p:style>
-      </p:cxnSp>
-      <p:sp>
-        <p:nvSpPr>
-          <p:cNvPr id="18" name="ZoneTexte 17"/>
-          <p:cNvSpPr txBox="1"/>
+            <a:off x="3059832" y="2562458"/>
+            <a:ext cx="2412268" cy="405336"/>
+            <a:chOff x="3059832" y="2562458"/>
+            <a:chExt cx="2412268" cy="405336"/>
+          </a:xfrm>
+        </p:grpSpPr>
+        <p:cxnSp>
+          <p:nvCxnSpPr>
+            <p:cNvPr id="17" name="Connecteur droit avec flèche 16"/>
+            <p:cNvCxnSpPr/>
+            <p:nvPr/>
+          </p:nvCxnSpPr>
+          <p:spPr>
+            <a:xfrm>
+              <a:off x="3059832" y="2967794"/>
+              <a:ext cx="2412268" cy="0"/>
+            </a:xfrm>
+            <a:prstGeom prst="straightConnector1">
+              <a:avLst/>
+            </a:prstGeom>
+            <a:ln w="63500">
+              <a:tailEnd type="triangle"/>
+            </a:ln>
+          </p:spPr>
+          <p:style>
+            <a:lnRef idx="1">
+              <a:schemeClr val="accent1"/>
+            </a:lnRef>
+            <a:fillRef idx="0">
+              <a:schemeClr val="accent1"/>
+            </a:fillRef>
+            <a:effectRef idx="0">
+              <a:schemeClr val="accent1"/>
+            </a:effectRef>
+            <a:fontRef idx="minor">
+              <a:schemeClr val="tx1"/>
+            </a:fontRef>
+          </p:style>
+        </p:cxnSp>
+        <p:sp>
+          <p:nvSpPr>
+            <p:cNvPr id="18" name="ZoneTexte 17"/>
+            <p:cNvSpPr txBox="1"/>
+            <p:nvPr/>
+          </p:nvSpPr>
+          <p:spPr>
+            <a:xfrm>
+              <a:off x="3632780" y="2562458"/>
+              <a:ext cx="1266372" cy="369332"/>
+            </a:xfrm>
+            <a:prstGeom prst="rect">
+              <a:avLst/>
+            </a:prstGeom>
+            <a:noFill/>
+          </p:spPr>
+          <p:txBody>
+            <a:bodyPr wrap="none" rtlCol="0">
+              <a:spAutoFit/>
+            </a:bodyPr>
+            <a:lstStyle/>
+            <a:p>
+              <a:r>
+                <a:rPr lang="fr-FR" dirty="0" smtClean="0"/>
+                <a:t>&lt; N</a:t>
+              </a:r>
+              <a:r>
+                <a:rPr lang="fr-FR" baseline="-25000" dirty="0" smtClean="0"/>
+                <a:t>A</a:t>
+              </a:r>
+              <a:r>
+                <a:rPr lang="fr-FR" dirty="0" smtClean="0"/>
+                <a:t> , A &gt;</a:t>
+              </a:r>
+              <a:r>
+                <a:rPr lang="fr-FR" baseline="-25000" dirty="0" smtClean="0"/>
+                <a:t>B</a:t>
+              </a:r>
+              <a:endParaRPr lang="fr-FR" baseline="-25000" dirty="0"/>
+            </a:p>
+          </p:txBody>
+        </p:sp>
+      </p:grpSp>
+      <p:grpSp>
+        <p:nvGrpSpPr>
+          <p:cNvPr id="4" name="Groupe 3"/>
+          <p:cNvGrpSpPr/>
           <p:nvPr/>
-        </p:nvSpPr>
-        <p:spPr>
+        </p:nvGrpSpPr>
+        <p:grpSpPr>
           <a:xfrm>
-            <a:off x="3632780" y="2562458"/>
-            <a:ext cx="1266372" cy="369332"/>
-          </a:xfrm>
-          <a:prstGeom prst="rect">
-            <a:avLst/>
-          </a:prstGeom>
-          <a:noFill/>
-        </p:spPr>
-        <p:txBody>
-          <a:bodyPr wrap="none" rtlCol="0">
-            <a:spAutoFit/>
-          </a:bodyPr>
-          <a:lstStyle/>
-          <a:p>
-            <a:r>
-              <a:rPr lang="fr-FR" dirty="0" smtClean="0"/>
-              <a:t>&lt; N</a:t>
-            </a:r>
-            <a:r>
-              <a:rPr lang="fr-FR" baseline="-25000" dirty="0" smtClean="0"/>
-              <a:t>A</a:t>
-            </a:r>
-            <a:r>
-              <a:rPr lang="fr-FR" dirty="0" smtClean="0"/>
-              <a:t> , A &gt;</a:t>
-            </a:r>
-            <a:r>
-              <a:rPr lang="fr-FR" baseline="-25000" dirty="0" smtClean="0"/>
-              <a:t>B</a:t>
-            </a:r>
-            <a:endParaRPr lang="fr-FR" baseline="-25000" dirty="0"/>
-          </a:p>
-        </p:txBody>
-      </p:sp>
-      <p:cxnSp>
-        <p:nvCxnSpPr>
-          <p:cNvPr id="19" name="Connecteur droit avec flèche 18"/>
-          <p:cNvCxnSpPr/>
+            <a:off x="3059832" y="3966614"/>
+            <a:ext cx="2412268" cy="405336"/>
+            <a:chOff x="3059832" y="3966614"/>
+            <a:chExt cx="2412268" cy="405336"/>
+          </a:xfrm>
+        </p:grpSpPr>
+        <p:cxnSp>
+          <p:nvCxnSpPr>
+            <p:cNvPr id="19" name="Connecteur droit avec flèche 18"/>
+            <p:cNvCxnSpPr/>
+            <p:nvPr/>
+          </p:nvCxnSpPr>
+          <p:spPr>
+            <a:xfrm>
+              <a:off x="3059832" y="4371950"/>
+              <a:ext cx="2412268" cy="0"/>
+            </a:xfrm>
+            <a:prstGeom prst="straightConnector1">
+              <a:avLst/>
+            </a:prstGeom>
+            <a:ln w="63500">
+              <a:tailEnd type="triangle"/>
+            </a:ln>
+          </p:spPr>
+          <p:style>
+            <a:lnRef idx="1">
+              <a:schemeClr val="accent1"/>
+            </a:lnRef>
+            <a:fillRef idx="0">
+              <a:schemeClr val="accent1"/>
+            </a:fillRef>
+            <a:effectRef idx="0">
+              <a:schemeClr val="accent1"/>
+            </a:effectRef>
+            <a:fontRef idx="minor">
+              <a:schemeClr val="tx1"/>
+            </a:fontRef>
+          </p:style>
+        </p:cxnSp>
+        <p:sp>
+          <p:nvSpPr>
+            <p:cNvPr id="22" name="ZoneTexte 21"/>
+            <p:cNvSpPr txBox="1"/>
+            <p:nvPr/>
+          </p:nvSpPr>
+          <p:spPr>
+            <a:xfrm>
+              <a:off x="3887924" y="3966614"/>
+              <a:ext cx="954107" cy="369332"/>
+            </a:xfrm>
+            <a:prstGeom prst="rect">
+              <a:avLst/>
+            </a:prstGeom>
+            <a:noFill/>
+          </p:spPr>
+          <p:txBody>
+            <a:bodyPr wrap="none" rtlCol="0">
+              <a:spAutoFit/>
+            </a:bodyPr>
+            <a:lstStyle/>
+            <a:p>
+              <a:r>
+                <a:rPr lang="fr-FR" dirty="0" smtClean="0"/>
+                <a:t>&lt; N</a:t>
+              </a:r>
+              <a:r>
+                <a:rPr lang="fr-FR" baseline="-25000" dirty="0" smtClean="0"/>
+                <a:t>B</a:t>
+              </a:r>
+              <a:r>
+                <a:rPr lang="fr-FR" dirty="0" smtClean="0"/>
+                <a:t> &gt;</a:t>
+              </a:r>
+              <a:r>
+                <a:rPr lang="fr-FR" baseline="-25000" dirty="0" smtClean="0"/>
+                <a:t>B</a:t>
+              </a:r>
+              <a:endParaRPr lang="fr-FR" baseline="-25000" dirty="0"/>
+            </a:p>
+          </p:txBody>
+        </p:sp>
+      </p:grpSp>
+      <p:grpSp>
+        <p:nvGrpSpPr>
+          <p:cNvPr id="3" name="Groupe 2"/>
+          <p:cNvGrpSpPr/>
           <p:nvPr/>
-        </p:nvCxnSpPr>
-        <p:spPr>
+        </p:nvGrpSpPr>
+        <p:grpSpPr>
           <a:xfrm>
-            <a:off x="3059832" y="4371950"/>
-            <a:ext cx="2412268" cy="0"/>
-          </a:xfrm>
-          <a:prstGeom prst="straightConnector1">
-            <a:avLst/>
-          </a:prstGeom>
-          <a:ln w="63500">
-            <a:tailEnd type="triangle"/>
-          </a:ln>
-        </p:spPr>
-        <p:style>
-          <a:lnRef idx="1">
-            <a:schemeClr val="accent1"/>
-          </a:lnRef>
-          <a:fillRef idx="0">
-            <a:schemeClr val="accent1"/>
-          </a:fillRef>
-          <a:effectRef idx="0">
-            <a:schemeClr val="accent1"/>
-          </a:effectRef>
-          <a:fontRef idx="minor">
-            <a:schemeClr val="tx1"/>
-          </a:fontRef>
-        </p:style>
-      </p:cxnSp>
-      <p:cxnSp>
-        <p:nvCxnSpPr>
-          <p:cNvPr id="20" name="Connecteur droit avec flèche 19"/>
-          <p:cNvCxnSpPr/>
-          <p:nvPr/>
-        </p:nvCxnSpPr>
-        <p:spPr>
-          <a:xfrm flipH="1">
-            <a:off x="3059832" y="3687874"/>
-            <a:ext cx="2412268" cy="0"/>
-          </a:xfrm>
-          <a:prstGeom prst="straightConnector1">
-            <a:avLst/>
-          </a:prstGeom>
-          <a:ln w="63500">
-            <a:tailEnd type="triangle"/>
-          </a:ln>
-        </p:spPr>
-        <p:style>
-          <a:lnRef idx="1">
-            <a:schemeClr val="accent1"/>
-          </a:lnRef>
-          <a:fillRef idx="0">
-            <a:schemeClr val="accent1"/>
-          </a:fillRef>
-          <a:effectRef idx="0">
-            <a:schemeClr val="accent1"/>
-          </a:effectRef>
-          <a:fontRef idx="minor">
-            <a:schemeClr val="tx1"/>
-          </a:fontRef>
-        </p:style>
-      </p:cxnSp>
-      <p:sp>
-        <p:nvSpPr>
-          <p:cNvPr id="22" name="ZoneTexte 21"/>
-          <p:cNvSpPr txBox="1"/>
-          <p:nvPr/>
-        </p:nvSpPr>
-        <p:spPr>
-          <a:xfrm>
-            <a:off x="3887924" y="3966614"/>
-            <a:ext cx="954107" cy="369332"/>
-          </a:xfrm>
-          <a:prstGeom prst="rect">
-            <a:avLst/>
-          </a:prstGeom>
-          <a:noFill/>
-        </p:spPr>
-        <p:txBody>
-          <a:bodyPr wrap="none" rtlCol="0">
-            <a:spAutoFit/>
-          </a:bodyPr>
-          <a:lstStyle/>
-          <a:p>
-            <a:r>
-              <a:rPr lang="fr-FR" dirty="0" smtClean="0"/>
-              <a:t>&lt; N</a:t>
-            </a:r>
-            <a:r>
-              <a:rPr lang="fr-FR" baseline="-25000" dirty="0" smtClean="0"/>
-              <a:t>B</a:t>
-            </a:r>
-            <a:r>
-              <a:rPr lang="fr-FR" dirty="0" smtClean="0"/>
-              <a:t> &gt;</a:t>
-            </a:r>
-            <a:r>
-              <a:rPr lang="fr-FR" baseline="-25000" dirty="0" smtClean="0"/>
-              <a:t>B</a:t>
-            </a:r>
-            <a:endParaRPr lang="fr-FR" baseline="-25000" dirty="0"/>
-          </a:p>
-        </p:txBody>
-      </p:sp>
-      <p:sp>
-        <p:nvSpPr>
-          <p:cNvPr id="23" name="ZoneTexte 22"/>
-          <p:cNvSpPr txBox="1"/>
-          <p:nvPr/>
-        </p:nvSpPr>
-        <p:spPr>
-          <a:xfrm>
-            <a:off x="3629664" y="3282538"/>
-            <a:ext cx="1407308" cy="369332"/>
-          </a:xfrm>
-          <a:prstGeom prst="rect">
-            <a:avLst/>
-          </a:prstGeom>
-          <a:noFill/>
-        </p:spPr>
-        <p:txBody>
-          <a:bodyPr wrap="none" rtlCol="0">
-            <a:spAutoFit/>
-          </a:bodyPr>
-          <a:lstStyle/>
-          <a:p>
-            <a:r>
-              <a:rPr lang="fr-FR" dirty="0" smtClean="0"/>
-              <a:t>&lt; N</a:t>
-            </a:r>
-            <a:r>
-              <a:rPr lang="fr-FR" baseline="-25000" dirty="0" smtClean="0"/>
-              <a:t>A</a:t>
-            </a:r>
-            <a:r>
-              <a:rPr lang="fr-FR" dirty="0" smtClean="0"/>
-              <a:t> , N</a:t>
-            </a:r>
-            <a:r>
-              <a:rPr lang="fr-FR" baseline="-25000" dirty="0" smtClean="0"/>
-              <a:t>B</a:t>
-            </a:r>
-            <a:r>
-              <a:rPr lang="fr-FR" dirty="0" smtClean="0"/>
-              <a:t> &gt;</a:t>
-            </a:r>
-            <a:r>
-              <a:rPr lang="fr-FR" baseline="-25000" dirty="0" smtClean="0"/>
-              <a:t>A</a:t>
-            </a:r>
-            <a:endParaRPr lang="fr-FR" baseline="-25000" dirty="0"/>
-          </a:p>
-        </p:txBody>
-      </p:sp>
+            <a:off x="3059832" y="3282538"/>
+            <a:ext cx="2412268" cy="405336"/>
+            <a:chOff x="3059832" y="3282538"/>
+            <a:chExt cx="2412268" cy="405336"/>
+          </a:xfrm>
+        </p:grpSpPr>
+        <p:cxnSp>
+          <p:nvCxnSpPr>
+            <p:cNvPr id="20" name="Connecteur droit avec flèche 19"/>
+            <p:cNvCxnSpPr/>
+            <p:nvPr/>
+          </p:nvCxnSpPr>
+          <p:spPr>
+            <a:xfrm flipH="1">
+              <a:off x="3059832" y="3687874"/>
+              <a:ext cx="2412268" cy="0"/>
+            </a:xfrm>
+            <a:prstGeom prst="straightConnector1">
+              <a:avLst/>
+            </a:prstGeom>
+            <a:ln w="63500">
+              <a:tailEnd type="triangle"/>
+            </a:ln>
+          </p:spPr>
+          <p:style>
+            <a:lnRef idx="1">
+              <a:schemeClr val="accent1"/>
+            </a:lnRef>
+            <a:fillRef idx="0">
+              <a:schemeClr val="accent1"/>
+            </a:fillRef>
+            <a:effectRef idx="0">
+              <a:schemeClr val="accent1"/>
+            </a:effectRef>
+            <a:fontRef idx="minor">
+              <a:schemeClr val="tx1"/>
+            </a:fontRef>
+          </p:style>
+        </p:cxnSp>
+        <p:sp>
+          <p:nvSpPr>
+            <p:cNvPr id="23" name="ZoneTexte 22"/>
+            <p:cNvSpPr txBox="1"/>
+            <p:nvPr/>
+          </p:nvSpPr>
+          <p:spPr>
+            <a:xfrm>
+              <a:off x="3629664" y="3282538"/>
+              <a:ext cx="1407308" cy="369332"/>
+            </a:xfrm>
+            <a:prstGeom prst="rect">
+              <a:avLst/>
+            </a:prstGeom>
+            <a:noFill/>
+          </p:spPr>
+          <p:txBody>
+            <a:bodyPr wrap="none" rtlCol="0">
+              <a:spAutoFit/>
+            </a:bodyPr>
+            <a:lstStyle/>
+            <a:p>
+              <a:r>
+                <a:rPr lang="fr-FR" dirty="0" smtClean="0"/>
+                <a:t>&lt; N</a:t>
+              </a:r>
+              <a:r>
+                <a:rPr lang="fr-FR" baseline="-25000" dirty="0" smtClean="0"/>
+                <a:t>A</a:t>
+              </a:r>
+              <a:r>
+                <a:rPr lang="fr-FR" dirty="0" smtClean="0"/>
+                <a:t> , N</a:t>
+              </a:r>
+              <a:r>
+                <a:rPr lang="fr-FR" baseline="-25000" dirty="0" smtClean="0"/>
+                <a:t>B</a:t>
+              </a:r>
+              <a:r>
+                <a:rPr lang="fr-FR" dirty="0" smtClean="0"/>
+                <a:t> &gt;</a:t>
+              </a:r>
+              <a:r>
+                <a:rPr lang="fr-FR" baseline="-25000" dirty="0" smtClean="0"/>
+                <a:t>A</a:t>
+              </a:r>
+              <a:endParaRPr lang="fr-FR" baseline="-25000" dirty="0"/>
+            </a:p>
+          </p:txBody>
+        </p:sp>
+      </p:grpSp>
     </p:spTree>
     <p:extLst>
       <p:ext uri="{BB962C8B-B14F-4D97-AF65-F5344CB8AC3E}">
@@ -24906,9 +25637,407 @@
   <p:timing>
     <p:tnLst>
       <p:par>
-        <p:cTn id="1" dur="indefinite" restart="never" nodeType="tmRoot"/>
+        <p:cTn id="1" dur="indefinite" restart="never" nodeType="tmRoot">
+          <p:childTnLst>
+            <p:seq concurrent="1" nextAc="seek">
+              <p:cTn id="2" dur="indefinite" nodeType="mainSeq">
+                <p:childTnLst>
+                  <p:par>
+                    <p:cTn id="3" fill="hold">
+                      <p:stCondLst>
+                        <p:cond delay="indefinite"/>
+                      </p:stCondLst>
+                      <p:childTnLst>
+                        <p:par>
+                          <p:cTn id="4" fill="hold">
+                            <p:stCondLst>
+                              <p:cond delay="0"/>
+                            </p:stCondLst>
+                            <p:childTnLst>
+                              <p:par>
+                                <p:cTn id="5" presetID="1" presetClass="entr" presetSubtype="0" fill="hold" grpId="0" nodeType="clickEffect">
+                                  <p:stCondLst>
+                                    <p:cond delay="0"/>
+                                  </p:stCondLst>
+                                  <p:childTnLst>
+                                    <p:set>
+                                      <p:cBhvr>
+                                        <p:cTn id="6" dur="1" fill="hold">
+                                          <p:stCondLst>
+                                            <p:cond delay="0"/>
+                                          </p:stCondLst>
+                                        </p:cTn>
+                                        <p:tgtEl>
+                                          <p:spTgt spid="15">
+                                            <p:txEl>
+                                              <p:pRg st="0" end="0"/>
+                                            </p:txEl>
+                                          </p:spTgt>
+                                        </p:tgtEl>
+                                        <p:attrNameLst>
+                                          <p:attrName>style.visibility</p:attrName>
+                                        </p:attrNameLst>
+                                      </p:cBhvr>
+                                      <p:to>
+                                        <p:strVal val="visible"/>
+                                      </p:to>
+                                    </p:set>
+                                  </p:childTnLst>
+                                </p:cTn>
+                              </p:par>
+                            </p:childTnLst>
+                          </p:cTn>
+                        </p:par>
+                      </p:childTnLst>
+                    </p:cTn>
+                  </p:par>
+                  <p:par>
+                    <p:cTn id="7" fill="hold">
+                      <p:stCondLst>
+                        <p:cond delay="indefinite"/>
+                      </p:stCondLst>
+                      <p:childTnLst>
+                        <p:par>
+                          <p:cTn id="8" fill="hold">
+                            <p:stCondLst>
+                              <p:cond delay="0"/>
+                            </p:stCondLst>
+                            <p:childTnLst>
+                              <p:par>
+                                <p:cTn id="9" presetID="1" presetClass="entr" presetSubtype="0" fill="hold" grpId="0" nodeType="clickEffect">
+                                  <p:stCondLst>
+                                    <p:cond delay="0"/>
+                                  </p:stCondLst>
+                                  <p:childTnLst>
+                                    <p:set>
+                                      <p:cBhvr>
+                                        <p:cTn id="10" dur="1" fill="hold">
+                                          <p:stCondLst>
+                                            <p:cond delay="0"/>
+                                          </p:stCondLst>
+                                        </p:cTn>
+                                        <p:tgtEl>
+                                          <p:spTgt spid="15">
+                                            <p:txEl>
+                                              <p:pRg st="2" end="2"/>
+                                            </p:txEl>
+                                          </p:spTgt>
+                                        </p:tgtEl>
+                                        <p:attrNameLst>
+                                          <p:attrName>style.visibility</p:attrName>
+                                        </p:attrNameLst>
+                                      </p:cBhvr>
+                                      <p:to>
+                                        <p:strVal val="visible"/>
+                                      </p:to>
+                                    </p:set>
+                                  </p:childTnLst>
+                                </p:cTn>
+                              </p:par>
+                            </p:childTnLst>
+                          </p:cTn>
+                        </p:par>
+                      </p:childTnLst>
+                    </p:cTn>
+                  </p:par>
+                  <p:par>
+                    <p:cTn id="11" fill="hold">
+                      <p:stCondLst>
+                        <p:cond delay="indefinite"/>
+                      </p:stCondLst>
+                      <p:childTnLst>
+                        <p:par>
+                          <p:cTn id="12" fill="hold">
+                            <p:stCondLst>
+                              <p:cond delay="0"/>
+                            </p:stCondLst>
+                            <p:childTnLst>
+                              <p:par>
+                                <p:cTn id="13" presetID="1" presetClass="entr" presetSubtype="0" fill="hold" grpId="0" nodeType="clickEffect">
+                                  <p:stCondLst>
+                                    <p:cond delay="0"/>
+                                  </p:stCondLst>
+                                  <p:childTnLst>
+                                    <p:set>
+                                      <p:cBhvr>
+                                        <p:cTn id="14" dur="1" fill="hold">
+                                          <p:stCondLst>
+                                            <p:cond delay="0"/>
+                                          </p:stCondLst>
+                                        </p:cTn>
+                                        <p:tgtEl>
+                                          <p:spTgt spid="15">
+                                            <p:txEl>
+                                              <p:pRg st="4" end="4"/>
+                                            </p:txEl>
+                                          </p:spTgt>
+                                        </p:tgtEl>
+                                        <p:attrNameLst>
+                                          <p:attrName>style.visibility</p:attrName>
+                                        </p:attrNameLst>
+                                      </p:cBhvr>
+                                      <p:to>
+                                        <p:strVal val="visible"/>
+                                      </p:to>
+                                    </p:set>
+                                  </p:childTnLst>
+                                </p:cTn>
+                              </p:par>
+                            </p:childTnLst>
+                          </p:cTn>
+                        </p:par>
+                      </p:childTnLst>
+                    </p:cTn>
+                  </p:par>
+                  <p:par>
+                    <p:cTn id="15" fill="hold">
+                      <p:stCondLst>
+                        <p:cond delay="indefinite"/>
+                      </p:stCondLst>
+                      <p:childTnLst>
+                        <p:par>
+                          <p:cTn id="16" fill="hold">
+                            <p:stCondLst>
+                              <p:cond delay="0"/>
+                            </p:stCondLst>
+                            <p:childTnLst>
+                              <p:par>
+                                <p:cTn id="17" presetID="1" presetClass="entr" presetSubtype="0" fill="hold" nodeType="clickEffect">
+                                  <p:stCondLst>
+                                    <p:cond delay="0"/>
+                                  </p:stCondLst>
+                                  <p:childTnLst>
+                                    <p:set>
+                                      <p:cBhvr>
+                                        <p:cTn id="18" dur="1" fill="hold">
+                                          <p:stCondLst>
+                                            <p:cond delay="0"/>
+                                          </p:stCondLst>
+                                        </p:cTn>
+                                        <p:tgtEl>
+                                          <p:spTgt spid="7"/>
+                                        </p:tgtEl>
+                                        <p:attrNameLst>
+                                          <p:attrName>style.visibility</p:attrName>
+                                        </p:attrNameLst>
+                                      </p:cBhvr>
+                                      <p:to>
+                                        <p:strVal val="visible"/>
+                                      </p:to>
+                                    </p:set>
+                                  </p:childTnLst>
+                                </p:cTn>
+                              </p:par>
+                            </p:childTnLst>
+                          </p:cTn>
+                        </p:par>
+                      </p:childTnLst>
+                    </p:cTn>
+                  </p:par>
+                  <p:par>
+                    <p:cTn id="19" fill="hold">
+                      <p:stCondLst>
+                        <p:cond delay="indefinite"/>
+                      </p:stCondLst>
+                      <p:childTnLst>
+                        <p:par>
+                          <p:cTn id="20" fill="hold">
+                            <p:stCondLst>
+                              <p:cond delay="0"/>
+                            </p:stCondLst>
+                            <p:childTnLst>
+                              <p:par>
+                                <p:cTn id="21" presetID="1" presetClass="entr" presetSubtype="0" fill="hold" nodeType="clickEffect">
+                                  <p:stCondLst>
+                                    <p:cond delay="0"/>
+                                  </p:stCondLst>
+                                  <p:childTnLst>
+                                    <p:set>
+                                      <p:cBhvr>
+                                        <p:cTn id="22" dur="1" fill="hold">
+                                          <p:stCondLst>
+                                            <p:cond delay="0"/>
+                                          </p:stCondLst>
+                                        </p:cTn>
+                                        <p:tgtEl>
+                                          <p:spTgt spid="9"/>
+                                        </p:tgtEl>
+                                        <p:attrNameLst>
+                                          <p:attrName>style.visibility</p:attrName>
+                                        </p:attrNameLst>
+                                      </p:cBhvr>
+                                      <p:to>
+                                        <p:strVal val="visible"/>
+                                      </p:to>
+                                    </p:set>
+                                  </p:childTnLst>
+                                </p:cTn>
+                              </p:par>
+                            </p:childTnLst>
+                          </p:cTn>
+                        </p:par>
+                      </p:childTnLst>
+                    </p:cTn>
+                  </p:par>
+                  <p:par>
+                    <p:cTn id="23" fill="hold">
+                      <p:stCondLst>
+                        <p:cond delay="indefinite"/>
+                      </p:stCondLst>
+                      <p:childTnLst>
+                        <p:par>
+                          <p:cTn id="24" fill="hold">
+                            <p:stCondLst>
+                              <p:cond delay="0"/>
+                            </p:stCondLst>
+                            <p:childTnLst>
+                              <p:par>
+                                <p:cTn id="25" presetID="1" presetClass="entr" presetSubtype="0" fill="hold" nodeType="clickEffect">
+                                  <p:stCondLst>
+                                    <p:cond delay="0"/>
+                                  </p:stCondLst>
+                                  <p:childTnLst>
+                                    <p:set>
+                                      <p:cBhvr>
+                                        <p:cTn id="26" dur="1" fill="hold">
+                                          <p:stCondLst>
+                                            <p:cond delay="0"/>
+                                          </p:stCondLst>
+                                        </p:cTn>
+                                        <p:tgtEl>
+                                          <p:spTgt spid="2"/>
+                                        </p:tgtEl>
+                                        <p:attrNameLst>
+                                          <p:attrName>style.visibility</p:attrName>
+                                        </p:attrNameLst>
+                                      </p:cBhvr>
+                                      <p:to>
+                                        <p:strVal val="visible"/>
+                                      </p:to>
+                                    </p:set>
+                                  </p:childTnLst>
+                                </p:cTn>
+                              </p:par>
+                            </p:childTnLst>
+                          </p:cTn>
+                        </p:par>
+                      </p:childTnLst>
+                    </p:cTn>
+                  </p:par>
+                  <p:par>
+                    <p:cTn id="27" fill="hold">
+                      <p:stCondLst>
+                        <p:cond delay="indefinite"/>
+                      </p:stCondLst>
+                      <p:childTnLst>
+                        <p:par>
+                          <p:cTn id="28" fill="hold">
+                            <p:stCondLst>
+                              <p:cond delay="0"/>
+                            </p:stCondLst>
+                            <p:childTnLst>
+                              <p:par>
+                                <p:cTn id="29" presetID="1" presetClass="entr" presetSubtype="0" fill="hold" nodeType="clickEffect">
+                                  <p:stCondLst>
+                                    <p:cond delay="0"/>
+                                  </p:stCondLst>
+                                  <p:childTnLst>
+                                    <p:set>
+                                      <p:cBhvr>
+                                        <p:cTn id="30" dur="1" fill="hold">
+                                          <p:stCondLst>
+                                            <p:cond delay="0"/>
+                                          </p:stCondLst>
+                                        </p:cTn>
+                                        <p:tgtEl>
+                                          <p:spTgt spid="3"/>
+                                        </p:tgtEl>
+                                        <p:attrNameLst>
+                                          <p:attrName>style.visibility</p:attrName>
+                                        </p:attrNameLst>
+                                      </p:cBhvr>
+                                      <p:to>
+                                        <p:strVal val="visible"/>
+                                      </p:to>
+                                    </p:set>
+                                  </p:childTnLst>
+                                </p:cTn>
+                              </p:par>
+                            </p:childTnLst>
+                          </p:cTn>
+                        </p:par>
+                      </p:childTnLst>
+                    </p:cTn>
+                  </p:par>
+                  <p:par>
+                    <p:cTn id="31" fill="hold">
+                      <p:stCondLst>
+                        <p:cond delay="indefinite"/>
+                      </p:stCondLst>
+                      <p:childTnLst>
+                        <p:par>
+                          <p:cTn id="32" fill="hold">
+                            <p:stCondLst>
+                              <p:cond delay="0"/>
+                            </p:stCondLst>
+                            <p:childTnLst>
+                              <p:par>
+                                <p:cTn id="33" presetID="1" presetClass="entr" presetSubtype="0" fill="hold" nodeType="clickEffect">
+                                  <p:stCondLst>
+                                    <p:cond delay="0"/>
+                                  </p:stCondLst>
+                                  <p:childTnLst>
+                                    <p:set>
+                                      <p:cBhvr>
+                                        <p:cTn id="34" dur="1" fill="hold">
+                                          <p:stCondLst>
+                                            <p:cond delay="0"/>
+                                          </p:stCondLst>
+                                        </p:cTn>
+                                        <p:tgtEl>
+                                          <p:spTgt spid="4"/>
+                                        </p:tgtEl>
+                                        <p:attrNameLst>
+                                          <p:attrName>style.visibility</p:attrName>
+                                        </p:attrNameLst>
+                                      </p:cBhvr>
+                                      <p:to>
+                                        <p:strVal val="visible"/>
+                                      </p:to>
+                                    </p:set>
+                                  </p:childTnLst>
+                                </p:cTn>
+                              </p:par>
+                            </p:childTnLst>
+                          </p:cTn>
+                        </p:par>
+                      </p:childTnLst>
+                    </p:cTn>
+                  </p:par>
+                </p:childTnLst>
+              </p:cTn>
+              <p:prevCondLst>
+                <p:cond evt="onPrev" delay="0">
+                  <p:tgtEl>
+                    <p:sldTgt/>
+                  </p:tgtEl>
+                </p:cond>
+              </p:prevCondLst>
+              <p:nextCondLst>
+                <p:cond evt="onNext" delay="0">
+                  <p:tgtEl>
+                    <p:sldTgt/>
+                  </p:tgtEl>
+                </p:cond>
+              </p:nextCondLst>
+            </p:seq>
+          </p:childTnLst>
+        </p:cTn>
       </p:par>
     </p:tnLst>
+    <p:bldLst>
+      <p:bldP spid="15" grpId="0" build="p"/>
+    </p:bldLst>
   </p:timing>
 </p:sld>
 </file>
@@ -24956,15 +26085,7 @@
             </a:r>
             <a:r>
               <a:rPr lang="fr-FR" dirty="0" smtClean="0"/>
-              <a:t>-Schroeder-Lowe </a:t>
-            </a:r>
-            <a:r>
-              <a:rPr lang="fr-FR" dirty="0" smtClean="0"/>
-              <a:t>(</a:t>
-            </a:r>
-            <a:r>
-              <a:rPr lang="fr-FR" dirty="0" smtClean="0"/>
-              <a:t>2/4)</a:t>
+              <a:t>-Schroeder-Lowe (2/4)</a:t>
             </a:r>
             <a:endParaRPr lang="fr-FR" dirty="0"/>
           </a:p>
@@ -25101,7 +26222,7 @@
         </p:blipFill>
         <p:spPr>
           <a:xfrm>
-            <a:off x="3563888" y="1268874"/>
+            <a:off x="3563888" y="1340882"/>
             <a:ext cx="2196244" cy="1878940"/>
           </a:xfrm>
         </p:spPr>
@@ -25128,7 +26249,7 @@
         </p:blipFill>
         <p:spPr>
           <a:xfrm>
-            <a:off x="3563888" y="3039802"/>
+            <a:off x="3563888" y="2931790"/>
             <a:ext cx="2196244" cy="1911860"/>
           </a:xfrm>
           <a:prstGeom prst="rect">
@@ -25477,7 +26598,7 @@
         </p:blipFill>
         <p:spPr>
           <a:xfrm>
-            <a:off x="7200292" y="2405577"/>
+            <a:off x="7200292" y="2247714"/>
             <a:ext cx="1944216" cy="2110389"/>
           </a:xfrm>
           <a:prstGeom prst="rect">
@@ -25485,238 +26606,590 @@
           </a:prstGeom>
         </p:spPr>
       </p:pic>
-      <p:cxnSp>
-        <p:nvCxnSpPr>
-          <p:cNvPr id="16" name="Connecteur droit avec flèche 15"/>
-          <p:cNvCxnSpPr/>
+      <p:grpSp>
+        <p:nvGrpSpPr>
+          <p:cNvPr id="2" name="Groupe 1"/>
+          <p:cNvGrpSpPr/>
           <p:nvPr/>
-        </p:nvCxnSpPr>
+        </p:nvGrpSpPr>
+        <p:grpSpPr>
+          <a:xfrm>
+            <a:off x="2123728" y="1950390"/>
+            <a:ext cx="1373491" cy="405336"/>
+            <a:chOff x="2123728" y="1950390"/>
+            <a:chExt cx="1373491" cy="405336"/>
+          </a:xfrm>
+        </p:grpSpPr>
+        <p:cxnSp>
+          <p:nvCxnSpPr>
+            <p:cNvPr id="16" name="Connecteur droit avec flèche 15"/>
+            <p:cNvCxnSpPr/>
+            <p:nvPr/>
+          </p:nvCxnSpPr>
+          <p:spPr>
+            <a:xfrm>
+              <a:off x="2195736" y="2355726"/>
+              <a:ext cx="1301483" cy="0"/>
+            </a:xfrm>
+            <a:prstGeom prst="straightConnector1">
+              <a:avLst/>
+            </a:prstGeom>
+            <a:ln w="63500">
+              <a:tailEnd type="triangle"/>
+            </a:ln>
+          </p:spPr>
+          <p:style>
+            <a:lnRef idx="1">
+              <a:schemeClr val="accent1"/>
+            </a:lnRef>
+            <a:fillRef idx="0">
+              <a:schemeClr val="accent1"/>
+            </a:fillRef>
+            <a:effectRef idx="0">
+              <a:schemeClr val="accent1"/>
+            </a:effectRef>
+            <a:fontRef idx="minor">
+              <a:schemeClr val="tx1"/>
+            </a:fontRef>
+          </p:style>
+        </p:cxnSp>
+        <p:sp>
+          <p:nvSpPr>
+            <p:cNvPr id="20" name="Rectangle 19"/>
+            <p:cNvSpPr/>
+            <p:nvPr/>
+          </p:nvSpPr>
+          <p:spPr>
+            <a:xfrm>
+              <a:off x="2123728" y="1950390"/>
+              <a:ext cx="1317668" cy="369332"/>
+            </a:xfrm>
+            <a:prstGeom prst="rect">
+              <a:avLst/>
+            </a:prstGeom>
+          </p:spPr>
+          <p:txBody>
+            <a:bodyPr wrap="none">
+              <a:spAutoFit/>
+            </a:bodyPr>
+            <a:lstStyle/>
+            <a:p>
+              <a:r>
+                <a:rPr lang="fr-FR" dirty="0"/>
+                <a:t>&lt; N</a:t>
+              </a:r>
+              <a:r>
+                <a:rPr lang="fr-FR" baseline="-25000" dirty="0"/>
+                <a:t>A</a:t>
+              </a:r>
+              <a:r>
+                <a:rPr lang="fr-FR" dirty="0"/>
+                <a:t> , A </a:t>
+              </a:r>
+              <a:r>
+                <a:rPr lang="fr-FR" dirty="0" smtClean="0"/>
+                <a:t>&gt;</a:t>
+              </a:r>
+              <a:r>
+                <a:rPr lang="fr-FR" baseline="-25000" dirty="0" smtClean="0"/>
+                <a:t>C</a:t>
+              </a:r>
+              <a:endParaRPr lang="fr-FR" baseline="-25000" dirty="0"/>
+            </a:p>
+          </p:txBody>
+        </p:sp>
+      </p:grpSp>
+      <p:grpSp>
+        <p:nvGrpSpPr>
+          <p:cNvPr id="7" name="Groupe 6"/>
+          <p:cNvGrpSpPr/>
+          <p:nvPr/>
+        </p:nvGrpSpPr>
+        <p:grpSpPr>
+          <a:xfrm>
+            <a:off x="5713967" y="2391730"/>
+            <a:ext cx="1414317" cy="396044"/>
+            <a:chOff x="5713967" y="2391730"/>
+            <a:chExt cx="1414317" cy="396044"/>
+          </a:xfrm>
+        </p:grpSpPr>
+        <p:cxnSp>
+          <p:nvCxnSpPr>
+            <p:cNvPr id="19" name="Connecteur droit avec flèche 18"/>
+            <p:cNvCxnSpPr/>
+            <p:nvPr/>
+          </p:nvCxnSpPr>
+          <p:spPr>
+            <a:xfrm>
+              <a:off x="5826801" y="2787774"/>
+              <a:ext cx="1301483" cy="0"/>
+            </a:xfrm>
+            <a:prstGeom prst="straightConnector1">
+              <a:avLst/>
+            </a:prstGeom>
+            <a:ln w="63500">
+              <a:tailEnd type="triangle"/>
+            </a:ln>
+          </p:spPr>
+          <p:style>
+            <a:lnRef idx="1">
+              <a:schemeClr val="accent1"/>
+            </a:lnRef>
+            <a:fillRef idx="0">
+              <a:schemeClr val="accent1"/>
+            </a:fillRef>
+            <a:effectRef idx="0">
+              <a:schemeClr val="accent1"/>
+            </a:effectRef>
+            <a:fontRef idx="minor">
+              <a:schemeClr val="tx1"/>
+            </a:fontRef>
+          </p:style>
+        </p:cxnSp>
+        <p:sp>
+          <p:nvSpPr>
+            <p:cNvPr id="21" name="Rectangle 20"/>
+            <p:cNvSpPr/>
+            <p:nvPr/>
+          </p:nvSpPr>
+          <p:spPr>
+            <a:xfrm>
+              <a:off x="5713967" y="2391730"/>
+              <a:ext cx="1309654" cy="369332"/>
+            </a:xfrm>
+            <a:prstGeom prst="rect">
+              <a:avLst/>
+            </a:prstGeom>
+          </p:spPr>
+          <p:txBody>
+            <a:bodyPr wrap="none">
+              <a:spAutoFit/>
+            </a:bodyPr>
+            <a:lstStyle/>
+            <a:p>
+              <a:r>
+                <a:rPr lang="fr-FR" dirty="0"/>
+                <a:t>&lt; N</a:t>
+              </a:r>
+              <a:r>
+                <a:rPr lang="fr-FR" baseline="-25000" dirty="0"/>
+                <a:t>A</a:t>
+              </a:r>
+              <a:r>
+                <a:rPr lang="fr-FR" dirty="0"/>
+                <a:t> , A </a:t>
+              </a:r>
+              <a:r>
+                <a:rPr lang="fr-FR" dirty="0" smtClean="0"/>
+                <a:t>&gt;</a:t>
+              </a:r>
+              <a:r>
+                <a:rPr lang="fr-FR" baseline="-25000" dirty="0" smtClean="0"/>
+                <a:t>B</a:t>
+              </a:r>
+              <a:endParaRPr lang="fr-FR" baseline="-25000" dirty="0"/>
+            </a:p>
+          </p:txBody>
+        </p:sp>
+      </p:grpSp>
+      <p:grpSp>
+        <p:nvGrpSpPr>
+          <p:cNvPr id="17" name="Groupe 16"/>
+          <p:cNvGrpSpPr/>
+          <p:nvPr/>
+        </p:nvGrpSpPr>
+        <p:grpSpPr>
+          <a:xfrm>
+            <a:off x="5682785" y="2823778"/>
+            <a:ext cx="1445499" cy="396044"/>
+            <a:chOff x="5682785" y="2823778"/>
+            <a:chExt cx="1445499" cy="396044"/>
+          </a:xfrm>
+        </p:grpSpPr>
+        <p:cxnSp>
+          <p:nvCxnSpPr>
+            <p:cNvPr id="23" name="Connecteur droit avec flèche 22"/>
+            <p:cNvCxnSpPr/>
+            <p:nvPr/>
+          </p:nvCxnSpPr>
+          <p:spPr>
+            <a:xfrm flipH="1">
+              <a:off x="5826802" y="3219822"/>
+              <a:ext cx="1301482" cy="0"/>
+            </a:xfrm>
+            <a:prstGeom prst="straightConnector1">
+              <a:avLst/>
+            </a:prstGeom>
+            <a:ln w="63500">
+              <a:tailEnd type="triangle"/>
+            </a:ln>
+          </p:spPr>
+          <p:style>
+            <a:lnRef idx="1">
+              <a:schemeClr val="accent1"/>
+            </a:lnRef>
+            <a:fillRef idx="0">
+              <a:schemeClr val="accent1"/>
+            </a:fillRef>
+            <a:effectRef idx="0">
+              <a:schemeClr val="accent1"/>
+            </a:effectRef>
+            <a:fontRef idx="minor">
+              <a:schemeClr val="tx1"/>
+            </a:fontRef>
+          </p:style>
+        </p:cxnSp>
+        <p:sp>
+          <p:nvSpPr>
+            <p:cNvPr id="26" name="ZoneTexte 25"/>
+            <p:cNvSpPr txBox="1"/>
+            <p:nvPr/>
+          </p:nvSpPr>
+          <p:spPr>
+            <a:xfrm>
+              <a:off x="5682785" y="2823778"/>
+              <a:ext cx="1407308" cy="369332"/>
+            </a:xfrm>
+            <a:prstGeom prst="rect">
+              <a:avLst/>
+            </a:prstGeom>
+            <a:noFill/>
+          </p:spPr>
+          <p:txBody>
+            <a:bodyPr wrap="none" rtlCol="0">
+              <a:spAutoFit/>
+            </a:bodyPr>
+            <a:lstStyle/>
+            <a:p>
+              <a:r>
+                <a:rPr lang="fr-FR" dirty="0" smtClean="0"/>
+                <a:t>&lt; N</a:t>
+              </a:r>
+              <a:r>
+                <a:rPr lang="fr-FR" baseline="-25000" dirty="0" smtClean="0"/>
+                <a:t>A</a:t>
+              </a:r>
+              <a:r>
+                <a:rPr lang="fr-FR" dirty="0" smtClean="0"/>
+                <a:t> , N</a:t>
+              </a:r>
+              <a:r>
+                <a:rPr lang="fr-FR" baseline="-25000" dirty="0" smtClean="0"/>
+                <a:t>B</a:t>
+              </a:r>
+              <a:r>
+                <a:rPr lang="fr-FR" dirty="0" smtClean="0"/>
+                <a:t> &gt;</a:t>
+              </a:r>
+              <a:r>
+                <a:rPr lang="fr-FR" baseline="-25000" dirty="0" smtClean="0"/>
+                <a:t>A</a:t>
+              </a:r>
+              <a:endParaRPr lang="fr-FR" baseline="-25000" dirty="0"/>
+            </a:p>
+          </p:txBody>
+        </p:sp>
+      </p:grpSp>
+      <p:grpSp>
+        <p:nvGrpSpPr>
+          <p:cNvPr id="5" name="Groupe 4"/>
+          <p:cNvGrpSpPr/>
+          <p:nvPr/>
+        </p:nvGrpSpPr>
+        <p:grpSpPr>
+          <a:xfrm>
+            <a:off x="2051720" y="3255826"/>
+            <a:ext cx="1445498" cy="396044"/>
+            <a:chOff x="2051720" y="3255826"/>
+            <a:chExt cx="1445498" cy="396044"/>
+          </a:xfrm>
+        </p:grpSpPr>
+        <p:sp>
+          <p:nvSpPr>
+            <p:cNvPr id="27" name="ZoneTexte 26"/>
+            <p:cNvSpPr txBox="1"/>
+            <p:nvPr/>
+          </p:nvSpPr>
+          <p:spPr>
+            <a:xfrm>
+              <a:off x="2051720" y="3255826"/>
+              <a:ext cx="1415324" cy="369332"/>
+            </a:xfrm>
+            <a:prstGeom prst="rect">
+              <a:avLst/>
+            </a:prstGeom>
+            <a:noFill/>
+          </p:spPr>
+          <p:txBody>
+            <a:bodyPr wrap="none" rtlCol="0">
+              <a:spAutoFit/>
+            </a:bodyPr>
+            <a:lstStyle/>
+            <a:p>
+              <a:r>
+                <a:rPr lang="fr-FR" dirty="0" smtClean="0"/>
+                <a:t>&lt; N</a:t>
+              </a:r>
+              <a:r>
+                <a:rPr lang="fr-FR" baseline="-25000" dirty="0" smtClean="0"/>
+                <a:t>A</a:t>
+              </a:r>
+              <a:r>
+                <a:rPr lang="fr-FR" dirty="0" smtClean="0"/>
+                <a:t> , </a:t>
+              </a:r>
+              <a:r>
+                <a:rPr lang="fr-FR" dirty="0" smtClean="0"/>
+                <a:t>N</a:t>
+              </a:r>
+              <a:r>
+                <a:rPr lang="fr-FR" baseline="-25000" dirty="0" smtClean="0"/>
+                <a:t>C</a:t>
+              </a:r>
+              <a:r>
+                <a:rPr lang="fr-FR" dirty="0" smtClean="0"/>
+                <a:t> </a:t>
+              </a:r>
+              <a:r>
+                <a:rPr lang="fr-FR" dirty="0" smtClean="0"/>
+                <a:t>&gt;</a:t>
+              </a:r>
+              <a:r>
+                <a:rPr lang="fr-FR" baseline="-25000" dirty="0" smtClean="0"/>
+                <a:t>A</a:t>
+              </a:r>
+              <a:endParaRPr lang="fr-FR" baseline="-25000" dirty="0"/>
+            </a:p>
+          </p:txBody>
+        </p:sp>
+        <p:cxnSp>
+          <p:nvCxnSpPr>
+            <p:cNvPr id="28" name="Connecteur droit avec flèche 27"/>
+            <p:cNvCxnSpPr/>
+            <p:nvPr/>
+          </p:nvCxnSpPr>
+          <p:spPr>
+            <a:xfrm flipH="1">
+              <a:off x="2195736" y="3651870"/>
+              <a:ext cx="1301482" cy="0"/>
+            </a:xfrm>
+            <a:prstGeom prst="straightConnector1">
+              <a:avLst/>
+            </a:prstGeom>
+            <a:ln w="63500">
+              <a:tailEnd type="triangle"/>
+            </a:ln>
+          </p:spPr>
+          <p:style>
+            <a:lnRef idx="1">
+              <a:schemeClr val="accent1"/>
+            </a:lnRef>
+            <a:fillRef idx="0">
+              <a:schemeClr val="accent1"/>
+            </a:fillRef>
+            <a:effectRef idx="0">
+              <a:schemeClr val="accent1"/>
+            </a:effectRef>
+            <a:fontRef idx="minor">
+              <a:schemeClr val="tx1"/>
+            </a:fontRef>
+          </p:style>
+        </p:cxnSp>
+      </p:grpSp>
+      <p:grpSp>
+        <p:nvGrpSpPr>
+          <p:cNvPr id="6" name="Groupe 5"/>
+          <p:cNvGrpSpPr/>
+          <p:nvPr/>
+        </p:nvGrpSpPr>
+        <p:grpSpPr>
+          <a:xfrm>
+            <a:off x="2195736" y="3687874"/>
+            <a:ext cx="1301483" cy="396044"/>
+            <a:chOff x="2195736" y="3687874"/>
+            <a:chExt cx="1301483" cy="396044"/>
+          </a:xfrm>
+        </p:grpSpPr>
+        <p:cxnSp>
+          <p:nvCxnSpPr>
+            <p:cNvPr id="22" name="Connecteur droit avec flèche 21"/>
+            <p:cNvCxnSpPr/>
+            <p:nvPr/>
+          </p:nvCxnSpPr>
+          <p:spPr>
+            <a:xfrm>
+              <a:off x="2195736" y="4083918"/>
+              <a:ext cx="1301483" cy="0"/>
+            </a:xfrm>
+            <a:prstGeom prst="straightConnector1">
+              <a:avLst/>
+            </a:prstGeom>
+            <a:ln w="63500">
+              <a:tailEnd type="triangle"/>
+            </a:ln>
+          </p:spPr>
+          <p:style>
+            <a:lnRef idx="1">
+              <a:schemeClr val="accent1"/>
+            </a:lnRef>
+            <a:fillRef idx="0">
+              <a:schemeClr val="accent1"/>
+            </a:fillRef>
+            <a:effectRef idx="0">
+              <a:schemeClr val="accent1"/>
+            </a:effectRef>
+            <a:fontRef idx="minor">
+              <a:schemeClr val="tx1"/>
+            </a:fontRef>
+          </p:style>
+        </p:cxnSp>
+        <p:sp>
+          <p:nvSpPr>
+            <p:cNvPr id="29" name="ZoneTexte 28"/>
+            <p:cNvSpPr txBox="1"/>
+            <p:nvPr/>
+          </p:nvSpPr>
+          <p:spPr>
+            <a:xfrm>
+              <a:off x="2321749" y="3687874"/>
+              <a:ext cx="970137" cy="369332"/>
+            </a:xfrm>
+            <a:prstGeom prst="rect">
+              <a:avLst/>
+            </a:prstGeom>
+            <a:noFill/>
+          </p:spPr>
+          <p:txBody>
+            <a:bodyPr wrap="none" rtlCol="0">
+              <a:spAutoFit/>
+            </a:bodyPr>
+            <a:lstStyle/>
+            <a:p>
+              <a:r>
+                <a:rPr lang="fr-FR" dirty="0" smtClean="0"/>
+                <a:t>&lt; </a:t>
+              </a:r>
+              <a:r>
+                <a:rPr lang="fr-FR" dirty="0" smtClean="0"/>
+                <a:t>N</a:t>
+              </a:r>
+              <a:r>
+                <a:rPr lang="fr-FR" baseline="-25000" dirty="0" smtClean="0"/>
+                <a:t>C</a:t>
+              </a:r>
+              <a:r>
+                <a:rPr lang="fr-FR" dirty="0" smtClean="0"/>
+                <a:t> &gt;</a:t>
+              </a:r>
+              <a:r>
+                <a:rPr lang="fr-FR" baseline="-25000" dirty="0" smtClean="0"/>
+                <a:t>C</a:t>
+              </a:r>
+              <a:endParaRPr lang="fr-FR" baseline="-25000" dirty="0"/>
+            </a:p>
+          </p:txBody>
+        </p:sp>
+      </p:grpSp>
+      <p:grpSp>
+        <p:nvGrpSpPr>
+          <p:cNvPr id="18" name="Groupe 17"/>
+          <p:cNvGrpSpPr/>
+          <p:nvPr/>
+        </p:nvGrpSpPr>
+        <p:grpSpPr>
+          <a:xfrm>
+            <a:off x="5826801" y="3903898"/>
+            <a:ext cx="1301483" cy="396044"/>
+            <a:chOff x="5826801" y="4119922"/>
+            <a:chExt cx="1301483" cy="396044"/>
+          </a:xfrm>
+        </p:grpSpPr>
+        <p:sp>
+          <p:nvSpPr>
+            <p:cNvPr id="30" name="ZoneTexte 29"/>
+            <p:cNvSpPr txBox="1"/>
+            <p:nvPr/>
+          </p:nvSpPr>
+          <p:spPr>
+            <a:xfrm>
+              <a:off x="5970817" y="4119922"/>
+              <a:ext cx="954107" cy="369332"/>
+            </a:xfrm>
+            <a:prstGeom prst="rect">
+              <a:avLst/>
+            </a:prstGeom>
+            <a:noFill/>
+          </p:spPr>
+          <p:txBody>
+            <a:bodyPr wrap="none" rtlCol="0">
+              <a:spAutoFit/>
+            </a:bodyPr>
+            <a:lstStyle/>
+            <a:p>
+              <a:r>
+                <a:rPr lang="fr-FR" dirty="0" smtClean="0"/>
+                <a:t>&lt; N</a:t>
+              </a:r>
+              <a:r>
+                <a:rPr lang="fr-FR" baseline="-25000" dirty="0" smtClean="0"/>
+                <a:t>B</a:t>
+              </a:r>
+              <a:r>
+                <a:rPr lang="fr-FR" dirty="0" smtClean="0"/>
+                <a:t> &gt;</a:t>
+              </a:r>
+              <a:r>
+                <a:rPr lang="fr-FR" baseline="-25000" dirty="0" smtClean="0"/>
+                <a:t>B</a:t>
+              </a:r>
+              <a:endParaRPr lang="fr-FR" baseline="-25000" dirty="0"/>
+            </a:p>
+          </p:txBody>
+        </p:sp>
+        <p:cxnSp>
+          <p:nvCxnSpPr>
+            <p:cNvPr id="31" name="Connecteur droit avec flèche 30"/>
+            <p:cNvCxnSpPr/>
+            <p:nvPr/>
+          </p:nvCxnSpPr>
+          <p:spPr>
+            <a:xfrm>
+              <a:off x="5826801" y="4515966"/>
+              <a:ext cx="1301483" cy="0"/>
+            </a:xfrm>
+            <a:prstGeom prst="straightConnector1">
+              <a:avLst/>
+            </a:prstGeom>
+            <a:ln w="63500">
+              <a:tailEnd type="triangle"/>
+            </a:ln>
+          </p:spPr>
+          <p:style>
+            <a:lnRef idx="1">
+              <a:schemeClr val="accent1"/>
+            </a:lnRef>
+            <a:fillRef idx="0">
+              <a:schemeClr val="accent1"/>
+            </a:fillRef>
+            <a:effectRef idx="0">
+              <a:schemeClr val="accent1"/>
+            </a:effectRef>
+            <a:fontRef idx="minor">
+              <a:schemeClr val="tx1"/>
+            </a:fontRef>
+          </p:style>
+        </p:cxnSp>
+      </p:grpSp>
+      <p:sp>
+        <p:nvSpPr>
+          <p:cNvPr id="24" name="ZoneTexte 23"/>
+          <p:cNvSpPr txBox="1"/>
+          <p:nvPr/>
+        </p:nvSpPr>
         <p:spPr>
           <a:xfrm>
-            <a:off x="2195736" y="2355726"/>
-            <a:ext cx="1301483" cy="0"/>
-          </a:xfrm>
-          <a:prstGeom prst="straightConnector1">
-            <a:avLst/>
-          </a:prstGeom>
-          <a:ln w="63500">
-            <a:tailEnd type="triangle"/>
-          </a:ln>
-        </p:spPr>
-        <p:style>
-          <a:lnRef idx="1">
-            <a:schemeClr val="accent1"/>
-          </a:lnRef>
-          <a:fillRef idx="0">
-            <a:schemeClr val="accent1"/>
-          </a:fillRef>
-          <a:effectRef idx="0">
-            <a:schemeClr val="accent1"/>
-          </a:effectRef>
-          <a:fontRef idx="minor">
-            <a:schemeClr val="tx1"/>
-          </a:fontRef>
-        </p:style>
-      </p:cxnSp>
-      <p:cxnSp>
-        <p:nvCxnSpPr>
-          <p:cNvPr id="19" name="Connecteur droit avec flèche 18"/>
-          <p:cNvCxnSpPr/>
-          <p:nvPr/>
-        </p:nvCxnSpPr>
-        <p:spPr>
-          <a:xfrm>
-            <a:off x="5826801" y="2787774"/>
-            <a:ext cx="1301483" cy="0"/>
-          </a:xfrm>
-          <a:prstGeom prst="straightConnector1">
-            <a:avLst/>
-          </a:prstGeom>
-          <a:ln w="63500">
-            <a:tailEnd type="triangle"/>
-          </a:ln>
-        </p:spPr>
-        <p:style>
-          <a:lnRef idx="1">
-            <a:schemeClr val="accent1"/>
-          </a:lnRef>
-          <a:fillRef idx="0">
-            <a:schemeClr val="accent1"/>
-          </a:fillRef>
-          <a:effectRef idx="0">
-            <a:schemeClr val="accent1"/>
-          </a:effectRef>
-          <a:fontRef idx="minor">
-            <a:schemeClr val="tx1"/>
-          </a:fontRef>
-        </p:style>
-      </p:cxnSp>
-      <p:sp>
-        <p:nvSpPr>
-          <p:cNvPr id="20" name="Rectangle 19"/>
-          <p:cNvSpPr/>
-          <p:nvPr/>
-        </p:nvSpPr>
-        <p:spPr>
-          <a:xfrm>
-            <a:off x="2123728" y="1950390"/>
-            <a:ext cx="1207062" cy="369332"/>
-          </a:xfrm>
-          <a:prstGeom prst="rect">
-            <a:avLst/>
-          </a:prstGeom>
-        </p:spPr>
-        <p:txBody>
-          <a:bodyPr wrap="none">
-            <a:spAutoFit/>
-          </a:bodyPr>
-          <a:lstStyle/>
-          <a:p>
-            <a:r>
-              <a:rPr lang="fr-FR" dirty="0"/>
-              <a:t>&lt; N</a:t>
-            </a:r>
-            <a:r>
-              <a:rPr lang="fr-FR" baseline="-25000" dirty="0"/>
-              <a:t>A</a:t>
-            </a:r>
-            <a:r>
-              <a:rPr lang="fr-FR" dirty="0"/>
-              <a:t> , A </a:t>
-            </a:r>
-            <a:r>
-              <a:rPr lang="fr-FR" dirty="0" smtClean="0"/>
-              <a:t>&gt;</a:t>
-            </a:r>
-            <a:r>
-              <a:rPr lang="fr-FR" baseline="-25000" dirty="0" smtClean="0"/>
-              <a:t>I</a:t>
-            </a:r>
-            <a:endParaRPr lang="fr-FR" baseline="-25000" dirty="0"/>
-          </a:p>
-        </p:txBody>
-      </p:sp>
-      <p:sp>
-        <p:nvSpPr>
-          <p:cNvPr id="21" name="Rectangle 20"/>
-          <p:cNvSpPr/>
-          <p:nvPr/>
-        </p:nvSpPr>
-        <p:spPr>
-          <a:xfrm>
-            <a:off x="5713967" y="2391730"/>
-            <a:ext cx="1309654" cy="369332"/>
-          </a:xfrm>
-          <a:prstGeom prst="rect">
-            <a:avLst/>
-          </a:prstGeom>
-        </p:spPr>
-        <p:txBody>
-          <a:bodyPr wrap="none">
-            <a:spAutoFit/>
-          </a:bodyPr>
-          <a:lstStyle/>
-          <a:p>
-            <a:r>
-              <a:rPr lang="fr-FR" dirty="0"/>
-              <a:t>&lt; N</a:t>
-            </a:r>
-            <a:r>
-              <a:rPr lang="fr-FR" baseline="-25000" dirty="0"/>
-              <a:t>A</a:t>
-            </a:r>
-            <a:r>
-              <a:rPr lang="fr-FR" dirty="0"/>
-              <a:t> , A </a:t>
-            </a:r>
-            <a:r>
-              <a:rPr lang="fr-FR" dirty="0" smtClean="0"/>
-              <a:t>&gt;</a:t>
-            </a:r>
-            <a:r>
-              <a:rPr lang="fr-FR" baseline="-25000" dirty="0" smtClean="0"/>
-              <a:t>B</a:t>
-            </a:r>
-            <a:endParaRPr lang="fr-FR" baseline="-25000" dirty="0"/>
-          </a:p>
-        </p:txBody>
-      </p:sp>
-      <p:cxnSp>
-        <p:nvCxnSpPr>
-          <p:cNvPr id="22" name="Connecteur droit avec flèche 21"/>
-          <p:cNvCxnSpPr/>
-          <p:nvPr/>
-        </p:nvCxnSpPr>
-        <p:spPr>
-          <a:xfrm>
-            <a:off x="2195736" y="4083918"/>
-            <a:ext cx="1301483" cy="0"/>
-          </a:xfrm>
-          <a:prstGeom prst="straightConnector1">
-            <a:avLst/>
-          </a:prstGeom>
-          <a:ln w="63500">
-            <a:tailEnd type="triangle"/>
-          </a:ln>
-        </p:spPr>
-        <p:style>
-          <a:lnRef idx="1">
-            <a:schemeClr val="accent1"/>
-          </a:lnRef>
-          <a:fillRef idx="0">
-            <a:schemeClr val="accent1"/>
-          </a:fillRef>
-          <a:effectRef idx="0">
-            <a:schemeClr val="accent1"/>
-          </a:effectRef>
-          <a:fontRef idx="minor">
-            <a:schemeClr val="tx1"/>
-          </a:fontRef>
-        </p:style>
-      </p:cxnSp>
-      <p:cxnSp>
-        <p:nvCxnSpPr>
-          <p:cNvPr id="23" name="Connecteur droit avec flèche 22"/>
-          <p:cNvCxnSpPr/>
-          <p:nvPr/>
-        </p:nvCxnSpPr>
-        <p:spPr>
-          <a:xfrm flipH="1">
-            <a:off x="5826802" y="3219822"/>
-            <a:ext cx="1301482" cy="0"/>
-          </a:xfrm>
-          <a:prstGeom prst="straightConnector1">
-            <a:avLst/>
-          </a:prstGeom>
-          <a:ln w="63500">
-            <a:tailEnd type="triangle"/>
-          </a:ln>
-        </p:spPr>
-        <p:style>
-          <a:lnRef idx="1">
-            <a:schemeClr val="accent1"/>
-          </a:lnRef>
-          <a:fillRef idx="0">
-            <a:schemeClr val="accent1"/>
-          </a:fillRef>
-          <a:effectRef idx="0">
-            <a:schemeClr val="accent1"/>
-          </a:effectRef>
-          <a:fontRef idx="minor">
-            <a:schemeClr val="tx1"/>
-          </a:fontRef>
-        </p:style>
-      </p:cxnSp>
-      <p:sp>
-        <p:nvSpPr>
-          <p:cNvPr id="26" name="ZoneTexte 25"/>
-          <p:cNvSpPr txBox="1"/>
-          <p:nvPr/>
-        </p:nvSpPr>
-        <p:spPr>
-          <a:xfrm>
-            <a:off x="5682785" y="2823778"/>
-            <a:ext cx="1407308" cy="369332"/>
+            <a:off x="5811550" y="4394099"/>
+            <a:ext cx="3168624" cy="369332"/>
           </a:xfrm>
           <a:prstGeom prst="rect">
             <a:avLst/>
@@ -25731,47 +27204,29 @@
           <a:p>
             <a:r>
               <a:rPr lang="fr-FR" dirty="0" smtClean="0"/>
-              <a:t>&lt; N</a:t>
-            </a:r>
-            <a:r>
-              <a:rPr lang="fr-FR" baseline="-25000" dirty="0" smtClean="0"/>
-              <a:t>A</a:t>
-            </a:r>
-            <a:r>
-              <a:rPr lang="fr-FR" dirty="0" smtClean="0"/>
-              <a:t> , N</a:t>
-            </a:r>
-            <a:r>
-              <a:rPr lang="fr-FR" baseline="-25000" dirty="0" smtClean="0"/>
-              <a:t>B</a:t>
-            </a:r>
-            <a:r>
-              <a:rPr lang="fr-FR" dirty="0" smtClean="0"/>
-              <a:t> &gt;</a:t>
-            </a:r>
-            <a:r>
-              <a:rPr lang="fr-FR" baseline="-25000" dirty="0" smtClean="0"/>
-              <a:t>A</a:t>
-            </a:r>
-            <a:endParaRPr lang="fr-FR" baseline="-25000" dirty="0"/>
-          </a:p>
-        </p:txBody>
-      </p:sp>
-      <p:sp>
-        <p:nvSpPr>
-          <p:cNvPr id="27" name="ZoneTexte 26"/>
+              <a:t>Virement de 1M$ de A vers P</a:t>
+            </a:r>
+            <a:endParaRPr lang="fr-FR" dirty="0"/>
+          </a:p>
+        </p:txBody>
+      </p:sp>
+      <p:sp>
+        <p:nvSpPr>
+          <p:cNvPr id="25" name="ZoneTexte 24"/>
           <p:cNvSpPr txBox="1"/>
           <p:nvPr/>
         </p:nvSpPr>
         <p:spPr>
           <a:xfrm>
-            <a:off x="2051720" y="3255826"/>
-            <a:ext cx="1407308" cy="369332"/>
+            <a:off x="4156772" y="2931790"/>
+            <a:ext cx="994183" cy="369332"/>
           </a:xfrm>
           <a:prstGeom prst="rect">
             <a:avLst/>
           </a:prstGeom>
-          <a:noFill/>
+          <a:solidFill>
+            <a:schemeClr val="bg1"/>
+          </a:solidFill>
         </p:spPr>
         <p:txBody>
           <a:bodyPr wrap="none" rtlCol="0">
@@ -25781,182 +27236,24 @@
           <a:p>
             <a:r>
               <a:rPr lang="fr-FR" dirty="0" smtClean="0"/>
-              <a:t>&lt; N</a:t>
+              <a:t>N</a:t>
             </a:r>
             <a:r>
               <a:rPr lang="fr-FR" baseline="-25000" dirty="0" smtClean="0"/>
-              <a:t>A</a:t>
+              <a:t>C</a:t>
             </a:r>
             <a:r>
               <a:rPr lang="fr-FR" dirty="0" smtClean="0"/>
-              <a:t> , N</a:t>
+              <a:t> = N</a:t>
             </a:r>
             <a:r>
               <a:rPr lang="fr-FR" baseline="-25000" dirty="0" smtClean="0"/>
               <a:t>B</a:t>
             </a:r>
-            <a:r>
-              <a:rPr lang="fr-FR" dirty="0" smtClean="0"/>
-              <a:t> &gt;</a:t>
-            </a:r>
-            <a:r>
-              <a:rPr lang="fr-FR" baseline="-25000" dirty="0" smtClean="0"/>
-              <a:t>A</a:t>
-            </a:r>
             <a:endParaRPr lang="fr-FR" baseline="-25000" dirty="0"/>
           </a:p>
         </p:txBody>
       </p:sp>
-      <p:cxnSp>
-        <p:nvCxnSpPr>
-          <p:cNvPr id="28" name="Connecteur droit avec flèche 27"/>
-          <p:cNvCxnSpPr/>
-          <p:nvPr/>
-        </p:nvCxnSpPr>
-        <p:spPr>
-          <a:xfrm flipH="1">
-            <a:off x="2195736" y="3651870"/>
-            <a:ext cx="1301482" cy="0"/>
-          </a:xfrm>
-          <a:prstGeom prst="straightConnector1">
-            <a:avLst/>
-          </a:prstGeom>
-          <a:ln w="63500">
-            <a:tailEnd type="triangle"/>
-          </a:ln>
-        </p:spPr>
-        <p:style>
-          <a:lnRef idx="1">
-            <a:schemeClr val="accent1"/>
-          </a:lnRef>
-          <a:fillRef idx="0">
-            <a:schemeClr val="accent1"/>
-          </a:fillRef>
-          <a:effectRef idx="0">
-            <a:schemeClr val="accent1"/>
-          </a:effectRef>
-          <a:fontRef idx="minor">
-            <a:schemeClr val="tx1"/>
-          </a:fontRef>
-        </p:style>
-      </p:cxnSp>
-      <p:sp>
-        <p:nvSpPr>
-          <p:cNvPr id="29" name="ZoneTexte 28"/>
-          <p:cNvSpPr txBox="1"/>
-          <p:nvPr/>
-        </p:nvSpPr>
-        <p:spPr>
-          <a:xfrm>
-            <a:off x="2321749" y="3687874"/>
-            <a:ext cx="894797" cy="369332"/>
-          </a:xfrm>
-          <a:prstGeom prst="rect">
-            <a:avLst/>
-          </a:prstGeom>
-          <a:noFill/>
-        </p:spPr>
-        <p:txBody>
-          <a:bodyPr wrap="none" rtlCol="0">
-            <a:spAutoFit/>
-          </a:bodyPr>
-          <a:lstStyle/>
-          <a:p>
-            <a:r>
-              <a:rPr lang="fr-FR" dirty="0" smtClean="0"/>
-              <a:t>&lt; N</a:t>
-            </a:r>
-            <a:r>
-              <a:rPr lang="fr-FR" baseline="-25000" dirty="0" smtClean="0"/>
-              <a:t>B</a:t>
-            </a:r>
-            <a:r>
-              <a:rPr lang="fr-FR" dirty="0" smtClean="0"/>
-              <a:t> &gt;</a:t>
-            </a:r>
-            <a:r>
-              <a:rPr lang="fr-FR" baseline="-25000" dirty="0" smtClean="0"/>
-              <a:t>I</a:t>
-            </a:r>
-            <a:endParaRPr lang="fr-FR" baseline="-25000" dirty="0"/>
-          </a:p>
-        </p:txBody>
-      </p:sp>
-      <p:sp>
-        <p:nvSpPr>
-          <p:cNvPr id="30" name="ZoneTexte 29"/>
-          <p:cNvSpPr txBox="1"/>
-          <p:nvPr/>
-        </p:nvSpPr>
-        <p:spPr>
-          <a:xfrm>
-            <a:off x="5970817" y="4119922"/>
-            <a:ext cx="954107" cy="369332"/>
-          </a:xfrm>
-          <a:prstGeom prst="rect">
-            <a:avLst/>
-          </a:prstGeom>
-          <a:noFill/>
-        </p:spPr>
-        <p:txBody>
-          <a:bodyPr wrap="none" rtlCol="0">
-            <a:spAutoFit/>
-          </a:bodyPr>
-          <a:lstStyle/>
-          <a:p>
-            <a:r>
-              <a:rPr lang="fr-FR" dirty="0" smtClean="0"/>
-              <a:t>&lt; N</a:t>
-            </a:r>
-            <a:r>
-              <a:rPr lang="fr-FR" baseline="-25000" dirty="0" smtClean="0"/>
-              <a:t>B</a:t>
-            </a:r>
-            <a:r>
-              <a:rPr lang="fr-FR" dirty="0" smtClean="0"/>
-              <a:t> &gt;</a:t>
-            </a:r>
-            <a:r>
-              <a:rPr lang="fr-FR" baseline="-25000" dirty="0" smtClean="0"/>
-              <a:t>B</a:t>
-            </a:r>
-            <a:endParaRPr lang="fr-FR" baseline="-25000" dirty="0"/>
-          </a:p>
-        </p:txBody>
-      </p:sp>
-      <p:cxnSp>
-        <p:nvCxnSpPr>
-          <p:cNvPr id="31" name="Connecteur droit avec flèche 30"/>
-          <p:cNvCxnSpPr/>
-          <p:nvPr/>
-        </p:nvCxnSpPr>
-        <p:spPr>
-          <a:xfrm>
-            <a:off x="5826801" y="4515966"/>
-            <a:ext cx="1301483" cy="0"/>
-          </a:xfrm>
-          <a:prstGeom prst="straightConnector1">
-            <a:avLst/>
-          </a:prstGeom>
-          <a:ln w="63500">
-            <a:tailEnd type="triangle"/>
-          </a:ln>
-        </p:spPr>
-        <p:style>
-          <a:lnRef idx="1">
-            <a:schemeClr val="accent1"/>
-          </a:lnRef>
-          <a:fillRef idx="0">
-            <a:schemeClr val="accent1"/>
-          </a:fillRef>
-          <a:effectRef idx="0">
-            <a:schemeClr val="accent1"/>
-          </a:effectRef>
-          <a:fontRef idx="minor">
-            <a:schemeClr val="tx1"/>
-          </a:fontRef>
-        </p:style>
-      </p:cxnSp>
     </p:spTree>
     <p:extLst>
       <p:ext uri="{BB962C8B-B14F-4D97-AF65-F5344CB8AC3E}">
@@ -25970,9 +27267,720 @@
   <p:timing>
     <p:tnLst>
       <p:par>
-        <p:cTn id="1" dur="indefinite" restart="never" nodeType="tmRoot"/>
+        <p:cTn id="1" dur="indefinite" restart="never" nodeType="tmRoot">
+          <p:childTnLst>
+            <p:seq concurrent="1" nextAc="seek">
+              <p:cTn id="2" dur="indefinite" nodeType="mainSeq">
+                <p:childTnLst>
+                  <p:par>
+                    <p:cTn id="3" fill="hold">
+                      <p:stCondLst>
+                        <p:cond delay="indefinite"/>
+                      </p:stCondLst>
+                      <p:childTnLst>
+                        <p:par>
+                          <p:cTn id="4" fill="hold">
+                            <p:stCondLst>
+                              <p:cond delay="0"/>
+                            </p:stCondLst>
+                            <p:childTnLst>
+                              <p:par>
+                                <p:cTn id="5" presetID="1" presetClass="entr" presetSubtype="0" fill="hold" nodeType="clickEffect">
+                                  <p:stCondLst>
+                                    <p:cond delay="0"/>
+                                  </p:stCondLst>
+                                  <p:childTnLst>
+                                    <p:set>
+                                      <p:cBhvr>
+                                        <p:cTn id="6" dur="1" fill="hold">
+                                          <p:stCondLst>
+                                            <p:cond delay="0"/>
+                                          </p:stCondLst>
+                                        </p:cTn>
+                                        <p:tgtEl>
+                                          <p:spTgt spid="4"/>
+                                        </p:tgtEl>
+                                        <p:attrNameLst>
+                                          <p:attrName>style.visibility</p:attrName>
+                                        </p:attrNameLst>
+                                      </p:cBhvr>
+                                      <p:to>
+                                        <p:strVal val="visible"/>
+                                      </p:to>
+                                    </p:set>
+                                  </p:childTnLst>
+                                </p:cTn>
+                              </p:par>
+                            </p:childTnLst>
+                          </p:cTn>
+                        </p:par>
+                      </p:childTnLst>
+                    </p:cTn>
+                  </p:par>
+                  <p:par>
+                    <p:cTn id="7" fill="hold">
+                      <p:stCondLst>
+                        <p:cond delay="indefinite"/>
+                      </p:stCondLst>
+                      <p:childTnLst>
+                        <p:par>
+                          <p:cTn id="8" fill="hold">
+                            <p:stCondLst>
+                              <p:cond delay="0"/>
+                            </p:stCondLst>
+                            <p:childTnLst>
+                              <p:par>
+                                <p:cTn id="9" presetID="1" presetClass="entr" presetSubtype="0" fill="hold" grpId="0" nodeType="clickEffect">
+                                  <p:stCondLst>
+                                    <p:cond delay="0"/>
+                                  </p:stCondLst>
+                                  <p:childTnLst>
+                                    <p:set>
+                                      <p:cBhvr>
+                                        <p:cTn id="10" dur="1" fill="hold">
+                                          <p:stCondLst>
+                                            <p:cond delay="0"/>
+                                          </p:stCondLst>
+                                        </p:cTn>
+                                        <p:tgtEl>
+                                          <p:spTgt spid="13">
+                                            <p:txEl>
+                                              <p:pRg st="0" end="0"/>
+                                            </p:txEl>
+                                          </p:spTgt>
+                                        </p:tgtEl>
+                                        <p:attrNameLst>
+                                          <p:attrName>style.visibility</p:attrName>
+                                        </p:attrNameLst>
+                                      </p:cBhvr>
+                                      <p:to>
+                                        <p:strVal val="visible"/>
+                                      </p:to>
+                                    </p:set>
+                                  </p:childTnLst>
+                                </p:cTn>
+                              </p:par>
+                            </p:childTnLst>
+                          </p:cTn>
+                        </p:par>
+                      </p:childTnLst>
+                    </p:cTn>
+                  </p:par>
+                  <p:par>
+                    <p:cTn id="11" fill="hold">
+                      <p:stCondLst>
+                        <p:cond delay="indefinite"/>
+                      </p:stCondLst>
+                      <p:childTnLst>
+                        <p:par>
+                          <p:cTn id="12" fill="hold">
+                            <p:stCondLst>
+                              <p:cond delay="0"/>
+                            </p:stCondLst>
+                            <p:childTnLst>
+                              <p:par>
+                                <p:cTn id="13" presetID="1" presetClass="entr" presetSubtype="0" fill="hold" grpId="0" nodeType="clickEffect">
+                                  <p:stCondLst>
+                                    <p:cond delay="0"/>
+                                  </p:stCondLst>
+                                  <p:childTnLst>
+                                    <p:set>
+                                      <p:cBhvr>
+                                        <p:cTn id="14" dur="1" fill="hold">
+                                          <p:stCondLst>
+                                            <p:cond delay="0"/>
+                                          </p:stCondLst>
+                                        </p:cTn>
+                                        <p:tgtEl>
+                                          <p:spTgt spid="13">
+                                            <p:txEl>
+                                              <p:pRg st="1" end="1"/>
+                                            </p:txEl>
+                                          </p:spTgt>
+                                        </p:tgtEl>
+                                        <p:attrNameLst>
+                                          <p:attrName>style.visibility</p:attrName>
+                                        </p:attrNameLst>
+                                      </p:cBhvr>
+                                      <p:to>
+                                        <p:strVal val="visible"/>
+                                      </p:to>
+                                    </p:set>
+                                  </p:childTnLst>
+                                </p:cTn>
+                              </p:par>
+                            </p:childTnLst>
+                          </p:cTn>
+                        </p:par>
+                      </p:childTnLst>
+                    </p:cTn>
+                  </p:par>
+                  <p:par>
+                    <p:cTn id="15" fill="hold">
+                      <p:stCondLst>
+                        <p:cond delay="indefinite"/>
+                      </p:stCondLst>
+                      <p:childTnLst>
+                        <p:par>
+                          <p:cTn id="16" fill="hold">
+                            <p:stCondLst>
+                              <p:cond delay="0"/>
+                            </p:stCondLst>
+                            <p:childTnLst>
+                              <p:par>
+                                <p:cTn id="17" presetID="1" presetClass="entr" presetSubtype="0" fill="hold" nodeType="clickEffect">
+                                  <p:stCondLst>
+                                    <p:cond delay="0"/>
+                                  </p:stCondLst>
+                                  <p:childTnLst>
+                                    <p:set>
+                                      <p:cBhvr>
+                                        <p:cTn id="18" dur="1" fill="hold">
+                                          <p:stCondLst>
+                                            <p:cond delay="0"/>
+                                          </p:stCondLst>
+                                        </p:cTn>
+                                        <p:tgtEl>
+                                          <p:spTgt spid="14"/>
+                                        </p:tgtEl>
+                                        <p:attrNameLst>
+                                          <p:attrName>style.visibility</p:attrName>
+                                        </p:attrNameLst>
+                                      </p:cBhvr>
+                                      <p:to>
+                                        <p:strVal val="visible"/>
+                                      </p:to>
+                                    </p:set>
+                                  </p:childTnLst>
+                                </p:cTn>
+                              </p:par>
+                            </p:childTnLst>
+                          </p:cTn>
+                        </p:par>
+                      </p:childTnLst>
+                    </p:cTn>
+                  </p:par>
+                  <p:par>
+                    <p:cTn id="19" fill="hold">
+                      <p:stCondLst>
+                        <p:cond delay="indefinite"/>
+                      </p:stCondLst>
+                      <p:childTnLst>
+                        <p:par>
+                          <p:cTn id="20" fill="hold">
+                            <p:stCondLst>
+                              <p:cond delay="0"/>
+                            </p:stCondLst>
+                            <p:childTnLst>
+                              <p:par>
+                                <p:cTn id="21" presetID="1" presetClass="entr" presetSubtype="0" fill="hold" nodeType="clickEffect">
+                                  <p:stCondLst>
+                                    <p:cond delay="0"/>
+                                  </p:stCondLst>
+                                  <p:childTnLst>
+                                    <p:set>
+                                      <p:cBhvr>
+                                        <p:cTn id="22" dur="1" fill="hold">
+                                          <p:stCondLst>
+                                            <p:cond delay="0"/>
+                                          </p:stCondLst>
+                                        </p:cTn>
+                                        <p:tgtEl>
+                                          <p:spTgt spid="3"/>
+                                        </p:tgtEl>
+                                        <p:attrNameLst>
+                                          <p:attrName>style.visibility</p:attrName>
+                                        </p:attrNameLst>
+                                      </p:cBhvr>
+                                      <p:to>
+                                        <p:strVal val="visible"/>
+                                      </p:to>
+                                    </p:set>
+                                  </p:childTnLst>
+                                </p:cTn>
+                              </p:par>
+                            </p:childTnLst>
+                          </p:cTn>
+                        </p:par>
+                      </p:childTnLst>
+                    </p:cTn>
+                  </p:par>
+                  <p:par>
+                    <p:cTn id="23" fill="hold">
+                      <p:stCondLst>
+                        <p:cond delay="indefinite"/>
+                      </p:stCondLst>
+                      <p:childTnLst>
+                        <p:par>
+                          <p:cTn id="24" fill="hold">
+                            <p:stCondLst>
+                              <p:cond delay="0"/>
+                            </p:stCondLst>
+                            <p:childTnLst>
+                              <p:par>
+                                <p:cTn id="25" presetID="1" presetClass="entr" presetSubtype="0" fill="hold" nodeType="clickEffect">
+                                  <p:stCondLst>
+                                    <p:cond delay="0"/>
+                                  </p:stCondLst>
+                                  <p:childTnLst>
+                                    <p:set>
+                                      <p:cBhvr>
+                                        <p:cTn id="26" dur="1" fill="hold">
+                                          <p:stCondLst>
+                                            <p:cond delay="0"/>
+                                          </p:stCondLst>
+                                        </p:cTn>
+                                        <p:tgtEl>
+                                          <p:spTgt spid="2"/>
+                                        </p:tgtEl>
+                                        <p:attrNameLst>
+                                          <p:attrName>style.visibility</p:attrName>
+                                        </p:attrNameLst>
+                                      </p:cBhvr>
+                                      <p:to>
+                                        <p:strVal val="visible"/>
+                                      </p:to>
+                                    </p:set>
+                                  </p:childTnLst>
+                                </p:cTn>
+                              </p:par>
+                            </p:childTnLst>
+                          </p:cTn>
+                        </p:par>
+                      </p:childTnLst>
+                    </p:cTn>
+                  </p:par>
+                  <p:par>
+                    <p:cTn id="27" fill="hold">
+                      <p:stCondLst>
+                        <p:cond delay="indefinite"/>
+                      </p:stCondLst>
+                      <p:childTnLst>
+                        <p:par>
+                          <p:cTn id="28" fill="hold">
+                            <p:stCondLst>
+                              <p:cond delay="0"/>
+                            </p:stCondLst>
+                            <p:childTnLst>
+                              <p:par>
+                                <p:cTn id="29" presetID="1" presetClass="entr" presetSubtype="0" fill="hold" nodeType="clickEffect">
+                                  <p:stCondLst>
+                                    <p:cond delay="0"/>
+                                  </p:stCondLst>
+                                  <p:childTnLst>
+                                    <p:set>
+                                      <p:cBhvr>
+                                        <p:cTn id="30" dur="1" fill="hold">
+                                          <p:stCondLst>
+                                            <p:cond delay="0"/>
+                                          </p:stCondLst>
+                                        </p:cTn>
+                                        <p:tgtEl>
+                                          <p:spTgt spid="5"/>
+                                        </p:tgtEl>
+                                        <p:attrNameLst>
+                                          <p:attrName>style.visibility</p:attrName>
+                                        </p:attrNameLst>
+                                      </p:cBhvr>
+                                      <p:to>
+                                        <p:strVal val="visible"/>
+                                      </p:to>
+                                    </p:set>
+                                  </p:childTnLst>
+                                </p:cTn>
+                              </p:par>
+                            </p:childTnLst>
+                          </p:cTn>
+                        </p:par>
+                      </p:childTnLst>
+                    </p:cTn>
+                  </p:par>
+                  <p:par>
+                    <p:cTn id="31" fill="hold">
+                      <p:stCondLst>
+                        <p:cond delay="indefinite"/>
+                      </p:stCondLst>
+                      <p:childTnLst>
+                        <p:par>
+                          <p:cTn id="32" fill="hold">
+                            <p:stCondLst>
+                              <p:cond delay="0"/>
+                            </p:stCondLst>
+                            <p:childTnLst>
+                              <p:par>
+                                <p:cTn id="33" presetID="1" presetClass="entr" presetSubtype="0" fill="hold" nodeType="clickEffect">
+                                  <p:stCondLst>
+                                    <p:cond delay="0"/>
+                                  </p:stCondLst>
+                                  <p:childTnLst>
+                                    <p:set>
+                                      <p:cBhvr>
+                                        <p:cTn id="34" dur="1" fill="hold">
+                                          <p:stCondLst>
+                                            <p:cond delay="0"/>
+                                          </p:stCondLst>
+                                        </p:cTn>
+                                        <p:tgtEl>
+                                          <p:spTgt spid="6"/>
+                                        </p:tgtEl>
+                                        <p:attrNameLst>
+                                          <p:attrName>style.visibility</p:attrName>
+                                        </p:attrNameLst>
+                                      </p:cBhvr>
+                                      <p:to>
+                                        <p:strVal val="visible"/>
+                                      </p:to>
+                                    </p:set>
+                                  </p:childTnLst>
+                                </p:cTn>
+                              </p:par>
+                            </p:childTnLst>
+                          </p:cTn>
+                        </p:par>
+                      </p:childTnLst>
+                    </p:cTn>
+                  </p:par>
+                  <p:par>
+                    <p:cTn id="35" fill="hold">
+                      <p:stCondLst>
+                        <p:cond delay="indefinite"/>
+                      </p:stCondLst>
+                      <p:childTnLst>
+                        <p:par>
+                          <p:cTn id="36" fill="hold">
+                            <p:stCondLst>
+                              <p:cond delay="0"/>
+                            </p:stCondLst>
+                            <p:childTnLst>
+                              <p:par>
+                                <p:cTn id="37" presetID="1" presetClass="entr" presetSubtype="0" fill="hold" nodeType="clickEffect">
+                                  <p:stCondLst>
+                                    <p:cond delay="0"/>
+                                  </p:stCondLst>
+                                  <p:childTnLst>
+                                    <p:set>
+                                      <p:cBhvr>
+                                        <p:cTn id="38" dur="1" fill="hold">
+                                          <p:stCondLst>
+                                            <p:cond delay="0"/>
+                                          </p:stCondLst>
+                                        </p:cTn>
+                                        <p:tgtEl>
+                                          <p:spTgt spid="9"/>
+                                        </p:tgtEl>
+                                        <p:attrNameLst>
+                                          <p:attrName>style.visibility</p:attrName>
+                                        </p:attrNameLst>
+                                      </p:cBhvr>
+                                      <p:to>
+                                        <p:strVal val="visible"/>
+                                      </p:to>
+                                    </p:set>
+                                  </p:childTnLst>
+                                </p:cTn>
+                              </p:par>
+                            </p:childTnLst>
+                          </p:cTn>
+                        </p:par>
+                      </p:childTnLst>
+                    </p:cTn>
+                  </p:par>
+                  <p:par>
+                    <p:cTn id="39" fill="hold">
+                      <p:stCondLst>
+                        <p:cond delay="indefinite"/>
+                      </p:stCondLst>
+                      <p:childTnLst>
+                        <p:par>
+                          <p:cTn id="40" fill="hold">
+                            <p:stCondLst>
+                              <p:cond delay="0"/>
+                            </p:stCondLst>
+                            <p:childTnLst>
+                              <p:par>
+                                <p:cTn id="41" presetID="1" presetClass="entr" presetSubtype="0" fill="hold" nodeType="clickEffect">
+                                  <p:stCondLst>
+                                    <p:cond delay="0"/>
+                                  </p:stCondLst>
+                                  <p:childTnLst>
+                                    <p:set>
+                                      <p:cBhvr>
+                                        <p:cTn id="42" dur="1" fill="hold">
+                                          <p:stCondLst>
+                                            <p:cond delay="0"/>
+                                          </p:stCondLst>
+                                        </p:cTn>
+                                        <p:tgtEl>
+                                          <p:spTgt spid="15"/>
+                                        </p:tgtEl>
+                                        <p:attrNameLst>
+                                          <p:attrName>style.visibility</p:attrName>
+                                        </p:attrNameLst>
+                                      </p:cBhvr>
+                                      <p:to>
+                                        <p:strVal val="visible"/>
+                                      </p:to>
+                                    </p:set>
+                                  </p:childTnLst>
+                                </p:cTn>
+                              </p:par>
+                            </p:childTnLst>
+                          </p:cTn>
+                        </p:par>
+                      </p:childTnLst>
+                    </p:cTn>
+                  </p:par>
+                  <p:par>
+                    <p:cTn id="43" fill="hold">
+                      <p:stCondLst>
+                        <p:cond delay="indefinite"/>
+                      </p:stCondLst>
+                      <p:childTnLst>
+                        <p:par>
+                          <p:cTn id="44" fill="hold">
+                            <p:stCondLst>
+                              <p:cond delay="0"/>
+                            </p:stCondLst>
+                            <p:childTnLst>
+                              <p:par>
+                                <p:cTn id="45" presetID="1" presetClass="entr" presetSubtype="0" fill="hold" nodeType="clickEffect">
+                                  <p:stCondLst>
+                                    <p:cond delay="0"/>
+                                  </p:stCondLst>
+                                  <p:childTnLst>
+                                    <p:set>
+                                      <p:cBhvr>
+                                        <p:cTn id="46" dur="1" fill="hold">
+                                          <p:stCondLst>
+                                            <p:cond delay="0"/>
+                                          </p:stCondLst>
+                                        </p:cTn>
+                                        <p:tgtEl>
+                                          <p:spTgt spid="7"/>
+                                        </p:tgtEl>
+                                        <p:attrNameLst>
+                                          <p:attrName>style.visibility</p:attrName>
+                                        </p:attrNameLst>
+                                      </p:cBhvr>
+                                      <p:to>
+                                        <p:strVal val="visible"/>
+                                      </p:to>
+                                    </p:set>
+                                  </p:childTnLst>
+                                </p:cTn>
+                              </p:par>
+                            </p:childTnLst>
+                          </p:cTn>
+                        </p:par>
+                      </p:childTnLst>
+                    </p:cTn>
+                  </p:par>
+                  <p:par>
+                    <p:cTn id="47" fill="hold">
+                      <p:stCondLst>
+                        <p:cond delay="indefinite"/>
+                      </p:stCondLst>
+                      <p:childTnLst>
+                        <p:par>
+                          <p:cTn id="48" fill="hold">
+                            <p:stCondLst>
+                              <p:cond delay="0"/>
+                            </p:stCondLst>
+                            <p:childTnLst>
+                              <p:par>
+                                <p:cTn id="49" presetID="1" presetClass="entr" presetSubtype="0" fill="hold" nodeType="clickEffect">
+                                  <p:stCondLst>
+                                    <p:cond delay="0"/>
+                                  </p:stCondLst>
+                                  <p:childTnLst>
+                                    <p:set>
+                                      <p:cBhvr>
+                                        <p:cTn id="50" dur="1" fill="hold">
+                                          <p:stCondLst>
+                                            <p:cond delay="0"/>
+                                          </p:stCondLst>
+                                        </p:cTn>
+                                        <p:tgtEl>
+                                          <p:spTgt spid="17"/>
+                                        </p:tgtEl>
+                                        <p:attrNameLst>
+                                          <p:attrName>style.visibility</p:attrName>
+                                        </p:attrNameLst>
+                                      </p:cBhvr>
+                                      <p:to>
+                                        <p:strVal val="visible"/>
+                                      </p:to>
+                                    </p:set>
+                                  </p:childTnLst>
+                                </p:cTn>
+                              </p:par>
+                            </p:childTnLst>
+                          </p:cTn>
+                        </p:par>
+                      </p:childTnLst>
+                    </p:cTn>
+                  </p:par>
+                  <p:par>
+                    <p:cTn id="51" fill="hold">
+                      <p:stCondLst>
+                        <p:cond delay="indefinite"/>
+                      </p:stCondLst>
+                      <p:childTnLst>
+                        <p:par>
+                          <p:cTn id="52" fill="hold">
+                            <p:stCondLst>
+                              <p:cond delay="0"/>
+                            </p:stCondLst>
+                            <p:childTnLst>
+                              <p:par>
+                                <p:cTn id="53" presetID="1" presetClass="entr" presetSubtype="0" fill="hold" grpId="0" nodeType="clickEffect">
+                                  <p:stCondLst>
+                                    <p:cond delay="0"/>
+                                  </p:stCondLst>
+                                  <p:childTnLst>
+                                    <p:set>
+                                      <p:cBhvr>
+                                        <p:cTn id="54" dur="1" fill="hold">
+                                          <p:stCondLst>
+                                            <p:cond delay="0"/>
+                                          </p:stCondLst>
+                                        </p:cTn>
+                                        <p:tgtEl>
+                                          <p:spTgt spid="25"/>
+                                        </p:tgtEl>
+                                        <p:attrNameLst>
+                                          <p:attrName>style.visibility</p:attrName>
+                                        </p:attrNameLst>
+                                      </p:cBhvr>
+                                      <p:to>
+                                        <p:strVal val="visible"/>
+                                      </p:to>
+                                    </p:set>
+                                  </p:childTnLst>
+                                </p:cTn>
+                              </p:par>
+                            </p:childTnLst>
+                          </p:cTn>
+                        </p:par>
+                      </p:childTnLst>
+                    </p:cTn>
+                  </p:par>
+                  <p:par>
+                    <p:cTn id="55" fill="hold">
+                      <p:stCondLst>
+                        <p:cond delay="indefinite"/>
+                      </p:stCondLst>
+                      <p:childTnLst>
+                        <p:par>
+                          <p:cTn id="56" fill="hold">
+                            <p:stCondLst>
+                              <p:cond delay="0"/>
+                            </p:stCondLst>
+                            <p:childTnLst>
+                              <p:par>
+                                <p:cTn id="57" presetID="1" presetClass="entr" presetSubtype="0" fill="hold" nodeType="clickEffect">
+                                  <p:stCondLst>
+                                    <p:cond delay="0"/>
+                                  </p:stCondLst>
+                                  <p:childTnLst>
+                                    <p:set>
+                                      <p:cBhvr>
+                                        <p:cTn id="58" dur="1" fill="hold">
+                                          <p:stCondLst>
+                                            <p:cond delay="0"/>
+                                          </p:stCondLst>
+                                        </p:cTn>
+                                        <p:tgtEl>
+                                          <p:spTgt spid="18"/>
+                                        </p:tgtEl>
+                                        <p:attrNameLst>
+                                          <p:attrName>style.visibility</p:attrName>
+                                        </p:attrNameLst>
+                                      </p:cBhvr>
+                                      <p:to>
+                                        <p:strVal val="visible"/>
+                                      </p:to>
+                                    </p:set>
+                                  </p:childTnLst>
+                                </p:cTn>
+                              </p:par>
+                            </p:childTnLst>
+                          </p:cTn>
+                        </p:par>
+                      </p:childTnLst>
+                    </p:cTn>
+                  </p:par>
+                  <p:par>
+                    <p:cTn id="59" fill="hold">
+                      <p:stCondLst>
+                        <p:cond delay="indefinite"/>
+                      </p:stCondLst>
+                      <p:childTnLst>
+                        <p:par>
+                          <p:cTn id="60" fill="hold">
+                            <p:stCondLst>
+                              <p:cond delay="0"/>
+                            </p:stCondLst>
+                            <p:childTnLst>
+                              <p:par>
+                                <p:cTn id="61" presetID="1" presetClass="entr" presetSubtype="0" fill="hold" grpId="0" nodeType="clickEffect">
+                                  <p:stCondLst>
+                                    <p:cond delay="0"/>
+                                  </p:stCondLst>
+                                  <p:childTnLst>
+                                    <p:set>
+                                      <p:cBhvr>
+                                        <p:cTn id="62" dur="1" fill="hold">
+                                          <p:stCondLst>
+                                            <p:cond delay="0"/>
+                                          </p:stCondLst>
+                                        </p:cTn>
+                                        <p:tgtEl>
+                                          <p:spTgt spid="24"/>
+                                        </p:tgtEl>
+                                        <p:attrNameLst>
+                                          <p:attrName>style.visibility</p:attrName>
+                                        </p:attrNameLst>
+                                      </p:cBhvr>
+                                      <p:to>
+                                        <p:strVal val="visible"/>
+                                      </p:to>
+                                    </p:set>
+                                  </p:childTnLst>
+                                </p:cTn>
+                              </p:par>
+                            </p:childTnLst>
+                          </p:cTn>
+                        </p:par>
+                      </p:childTnLst>
+                    </p:cTn>
+                  </p:par>
+                </p:childTnLst>
+              </p:cTn>
+              <p:prevCondLst>
+                <p:cond evt="onPrev" delay="0">
+                  <p:tgtEl>
+                    <p:sldTgt/>
+                  </p:tgtEl>
+                </p:cond>
+              </p:prevCondLst>
+              <p:nextCondLst>
+                <p:cond evt="onNext" delay="0">
+                  <p:tgtEl>
+                    <p:sldTgt/>
+                  </p:tgtEl>
+                </p:cond>
+              </p:nextCondLst>
+            </p:seq>
+          </p:childTnLst>
+        </p:cTn>
       </p:par>
     </p:tnLst>
+    <p:bldLst>
+      <p:bldP spid="13" grpId="0" build="p"/>
+      <p:bldP spid="24" grpId="0"/>
+      <p:bldP spid="25" grpId="0" animBg="1"/>
+    </p:bldLst>
   </p:timing>
 </p:sld>
 </file>
@@ -27446,78 +29454,6 @@
 </file>
 
 <file path=customXml/item1.xml><?xml version="1.0" encoding="utf-8"?>
-<p:properties xmlns:p="http://schemas.microsoft.com/office/2006/metadata/properties" xmlns:xsi="http://www.w3.org/2001/XMLSchema-instance" xmlns:pc="http://schemas.microsoft.com/office/infopath/2007/PartnerControls">
-  <documentManagement>
-    <PublishingRollupImage xmlns="http://schemas.microsoft.com/sharepoint/v3">&lt;img alt="" src="/com/Sagem/PracticalInfo/DocumentModels/PublishingImages/ppt_fr.jpg" style="BORDER&amp;#58;0px solid;" /&gt;</PublishingRollupImage>
-    <j0d00d49c94f4a41889fe0a90686fcf3 xmlns="594212a7-a8eb-497d-bd6b-0e3a174923ee">
-      <Terms xmlns="http://schemas.microsoft.com/office/infopath/2007/PartnerControls">
-        <TermInfo xmlns="http://schemas.microsoft.com/office/infopath/2007/PartnerControls">
-          <TermName xmlns="http://schemas.microsoft.com/office/infopath/2007/PartnerControls">Modèle de PowerPoint</TermName>
-          <TermId xmlns="http://schemas.microsoft.com/office/infopath/2007/PartnerControls">80c833d3-038d-45cb-b65f-a8d2234b6314</TermId>
-        </TermInfo>
-      </Terms>
-    </j0d00d49c94f4a41889fe0a90686fcf3>
-    <SharePoint_Group_Language xmlns="594212a7-a8eb-497d-bd6b-0e3a174923ee">0</SharePoint_Group_Language>
-    <fd69f967cfe64500a3ea9d72cb3281b0 xmlns="594212a7-a8eb-497d-bd6b-0e3a174923ee">
-      <Terms xmlns="http://schemas.microsoft.com/office/infopath/2007/PartnerControls"/>
-    </fd69f967cfe64500a3ea9d72cb3281b0>
-    <TaxCatchAllLabel xmlns="594212a7-a8eb-497d-bd6b-0e3a174923ee"/>
-    <SAF_RollupImageUrl xmlns="594212a7-a8eb-497d-bd6b-0e3a174923ee">/com/Sagem/PracticalInfo/DocumentModels/PublishingImages/ppt_fr.jpg</SAF_RollupImageUrl>
-    <m7fd08401b3947dfa98de00fecb0dae1 xmlns="594212a7-a8eb-497d-bd6b-0e3a174923ee">
-      <Terms xmlns="http://schemas.microsoft.com/office/infopath/2007/PartnerControls"/>
-    </m7fd08401b3947dfa98de00fecb0dae1>
-    <bf182a5ee3d048a18e411565aa2e2f45 xmlns="594212a7-a8eb-497d-bd6b-0e3a174923ee">
-      <Terms xmlns="http://schemas.microsoft.com/office/infopath/2007/PartnerControls"/>
-    </bf182a5ee3d048a18e411565aa2e2f45>
-    <e52db41c680243efb0b30a61ab228ec7 xmlns="594212a7-a8eb-497d-bd6b-0e3a174923ee">
-      <Terms xmlns="http://schemas.microsoft.com/office/infopath/2007/PartnerControls"/>
-    </e52db41c680243efb0b30a61ab228ec7>
-    <hbb7c253cca74a7eb37893d2c784478e xmlns="594212a7-a8eb-497d-bd6b-0e3a174923ee">
-      <Terms xmlns="http://schemas.microsoft.com/office/infopath/2007/PartnerControls">
-        <TermInfo xmlns="http://schemas.microsoft.com/office/infopath/2007/PartnerControls">
-          <TermName xmlns="http://schemas.microsoft.com/office/infopath/2007/PartnerControls">Société de rang 1</TermName>
-          <TermId xmlns="http://schemas.microsoft.com/office/infopath/2007/PartnerControls">153bb90e-11c3-427f-ad6a-31f0311df60b</TermId>
-        </TermInfo>
-      </Terms>
-    </hbb7c253cca74a7eb37893d2c784478e>
-    <ad37d51a25df4e05a3b157053c5270a3 xmlns="594212a7-a8eb-497d-bd6b-0e3a174923ee">
-      <Terms xmlns="http://schemas.microsoft.com/office/infopath/2007/PartnerControls"/>
-    </ad37d51a25df4e05a3b157053c5270a3>
-    <TaxCatchAll xmlns="594212a7-a8eb-497d-bd6b-0e3a174923ee">
-      <Value>66</Value>
-      <Value>3</Value>
-      <Value>2</Value>
-    </TaxCatchAll>
-    <e2fa6dee792b43efac6bb28cb4245109 xmlns="594212a7-a8eb-497d-bd6b-0e3a174923ee">
-      <Terms xmlns="http://schemas.microsoft.com/office/infopath/2007/PartnerControls">
-        <TermInfo xmlns="http://schemas.microsoft.com/office/infopath/2007/PartnerControls">
-          <TermName xmlns="http://schemas.microsoft.com/office/infopath/2007/PartnerControls">Safran Electronics and Defense</TermName>
-          <TermId xmlns="http://schemas.microsoft.com/office/infopath/2007/PartnerControls">09be7f39-4113-4616-9cb0-773043a7aa11</TermId>
-        </TermInfo>
-      </Terms>
-    </e2fa6dee792b43efac6bb28cb4245109>
-    <l0cedefb36e74dc2b968aa0e806ff5e3 xmlns="594212a7-a8eb-497d-bd6b-0e3a174923ee">
-      <Terms xmlns="http://schemas.microsoft.com/office/infopath/2007/PartnerControls"/>
-    </l0cedefb36e74dc2b968aa0e806ff5e3>
-    <TaxKeywordTaxHTField xmlns="594212a7-a8eb-497d-bd6b-0e3a174923ee">
-      <Terms xmlns="http://schemas.microsoft.com/office/infopath/2007/PartnerControls"/>
-    </TaxKeywordTaxHTField>
-    <a825e358ec1643889847765ed6ff8a73 xmlns="594212a7-a8eb-497d-bd6b-0e3a174923ee">
-      <Terms xmlns="http://schemas.microsoft.com/office/infopath/2007/PartnerControls"/>
-    </a825e358ec1643889847765ed6ff8a73>
-    <Audience xmlns="http://schemas.microsoft.com/sharepoint/v3">b1fcddf0-eb02-40cf-999e-f891355df569;;;;</Audience>
-    <SAF_DateDeMiseAJour xmlns="594212a7-a8eb-497d-bd6b-0e3a174923ee">2016-05-18T22:00:00+00:00</SAF_DateDeMiseAJour>
-    <SAF_Descriptif xmlns="594212a7-a8eb-497d-bd6b-0e3a174923ee">Modèle de présentation Powerpoint</SAF_Descriptif>
-    <caf53a6a65da4c24b32d62b4b62720b3 xmlns="594212a7-a8eb-497d-bd6b-0e3a174923ee">
-      <Terms xmlns="http://schemas.microsoft.com/office/infopath/2007/PartnerControls"/>
-    </caf53a6a65da4c24b32d62b4b62720b3>
-    <SAF_Auteur xmlns="594212a7-a8eb-497d-bd6b-0e3a174923ee" xsi:nil="true"/>
-    <SharePoint_Item_Language xmlns="594212a7-a8eb-497d-bd6b-0e3a174923ee">ALL</SharePoint_Item_Language>
-  </documentManagement>
-</p:properties>
-</file>
-
-<file path=customXml/item2.xml><?xml version="1.0" encoding="utf-8"?>
 <ct:contentTypeSchema xmlns:ct="http://schemas.microsoft.com/office/2006/metadata/contentType" xmlns:ma="http://schemas.microsoft.com/office/2006/metadata/properties/metaAttributes" ct:_="" ma:_="" ma:contentTypeName="Insite document" ma:contentTypeID="0x010100D21E0D47AF3242459E2F63E44FCC089100777D7FF5B336497A8022BDD96D52F2060073A9C0FD6552724BA132B83B91CE397D" ma:contentTypeVersion="58" ma:contentTypeDescription="Create Insite document" ma:contentTypeScope="" ma:versionID="f65cc82e10089ab0f0be1d7b16f82811">
   <xsd:schema xmlns:xsd="http://www.w3.org/2001/XMLSchema" xmlns:xs="http://www.w3.org/2001/XMLSchema" xmlns:p="http://schemas.microsoft.com/office/2006/metadata/properties" xmlns:ns1="http://schemas.microsoft.com/sharepoint/v3" xmlns:ns2="594212a7-a8eb-497d-bd6b-0e3a174923ee" targetNamespace="http://schemas.microsoft.com/office/2006/metadata/properties" ma:root="true" ma:fieldsID="a3d08b64a20d4b59c3188e4df41a755c" ns1:_="" ns2:_="">
     <xsd:import namespace="http://schemas.microsoft.com/sharepoint/v3"/>
@@ -27818,12 +29754,79 @@
 </ct:contentTypeSchema>
 </file>
 
-<file path=customXml/item3.xml><?xml version="1.0" encoding="utf-8"?>
-<?mso-contentType ?>
-<SharedContentType xmlns="Microsoft.SharePoint.Taxonomy.ContentTypeSync" SourceId="45132351-61c7-4947-8fdd-28b295696121" ContentTypeId="0x010100D21E0D47AF3242459E2F63E44FCC089100777D7FF5B336497A8022BDD96D52F206" PreviousValue="false"/>
+<file path=customXml/item2.xml><?xml version="1.0" encoding="utf-8"?>
+<p:properties xmlns:p="http://schemas.microsoft.com/office/2006/metadata/properties" xmlns:xsi="http://www.w3.org/2001/XMLSchema-instance" xmlns:pc="http://schemas.microsoft.com/office/infopath/2007/PartnerControls">
+  <documentManagement>
+    <PublishingRollupImage xmlns="http://schemas.microsoft.com/sharepoint/v3">&lt;img alt="" src="/com/Sagem/PracticalInfo/DocumentModels/PublishingImages/ppt_fr.jpg" style="BORDER&amp;#58;0px solid;" /&gt;</PublishingRollupImage>
+    <j0d00d49c94f4a41889fe0a90686fcf3 xmlns="594212a7-a8eb-497d-bd6b-0e3a174923ee">
+      <Terms xmlns="http://schemas.microsoft.com/office/infopath/2007/PartnerControls">
+        <TermInfo xmlns="http://schemas.microsoft.com/office/infopath/2007/PartnerControls">
+          <TermName xmlns="http://schemas.microsoft.com/office/infopath/2007/PartnerControls">Modèle de PowerPoint</TermName>
+          <TermId xmlns="http://schemas.microsoft.com/office/infopath/2007/PartnerControls">80c833d3-038d-45cb-b65f-a8d2234b6314</TermId>
+        </TermInfo>
+      </Terms>
+    </j0d00d49c94f4a41889fe0a90686fcf3>
+    <SharePoint_Group_Language xmlns="594212a7-a8eb-497d-bd6b-0e3a174923ee">0</SharePoint_Group_Language>
+    <fd69f967cfe64500a3ea9d72cb3281b0 xmlns="594212a7-a8eb-497d-bd6b-0e3a174923ee">
+      <Terms xmlns="http://schemas.microsoft.com/office/infopath/2007/PartnerControls"/>
+    </fd69f967cfe64500a3ea9d72cb3281b0>
+    <TaxCatchAllLabel xmlns="594212a7-a8eb-497d-bd6b-0e3a174923ee"/>
+    <SAF_RollupImageUrl xmlns="594212a7-a8eb-497d-bd6b-0e3a174923ee">/com/Sagem/PracticalInfo/DocumentModels/PublishingImages/ppt_fr.jpg</SAF_RollupImageUrl>
+    <m7fd08401b3947dfa98de00fecb0dae1 xmlns="594212a7-a8eb-497d-bd6b-0e3a174923ee">
+      <Terms xmlns="http://schemas.microsoft.com/office/infopath/2007/PartnerControls"/>
+    </m7fd08401b3947dfa98de00fecb0dae1>
+    <bf182a5ee3d048a18e411565aa2e2f45 xmlns="594212a7-a8eb-497d-bd6b-0e3a174923ee">
+      <Terms xmlns="http://schemas.microsoft.com/office/infopath/2007/PartnerControls"/>
+    </bf182a5ee3d048a18e411565aa2e2f45>
+    <e52db41c680243efb0b30a61ab228ec7 xmlns="594212a7-a8eb-497d-bd6b-0e3a174923ee">
+      <Terms xmlns="http://schemas.microsoft.com/office/infopath/2007/PartnerControls"/>
+    </e52db41c680243efb0b30a61ab228ec7>
+    <hbb7c253cca74a7eb37893d2c784478e xmlns="594212a7-a8eb-497d-bd6b-0e3a174923ee">
+      <Terms xmlns="http://schemas.microsoft.com/office/infopath/2007/PartnerControls">
+        <TermInfo xmlns="http://schemas.microsoft.com/office/infopath/2007/PartnerControls">
+          <TermName xmlns="http://schemas.microsoft.com/office/infopath/2007/PartnerControls">Société de rang 1</TermName>
+          <TermId xmlns="http://schemas.microsoft.com/office/infopath/2007/PartnerControls">153bb90e-11c3-427f-ad6a-31f0311df60b</TermId>
+        </TermInfo>
+      </Terms>
+    </hbb7c253cca74a7eb37893d2c784478e>
+    <ad37d51a25df4e05a3b157053c5270a3 xmlns="594212a7-a8eb-497d-bd6b-0e3a174923ee">
+      <Terms xmlns="http://schemas.microsoft.com/office/infopath/2007/PartnerControls"/>
+    </ad37d51a25df4e05a3b157053c5270a3>
+    <TaxCatchAll xmlns="594212a7-a8eb-497d-bd6b-0e3a174923ee">
+      <Value>66</Value>
+      <Value>3</Value>
+      <Value>2</Value>
+    </TaxCatchAll>
+    <e2fa6dee792b43efac6bb28cb4245109 xmlns="594212a7-a8eb-497d-bd6b-0e3a174923ee">
+      <Terms xmlns="http://schemas.microsoft.com/office/infopath/2007/PartnerControls">
+        <TermInfo xmlns="http://schemas.microsoft.com/office/infopath/2007/PartnerControls">
+          <TermName xmlns="http://schemas.microsoft.com/office/infopath/2007/PartnerControls">Safran Electronics and Defense</TermName>
+          <TermId xmlns="http://schemas.microsoft.com/office/infopath/2007/PartnerControls">09be7f39-4113-4616-9cb0-773043a7aa11</TermId>
+        </TermInfo>
+      </Terms>
+    </e2fa6dee792b43efac6bb28cb4245109>
+    <l0cedefb36e74dc2b968aa0e806ff5e3 xmlns="594212a7-a8eb-497d-bd6b-0e3a174923ee">
+      <Terms xmlns="http://schemas.microsoft.com/office/infopath/2007/PartnerControls"/>
+    </l0cedefb36e74dc2b968aa0e806ff5e3>
+    <TaxKeywordTaxHTField xmlns="594212a7-a8eb-497d-bd6b-0e3a174923ee">
+      <Terms xmlns="http://schemas.microsoft.com/office/infopath/2007/PartnerControls"/>
+    </TaxKeywordTaxHTField>
+    <a825e358ec1643889847765ed6ff8a73 xmlns="594212a7-a8eb-497d-bd6b-0e3a174923ee">
+      <Terms xmlns="http://schemas.microsoft.com/office/infopath/2007/PartnerControls"/>
+    </a825e358ec1643889847765ed6ff8a73>
+    <Audience xmlns="http://schemas.microsoft.com/sharepoint/v3">b1fcddf0-eb02-40cf-999e-f891355df569;;;;</Audience>
+    <SAF_DateDeMiseAJour xmlns="594212a7-a8eb-497d-bd6b-0e3a174923ee">2016-05-18T22:00:00+00:00</SAF_DateDeMiseAJour>
+    <SAF_Descriptif xmlns="594212a7-a8eb-497d-bd6b-0e3a174923ee">Modèle de présentation Powerpoint</SAF_Descriptif>
+    <caf53a6a65da4c24b32d62b4b62720b3 xmlns="594212a7-a8eb-497d-bd6b-0e3a174923ee">
+      <Terms xmlns="http://schemas.microsoft.com/office/infopath/2007/PartnerControls"/>
+    </caf53a6a65da4c24b32d62b4b62720b3>
+    <SAF_Auteur xmlns="594212a7-a8eb-497d-bd6b-0e3a174923ee" xsi:nil="true"/>
+    <SharePoint_Item_Language xmlns="594212a7-a8eb-497d-bd6b-0e3a174923ee">ALL</SharePoint_Item_Language>
+  </documentManagement>
+</p:properties>
 </file>
 
-<file path=customXml/item4.xml><?xml version="1.0" encoding="utf-8"?>
+<file path=customXml/item3.xml><?xml version="1.0" encoding="utf-8"?>
 <?mso-contentType ?>
 <FormTemplates xmlns="http://schemas.microsoft.com/sharepoint/v3/contenttype/forms">
   <Display>DocumentLibraryForm</Display>
@@ -27832,24 +29835,12 @@
 </FormTemplates>
 </file>
 
-<file path=customXml/itemProps1.xml><?xml version="1.0" encoding="utf-8"?>
-<ds:datastoreItem xmlns:ds="http://schemas.openxmlformats.org/officeDocument/2006/customXml" ds:itemID="{ACBB7B86-1A6B-4396-82CD-495CB7635E87}">
-  <ds:schemaRefs>
-    <ds:schemaRef ds:uri="http://purl.org/dc/elements/1.1/"/>
-    <ds:schemaRef ds:uri="http://schemas.microsoft.com/office/2006/metadata/properties"/>
-    <ds:schemaRef ds:uri="http://www.w3.org/XML/1998/namespace"/>
-    <ds:schemaRef ds:uri="594212a7-a8eb-497d-bd6b-0e3a174923ee"/>
-    <ds:schemaRef ds:uri="http://schemas.microsoft.com/office/infopath/2007/PartnerControls"/>
-    <ds:schemaRef ds:uri="http://purl.org/dc/terms/"/>
-    <ds:schemaRef ds:uri="http://schemas.openxmlformats.org/package/2006/metadata/core-properties"/>
-    <ds:schemaRef ds:uri="http://schemas.microsoft.com/office/2006/documentManagement/types"/>
-    <ds:schemaRef ds:uri="http://schemas.microsoft.com/sharepoint/v3"/>
-    <ds:schemaRef ds:uri="http://purl.org/dc/dcmitype/"/>
-  </ds:schemaRefs>
-</ds:datastoreItem>
+<file path=customXml/item4.xml><?xml version="1.0" encoding="utf-8"?>
+<?mso-contentType ?>
+<SharedContentType xmlns="Microsoft.SharePoint.Taxonomy.ContentTypeSync" SourceId="45132351-61c7-4947-8fdd-28b295696121" ContentTypeId="0x010100D21E0D47AF3242459E2F63E44FCC089100777D7FF5B336497A8022BDD96D52F206" PreviousValue="false"/>
 </file>
 
-<file path=customXml/itemProps2.xml><?xml version="1.0" encoding="utf-8"?>
+<file path=customXml/itemProps1.xml><?xml version="1.0" encoding="utf-8"?>
 <ds:datastoreItem xmlns:ds="http://schemas.openxmlformats.org/officeDocument/2006/customXml" ds:itemID="{F7E004A7-897D-4E72-A616-FDDDB65662A9}">
   <ds:schemaRefs>
     <ds:schemaRef ds:uri="http://schemas.microsoft.com/office/2006/metadata/contentType"/>
@@ -27868,18 +29859,35 @@
 </ds:datastoreItem>
 </file>
 
+<file path=customXml/itemProps2.xml><?xml version="1.0" encoding="utf-8"?>
+<ds:datastoreItem xmlns:ds="http://schemas.openxmlformats.org/officeDocument/2006/customXml" ds:itemID="{ACBB7B86-1A6B-4396-82CD-495CB7635E87}">
+  <ds:schemaRefs>
+    <ds:schemaRef ds:uri="http://purl.org/dc/elements/1.1/"/>
+    <ds:schemaRef ds:uri="http://schemas.microsoft.com/office/2006/metadata/properties"/>
+    <ds:schemaRef ds:uri="http://www.w3.org/XML/1998/namespace"/>
+    <ds:schemaRef ds:uri="594212a7-a8eb-497d-bd6b-0e3a174923ee"/>
+    <ds:schemaRef ds:uri="http://schemas.microsoft.com/office/infopath/2007/PartnerControls"/>
+    <ds:schemaRef ds:uri="http://purl.org/dc/terms/"/>
+    <ds:schemaRef ds:uri="http://schemas.openxmlformats.org/package/2006/metadata/core-properties"/>
+    <ds:schemaRef ds:uri="http://schemas.microsoft.com/office/2006/documentManagement/types"/>
+    <ds:schemaRef ds:uri="http://schemas.microsoft.com/sharepoint/v3"/>
+    <ds:schemaRef ds:uri="http://purl.org/dc/dcmitype/"/>
+  </ds:schemaRefs>
+</ds:datastoreItem>
+</file>
+
 <file path=customXml/itemProps3.xml><?xml version="1.0" encoding="utf-8"?>
+<ds:datastoreItem xmlns:ds="http://schemas.openxmlformats.org/officeDocument/2006/customXml" ds:itemID="{CDFC1E5D-7D92-42DE-BD9A-3052BDFC676F}">
+  <ds:schemaRefs>
+    <ds:schemaRef ds:uri="http://schemas.microsoft.com/sharepoint/v3/contenttype/forms"/>
+  </ds:schemaRefs>
+</ds:datastoreItem>
+</file>
+
+<file path=customXml/itemProps4.xml><?xml version="1.0" encoding="utf-8"?>
 <ds:datastoreItem xmlns:ds="http://schemas.openxmlformats.org/officeDocument/2006/customXml" ds:itemID="{83A5CAF7-8EEF-4F62-8E18-26CC56AAAB6D}">
   <ds:schemaRefs>
     <ds:schemaRef ds:uri="Microsoft.SharePoint.Taxonomy.ContentTypeSync"/>
   </ds:schemaRefs>
 </ds:datastoreItem>
-</file>
-
-<file path=customXml/itemProps4.xml><?xml version="1.0" encoding="utf-8"?>
-<ds:datastoreItem xmlns:ds="http://schemas.openxmlformats.org/officeDocument/2006/customXml" ds:itemID="{CDFC1E5D-7D92-42DE-BD9A-3052BDFC676F}">
-  <ds:schemaRefs>
-    <ds:schemaRef ds:uri="http://schemas.microsoft.com/sharepoint/v3/contenttype/forms"/>
-  </ds:schemaRefs>
-</ds:datastoreItem>
 </file>
--- a/sudoku.pptx
+++ b/sudoku.pptx
@@ -413,7 +413,7 @@
           <a:p>
             <a:fld id="{0971EF12-5369-4F7D-8386-2BAB2912270B}" type="datetimeFigureOut">
               <a:rPr lang="fr-FR" smtClean="0"/>
-              <a:t>08/04/2020</a:t>
+              <a:t>09/04/2020</a:t>
             </a:fld>
             <a:endParaRPr lang="fr-FR"/>
           </a:p>
@@ -583,7 +583,7 @@
             <a:fld id="{D680E798-53FF-4C51-A981-953463752515}" type="datetimeFigureOut">
               <a:rPr lang="fr-FR" smtClean="0"/>
               <a:pPr/>
-              <a:t>08/04/2020</a:t>
+              <a:t>09/04/2020</a:t>
             </a:fld>
             <a:endParaRPr lang="fr-FR" dirty="0"/>
           </a:p>
@@ -23641,8 +23641,8 @@
         </p:nvSpPr>
         <p:spPr>
           <a:xfrm>
-            <a:off x="359532" y="411163"/>
-            <a:ext cx="8533643" cy="540000"/>
+            <a:off x="359533" y="411163"/>
+            <a:ext cx="1656183" cy="576412"/>
           </a:xfrm>
         </p:spPr>
         <p:txBody>
@@ -23650,8 +23650,20 @@
           <a:lstStyle/>
           <a:p>
             <a:r>
+              <a:rPr lang="fr-FR" dirty="0"/>
+              <a:t>S</a:t>
+            </a:r>
+            <a:r>
               <a:rPr lang="fr-FR" dirty="0" smtClean="0"/>
-              <a:t>sudoku (1/4) ?</a:t>
+              <a:t>udoku </a:t>
+            </a:r>
+            <a:r>
+              <a:rPr lang="fr-FR" dirty="0" smtClean="0"/>
+              <a:t>(1/4</a:t>
+            </a:r>
+            <a:r>
+              <a:rPr lang="fr-FR" dirty="0" smtClean="0"/>
+              <a:t>) via la SMTLIB</a:t>
             </a:r>
             <a:endParaRPr lang="fr-FR" dirty="0"/>
           </a:p>
@@ -23764,25 +23776,162 @@
           </a:p>
         </p:txBody>
       </p:sp>
-      <p:sp>
-        <p:nvSpPr>
-          <p:cNvPr id="2" name="Espace réservé du contenu 1"/>
-          <p:cNvSpPr>
-            <a:spLocks noGrp="1"/>
-          </p:cNvSpPr>
-          <p:nvPr>
-            <p:ph idx="1"/>
-          </p:nvPr>
-        </p:nvSpPr>
-        <p:spPr/>
-        <p:txBody>
-          <a:bodyPr/>
-          <a:lstStyle/>
-          <a:p>
-            <a:endParaRPr lang="fr-FR" dirty="0"/>
-          </a:p>
-        </p:txBody>
-      </p:sp>
+      <p:pic>
+        <p:nvPicPr>
+          <p:cNvPr id="6" name="Image 5"/>
+          <p:cNvPicPr>
+            <a:picLocks noChangeAspect="1"/>
+          </p:cNvPicPr>
+          <p:nvPr/>
+        </p:nvPicPr>
+        <p:blipFill>
+          <a:blip r:embed="rId2">
+            <a:extLst>
+              <a:ext uri="{28A0092B-C50C-407E-A947-70E740481C1C}">
+                <a14:useLocalDpi xmlns:a14="http://schemas.microsoft.com/office/drawing/2010/main" val="0"/>
+              </a:ext>
+            </a:extLst>
+          </a:blip>
+          <a:stretch>
+            <a:fillRect/>
+          </a:stretch>
+        </p:blipFill>
+        <p:spPr>
+          <a:xfrm>
+            <a:off x="57148" y="1563638"/>
+            <a:ext cx="2099714" cy="2099714"/>
+          </a:xfrm>
+          <a:prstGeom prst="rect">
+            <a:avLst/>
+          </a:prstGeom>
+        </p:spPr>
+      </p:pic>
+      <p:pic>
+        <p:nvPicPr>
+          <p:cNvPr id="2" name="Image 1"/>
+          <p:cNvPicPr>
+            <a:picLocks noChangeAspect="1"/>
+          </p:cNvPicPr>
+          <p:nvPr/>
+        </p:nvPicPr>
+        <p:blipFill>
+          <a:blip r:embed="rId3"/>
+          <a:stretch>
+            <a:fillRect/>
+          </a:stretch>
+        </p:blipFill>
+        <p:spPr>
+          <a:xfrm>
+            <a:off x="2388765" y="321001"/>
+            <a:ext cx="2507271" cy="4446993"/>
+          </a:xfrm>
+          <a:prstGeom prst="rect">
+            <a:avLst/>
+          </a:prstGeom>
+        </p:spPr>
+      </p:pic>
+      <p:pic>
+        <p:nvPicPr>
+          <p:cNvPr id="9" name="Image 8"/>
+          <p:cNvPicPr>
+            <a:picLocks noChangeAspect="1"/>
+          </p:cNvPicPr>
+          <p:nvPr/>
+        </p:nvPicPr>
+        <p:blipFill>
+          <a:blip r:embed="rId4">
+            <a:extLst>
+              <a:ext uri="{28A0092B-C50C-407E-A947-70E740481C1C}">
+                <a14:useLocalDpi xmlns:a14="http://schemas.microsoft.com/office/drawing/2010/main" val="0"/>
+              </a:ext>
+            </a:extLst>
+          </a:blip>
+          <a:stretch>
+            <a:fillRect/>
+          </a:stretch>
+        </p:blipFill>
+        <p:spPr>
+          <a:xfrm>
+            <a:off x="6264188" y="2613495"/>
+            <a:ext cx="1481596" cy="1476574"/>
+          </a:xfrm>
+          <a:prstGeom prst="rect">
+            <a:avLst/>
+          </a:prstGeom>
+        </p:spPr>
+      </p:pic>
+      <p:pic>
+        <p:nvPicPr>
+          <p:cNvPr id="3" name="Image 2"/>
+          <p:cNvPicPr>
+            <a:picLocks noChangeAspect="1"/>
+          </p:cNvPicPr>
+          <p:nvPr/>
+        </p:nvPicPr>
+        <p:blipFill>
+          <a:blip r:embed="rId5"/>
+          <a:stretch>
+            <a:fillRect/>
+          </a:stretch>
+        </p:blipFill>
+        <p:spPr>
+          <a:xfrm>
+            <a:off x="5209205" y="357495"/>
+            <a:ext cx="3935303" cy="2221651"/>
+          </a:xfrm>
+          <a:prstGeom prst="rect">
+            <a:avLst/>
+          </a:prstGeom>
+        </p:spPr>
+      </p:pic>
+      <p:pic>
+        <p:nvPicPr>
+          <p:cNvPr id="5" name="Image 4"/>
+          <p:cNvPicPr>
+            <a:picLocks noChangeAspect="1"/>
+          </p:cNvPicPr>
+          <p:nvPr/>
+        </p:nvPicPr>
+        <p:blipFill>
+          <a:blip r:embed="rId6"/>
+          <a:stretch>
+            <a:fillRect/>
+          </a:stretch>
+        </p:blipFill>
+        <p:spPr>
+          <a:xfrm>
+            <a:off x="4385188" y="117976"/>
+            <a:ext cx="4676775" cy="171450"/>
+          </a:xfrm>
+          <a:prstGeom prst="rect">
+            <a:avLst/>
+          </a:prstGeom>
+        </p:spPr>
+      </p:pic>
+      <p:pic>
+        <p:nvPicPr>
+          <p:cNvPr id="7" name="Image 6"/>
+          <p:cNvPicPr>
+            <a:picLocks noChangeAspect="1"/>
+          </p:cNvPicPr>
+          <p:nvPr/>
+        </p:nvPicPr>
+        <p:blipFill>
+          <a:blip r:embed="rId7"/>
+          <a:stretch>
+            <a:fillRect/>
+          </a:stretch>
+        </p:blipFill>
+        <p:spPr>
+          <a:xfrm>
+            <a:off x="4999049" y="4180584"/>
+            <a:ext cx="4109455" cy="551406"/>
+          </a:xfrm>
+          <a:prstGeom prst="rect">
+            <a:avLst/>
+          </a:prstGeom>
+        </p:spPr>
+      </p:pic>
     </p:spTree>
     <p:extLst>
       <p:ext uri="{BB962C8B-B14F-4D97-AF65-F5344CB8AC3E}">
@@ -25752,11 +25901,11 @@
           <a:p>
             <a:r>
               <a:rPr lang="fr-FR" dirty="0" smtClean="0"/>
-              <a:t>Sudoku (2/4) : </a:t>
-            </a:r>
-            <a:r>
-              <a:rPr lang="fr-FR" dirty="0" err="1" smtClean="0"/>
-              <a:t>smtlib</a:t>
+              <a:t>Sudoku (2/4) </a:t>
+            </a:r>
+            <a:r>
+              <a:rPr lang="fr-FR" dirty="0" smtClean="0"/>
+              <a:t>histoire de la SMTLIB</a:t>
             </a:r>
             <a:endParaRPr lang="fr-FR" dirty="0"/>
           </a:p>
@@ -25884,7 +26033,200 @@
           <a:bodyPr/>
           <a:lstStyle/>
           <a:p>
-            <a:endParaRPr lang="fr-FR"/>
+            <a:r>
+              <a:rPr lang="fr-FR" dirty="0" smtClean="0"/>
+              <a:t>1929 : </a:t>
+            </a:r>
+            <a:r>
+              <a:rPr lang="fr-FR" dirty="0" err="1"/>
+              <a:t>Mojżesz</a:t>
+            </a:r>
+            <a:r>
+              <a:rPr lang="fr-FR" dirty="0"/>
+              <a:t> </a:t>
+            </a:r>
+            <a:r>
+              <a:rPr lang="fr-FR" dirty="0" err="1" smtClean="0"/>
+              <a:t>Presburger</a:t>
+            </a:r>
+            <a:r>
+              <a:rPr lang="fr-FR" dirty="0" smtClean="0"/>
+              <a:t> : </a:t>
+            </a:r>
+            <a:r>
+              <a:rPr lang="fr-FR" dirty="0" err="1" smtClean="0"/>
+              <a:t>algo</a:t>
+            </a:r>
+            <a:r>
+              <a:rPr lang="fr-FR" dirty="0" smtClean="0"/>
+              <a:t>. pour l’arithmétique entière SANS MULTIPLICATION</a:t>
+            </a:r>
+          </a:p>
+          <a:p>
+            <a:r>
+              <a:rPr lang="fr-FR" dirty="0" smtClean="0"/>
+              <a:t>1931 : Alfred Tarski : </a:t>
+            </a:r>
+            <a:r>
+              <a:rPr lang="fr-FR" dirty="0" err="1" smtClean="0"/>
+              <a:t>algo</a:t>
+            </a:r>
+            <a:r>
+              <a:rPr lang="fr-FR" dirty="0" smtClean="0"/>
+              <a:t>. </a:t>
+            </a:r>
+            <a:r>
+              <a:rPr lang="fr-FR" dirty="0"/>
+              <a:t>p</a:t>
+            </a:r>
+            <a:r>
+              <a:rPr lang="fr-FR" dirty="0" smtClean="0"/>
+              <a:t>our l’arithmétique réelle</a:t>
+            </a:r>
+          </a:p>
+          <a:p>
+            <a:r>
+              <a:rPr lang="fr-FR" dirty="0" smtClean="0"/>
+              <a:t>1947 : George Dantzig : le SIMPLEXE</a:t>
+            </a:r>
+            <a:endParaRPr lang="fr-FR" dirty="0" smtClean="0"/>
+          </a:p>
+          <a:p>
+            <a:r>
+              <a:rPr lang="fr-FR" dirty="0" smtClean="0"/>
+              <a:t>…</a:t>
+            </a:r>
+          </a:p>
+          <a:p>
+            <a:r>
+              <a:rPr lang="fr-FR" dirty="0" smtClean="0"/>
+              <a:t>1971 : Stephen Cook : SAT est NP-complet</a:t>
+            </a:r>
+          </a:p>
+          <a:p>
+            <a:r>
+              <a:rPr lang="fr-FR" dirty="0" smtClean="0"/>
+              <a:t>…</a:t>
+            </a:r>
+          </a:p>
+          <a:p>
+            <a:r>
+              <a:rPr lang="fr-FR" dirty="0" smtClean="0"/>
+              <a:t>1979 : Greg Nelson &amp; Derek </a:t>
+            </a:r>
+            <a:r>
+              <a:rPr lang="fr-FR" dirty="0" err="1" smtClean="0"/>
+              <a:t>Oppen</a:t>
+            </a:r>
+            <a:r>
+              <a:rPr lang="fr-FR" dirty="0" smtClean="0"/>
+              <a:t> : comment combiner ces </a:t>
+            </a:r>
+            <a:r>
+              <a:rPr lang="fr-FR" dirty="0" err="1" smtClean="0"/>
+              <a:t>algos</a:t>
+            </a:r>
+            <a:r>
+              <a:rPr lang="fr-FR" dirty="0" smtClean="0"/>
+              <a:t>.</a:t>
+            </a:r>
+          </a:p>
+          <a:p>
+            <a:r>
+              <a:rPr lang="fr-FR" dirty="0" smtClean="0"/>
+              <a:t>1984 : Robert </a:t>
+            </a:r>
+            <a:r>
+              <a:rPr lang="fr-FR" dirty="0" err="1" smtClean="0"/>
+              <a:t>Shostak</a:t>
+            </a:r>
+            <a:r>
+              <a:rPr lang="fr-FR" dirty="0" smtClean="0"/>
+              <a:t> : idem</a:t>
+            </a:r>
+          </a:p>
+          <a:p>
+            <a:r>
+              <a:rPr lang="fr-FR" dirty="0" smtClean="0"/>
+              <a:t>…</a:t>
+            </a:r>
+          </a:p>
+          <a:p>
+            <a:r>
+              <a:rPr lang="fr-FR" dirty="0" smtClean="0"/>
+              <a:t>1992 : 1</a:t>
+            </a:r>
+            <a:r>
+              <a:rPr lang="fr-FR" baseline="30000" dirty="0" smtClean="0"/>
+              <a:t>ière</a:t>
+            </a:r>
+            <a:r>
+              <a:rPr lang="fr-FR" dirty="0" smtClean="0"/>
+              <a:t> SAT-COMP (annuellement à partir de 2002)</a:t>
+            </a:r>
+          </a:p>
+          <a:p>
+            <a:pPr lvl="1"/>
+            <a:r>
+              <a:rPr lang="fr-FR" dirty="0" smtClean="0"/>
+              <a:t>Et V0 du format DIMACS</a:t>
+            </a:r>
+          </a:p>
+          <a:p>
+            <a:r>
+              <a:rPr lang="fr-FR" dirty="0" smtClean="0"/>
+              <a:t>…</a:t>
+            </a:r>
+          </a:p>
+          <a:p>
+            <a:r>
+              <a:rPr lang="fr-FR" dirty="0" smtClean="0"/>
+              <a:t>2003 : </a:t>
+            </a:r>
+            <a:r>
+              <a:rPr lang="fr-FR" b="0" dirty="0"/>
+              <a:t>Silvio </a:t>
+            </a:r>
+            <a:r>
+              <a:rPr lang="fr-FR" b="0" dirty="0" err="1"/>
+              <a:t>Ranise</a:t>
+            </a:r>
+            <a:r>
+              <a:rPr lang="fr-FR" b="0" dirty="0"/>
+              <a:t> and Cesare </a:t>
+            </a:r>
+            <a:r>
+              <a:rPr lang="fr-FR" b="0" dirty="0" err="1" smtClean="0"/>
+              <a:t>Tinelli</a:t>
+            </a:r>
+            <a:r>
+              <a:rPr lang="fr-FR" b="0" dirty="0" smtClean="0"/>
+              <a:t> : V0 du format SMTLIB</a:t>
+            </a:r>
+          </a:p>
+          <a:p>
+            <a:r>
+              <a:rPr lang="fr-FR" b="0" dirty="0" smtClean="0"/>
+              <a:t>2005 : 1</a:t>
+            </a:r>
+            <a:r>
+              <a:rPr lang="fr-FR" b="0" baseline="30000" dirty="0" smtClean="0"/>
+              <a:t>ière</a:t>
+            </a:r>
+            <a:r>
+              <a:rPr lang="fr-FR" b="0" dirty="0" smtClean="0"/>
+              <a:t> SMT-COMP</a:t>
+            </a:r>
+          </a:p>
+          <a:p>
+            <a:r>
+              <a:rPr lang="fr-FR" b="0" dirty="0" smtClean="0"/>
+              <a:t>2017 : V2.6, plus de 100000 benchmarks</a:t>
+            </a:r>
+            <a:endParaRPr lang="fr-FR" dirty="0" smtClean="0"/>
+          </a:p>
+          <a:p>
+            <a:endParaRPr lang="fr-FR" dirty="0" smtClean="0"/>
           </a:p>
         </p:txBody>
       </p:sp>
@@ -26634,11 +26976,7 @@
           <a:p>
             <a:r>
               <a:rPr lang="fr-FR" dirty="0" smtClean="0"/>
-              <a:t>Die hard (</a:t>
-            </a:r>
-            <a:r>
-              <a:rPr lang="fr-FR" dirty="0" smtClean="0"/>
-              <a:t>1/3)</a:t>
+              <a:t>Die hard (1/3)</a:t>
             </a:r>
             <a:endParaRPr lang="fr-FR" dirty="0"/>
           </a:p>
@@ -26869,15 +27207,7 @@
           <a:p>
             <a:r>
               <a:rPr lang="fr-FR" dirty="0" smtClean="0"/>
-              <a:t>Die hard (</a:t>
-            </a:r>
-            <a:r>
-              <a:rPr lang="fr-FR" dirty="0" smtClean="0"/>
-              <a:t>2/3) </a:t>
-            </a:r>
-            <a:r>
-              <a:rPr lang="fr-FR" dirty="0" smtClean="0"/>
-              <a:t>?</a:t>
+              <a:t>Die hard (2/3) ?</a:t>
             </a:r>
             <a:endParaRPr lang="fr-FR" dirty="0"/>
           </a:p>
@@ -27079,11 +27409,7 @@
           <a:p>
             <a:r>
               <a:rPr lang="fr-FR" dirty="0" smtClean="0"/>
-              <a:t>Die hard </a:t>
-            </a:r>
-            <a:r>
-              <a:rPr lang="fr-FR" dirty="0" smtClean="0"/>
-              <a:t>(</a:t>
+              <a:t>Die hard (</a:t>
             </a:r>
             <a:r>
               <a:rPr lang="fr-FR" dirty="0"/>
@@ -27091,11 +27417,7 @@
             </a:r>
             <a:r>
               <a:rPr lang="fr-FR" dirty="0" smtClean="0"/>
-              <a:t>/3) </a:t>
-            </a:r>
-            <a:r>
-              <a:rPr lang="fr-FR" dirty="0" smtClean="0"/>
-              <a:t>?</a:t>
+              <a:t>/3) ?</a:t>
             </a:r>
             <a:endParaRPr lang="fr-FR" dirty="0"/>
           </a:p>
@@ -29743,75 +30065,8 @@
 </file>
 
 <file path=customXml/item1.xml><?xml version="1.0" encoding="utf-8"?>
-<p:properties xmlns:p="http://schemas.microsoft.com/office/2006/metadata/properties" xmlns:xsi="http://www.w3.org/2001/XMLSchema-instance" xmlns:pc="http://schemas.microsoft.com/office/infopath/2007/PartnerControls">
-  <documentManagement>
-    <PublishingRollupImage xmlns="http://schemas.microsoft.com/sharepoint/v3">&lt;img alt="" src="/com/Sagem/PracticalInfo/DocumentModels/PublishingImages/ppt_fr.jpg" style="BORDER&amp;#58;0px solid;" /&gt;</PublishingRollupImage>
-    <j0d00d49c94f4a41889fe0a90686fcf3 xmlns="594212a7-a8eb-497d-bd6b-0e3a174923ee">
-      <Terms xmlns="http://schemas.microsoft.com/office/infopath/2007/PartnerControls">
-        <TermInfo xmlns="http://schemas.microsoft.com/office/infopath/2007/PartnerControls">
-          <TermName xmlns="http://schemas.microsoft.com/office/infopath/2007/PartnerControls">Modèle de PowerPoint</TermName>
-          <TermId xmlns="http://schemas.microsoft.com/office/infopath/2007/PartnerControls">80c833d3-038d-45cb-b65f-a8d2234b6314</TermId>
-        </TermInfo>
-      </Terms>
-    </j0d00d49c94f4a41889fe0a90686fcf3>
-    <SharePoint_Group_Language xmlns="594212a7-a8eb-497d-bd6b-0e3a174923ee">0</SharePoint_Group_Language>
-    <fd69f967cfe64500a3ea9d72cb3281b0 xmlns="594212a7-a8eb-497d-bd6b-0e3a174923ee">
-      <Terms xmlns="http://schemas.microsoft.com/office/infopath/2007/PartnerControls"/>
-    </fd69f967cfe64500a3ea9d72cb3281b0>
-    <TaxCatchAllLabel xmlns="594212a7-a8eb-497d-bd6b-0e3a174923ee"/>
-    <SAF_RollupImageUrl xmlns="594212a7-a8eb-497d-bd6b-0e3a174923ee">/com/Sagem/PracticalInfo/DocumentModels/PublishingImages/ppt_fr.jpg</SAF_RollupImageUrl>
-    <m7fd08401b3947dfa98de00fecb0dae1 xmlns="594212a7-a8eb-497d-bd6b-0e3a174923ee">
-      <Terms xmlns="http://schemas.microsoft.com/office/infopath/2007/PartnerControls"/>
-    </m7fd08401b3947dfa98de00fecb0dae1>
-    <bf182a5ee3d048a18e411565aa2e2f45 xmlns="594212a7-a8eb-497d-bd6b-0e3a174923ee">
-      <Terms xmlns="http://schemas.microsoft.com/office/infopath/2007/PartnerControls"/>
-    </bf182a5ee3d048a18e411565aa2e2f45>
-    <e52db41c680243efb0b30a61ab228ec7 xmlns="594212a7-a8eb-497d-bd6b-0e3a174923ee">
-      <Terms xmlns="http://schemas.microsoft.com/office/infopath/2007/PartnerControls"/>
-    </e52db41c680243efb0b30a61ab228ec7>
-    <hbb7c253cca74a7eb37893d2c784478e xmlns="594212a7-a8eb-497d-bd6b-0e3a174923ee">
-      <Terms xmlns="http://schemas.microsoft.com/office/infopath/2007/PartnerControls">
-        <TermInfo xmlns="http://schemas.microsoft.com/office/infopath/2007/PartnerControls">
-          <TermName xmlns="http://schemas.microsoft.com/office/infopath/2007/PartnerControls">Société de rang 1</TermName>
-          <TermId xmlns="http://schemas.microsoft.com/office/infopath/2007/PartnerControls">153bb90e-11c3-427f-ad6a-31f0311df60b</TermId>
-        </TermInfo>
-      </Terms>
-    </hbb7c253cca74a7eb37893d2c784478e>
-    <ad37d51a25df4e05a3b157053c5270a3 xmlns="594212a7-a8eb-497d-bd6b-0e3a174923ee">
-      <Terms xmlns="http://schemas.microsoft.com/office/infopath/2007/PartnerControls"/>
-    </ad37d51a25df4e05a3b157053c5270a3>
-    <TaxCatchAll xmlns="594212a7-a8eb-497d-bd6b-0e3a174923ee">
-      <Value>66</Value>
-      <Value>3</Value>
-      <Value>2</Value>
-    </TaxCatchAll>
-    <e2fa6dee792b43efac6bb28cb4245109 xmlns="594212a7-a8eb-497d-bd6b-0e3a174923ee">
-      <Terms xmlns="http://schemas.microsoft.com/office/infopath/2007/PartnerControls">
-        <TermInfo xmlns="http://schemas.microsoft.com/office/infopath/2007/PartnerControls">
-          <TermName xmlns="http://schemas.microsoft.com/office/infopath/2007/PartnerControls">Safran Electronics and Defense</TermName>
-          <TermId xmlns="http://schemas.microsoft.com/office/infopath/2007/PartnerControls">09be7f39-4113-4616-9cb0-773043a7aa11</TermId>
-        </TermInfo>
-      </Terms>
-    </e2fa6dee792b43efac6bb28cb4245109>
-    <l0cedefb36e74dc2b968aa0e806ff5e3 xmlns="594212a7-a8eb-497d-bd6b-0e3a174923ee">
-      <Terms xmlns="http://schemas.microsoft.com/office/infopath/2007/PartnerControls"/>
-    </l0cedefb36e74dc2b968aa0e806ff5e3>
-    <TaxKeywordTaxHTField xmlns="594212a7-a8eb-497d-bd6b-0e3a174923ee">
-      <Terms xmlns="http://schemas.microsoft.com/office/infopath/2007/PartnerControls"/>
-    </TaxKeywordTaxHTField>
-    <a825e358ec1643889847765ed6ff8a73 xmlns="594212a7-a8eb-497d-bd6b-0e3a174923ee">
-      <Terms xmlns="http://schemas.microsoft.com/office/infopath/2007/PartnerControls"/>
-    </a825e358ec1643889847765ed6ff8a73>
-    <Audience xmlns="http://schemas.microsoft.com/sharepoint/v3">b1fcddf0-eb02-40cf-999e-f891355df569;;;;</Audience>
-    <SAF_DateDeMiseAJour xmlns="594212a7-a8eb-497d-bd6b-0e3a174923ee">2016-05-18T22:00:00+00:00</SAF_DateDeMiseAJour>
-    <SAF_Descriptif xmlns="594212a7-a8eb-497d-bd6b-0e3a174923ee">Modèle de présentation Powerpoint</SAF_Descriptif>
-    <caf53a6a65da4c24b32d62b4b62720b3 xmlns="594212a7-a8eb-497d-bd6b-0e3a174923ee">
-      <Terms xmlns="http://schemas.microsoft.com/office/infopath/2007/PartnerControls"/>
-    </caf53a6a65da4c24b32d62b4b62720b3>
-    <SAF_Auteur xmlns="594212a7-a8eb-497d-bd6b-0e3a174923ee" xsi:nil="true"/>
-    <SharePoint_Item_Language xmlns="594212a7-a8eb-497d-bd6b-0e3a174923ee">ALL</SharePoint_Item_Language>
-  </documentManagement>
-</p:properties>
+<?mso-contentType ?>
+<SharedContentType xmlns="Microsoft.SharePoint.Taxonomy.ContentTypeSync" SourceId="45132351-61c7-4947-8fdd-28b295696121" ContentTypeId="0x010100D21E0D47AF3242459E2F63E44FCC089100777D7FF5B336497A8022BDD96D52F206" PreviousValue="false"/>
 </file>
 
 <file path=customXml/item2.xml><?xml version="1.0" encoding="utf-8"?>
@@ -30116,8 +30371,75 @@
 </file>
 
 <file path=customXml/item3.xml><?xml version="1.0" encoding="utf-8"?>
-<?mso-contentType ?>
-<SharedContentType xmlns="Microsoft.SharePoint.Taxonomy.ContentTypeSync" SourceId="45132351-61c7-4947-8fdd-28b295696121" ContentTypeId="0x010100D21E0D47AF3242459E2F63E44FCC089100777D7FF5B336497A8022BDD96D52F206" PreviousValue="false"/>
+<p:properties xmlns:p="http://schemas.microsoft.com/office/2006/metadata/properties" xmlns:xsi="http://www.w3.org/2001/XMLSchema-instance" xmlns:pc="http://schemas.microsoft.com/office/infopath/2007/PartnerControls">
+  <documentManagement>
+    <PublishingRollupImage xmlns="http://schemas.microsoft.com/sharepoint/v3">&lt;img alt="" src="/com/Sagem/PracticalInfo/DocumentModels/PublishingImages/ppt_fr.jpg" style="BORDER&amp;#58;0px solid;" /&gt;</PublishingRollupImage>
+    <j0d00d49c94f4a41889fe0a90686fcf3 xmlns="594212a7-a8eb-497d-bd6b-0e3a174923ee">
+      <Terms xmlns="http://schemas.microsoft.com/office/infopath/2007/PartnerControls">
+        <TermInfo xmlns="http://schemas.microsoft.com/office/infopath/2007/PartnerControls">
+          <TermName xmlns="http://schemas.microsoft.com/office/infopath/2007/PartnerControls">Modèle de PowerPoint</TermName>
+          <TermId xmlns="http://schemas.microsoft.com/office/infopath/2007/PartnerControls">80c833d3-038d-45cb-b65f-a8d2234b6314</TermId>
+        </TermInfo>
+      </Terms>
+    </j0d00d49c94f4a41889fe0a90686fcf3>
+    <SharePoint_Group_Language xmlns="594212a7-a8eb-497d-bd6b-0e3a174923ee">0</SharePoint_Group_Language>
+    <fd69f967cfe64500a3ea9d72cb3281b0 xmlns="594212a7-a8eb-497d-bd6b-0e3a174923ee">
+      <Terms xmlns="http://schemas.microsoft.com/office/infopath/2007/PartnerControls"/>
+    </fd69f967cfe64500a3ea9d72cb3281b0>
+    <TaxCatchAllLabel xmlns="594212a7-a8eb-497d-bd6b-0e3a174923ee"/>
+    <SAF_RollupImageUrl xmlns="594212a7-a8eb-497d-bd6b-0e3a174923ee">/com/Sagem/PracticalInfo/DocumentModels/PublishingImages/ppt_fr.jpg</SAF_RollupImageUrl>
+    <m7fd08401b3947dfa98de00fecb0dae1 xmlns="594212a7-a8eb-497d-bd6b-0e3a174923ee">
+      <Terms xmlns="http://schemas.microsoft.com/office/infopath/2007/PartnerControls"/>
+    </m7fd08401b3947dfa98de00fecb0dae1>
+    <bf182a5ee3d048a18e411565aa2e2f45 xmlns="594212a7-a8eb-497d-bd6b-0e3a174923ee">
+      <Terms xmlns="http://schemas.microsoft.com/office/infopath/2007/PartnerControls"/>
+    </bf182a5ee3d048a18e411565aa2e2f45>
+    <e52db41c680243efb0b30a61ab228ec7 xmlns="594212a7-a8eb-497d-bd6b-0e3a174923ee">
+      <Terms xmlns="http://schemas.microsoft.com/office/infopath/2007/PartnerControls"/>
+    </e52db41c680243efb0b30a61ab228ec7>
+    <hbb7c253cca74a7eb37893d2c784478e xmlns="594212a7-a8eb-497d-bd6b-0e3a174923ee">
+      <Terms xmlns="http://schemas.microsoft.com/office/infopath/2007/PartnerControls">
+        <TermInfo xmlns="http://schemas.microsoft.com/office/infopath/2007/PartnerControls">
+          <TermName xmlns="http://schemas.microsoft.com/office/infopath/2007/PartnerControls">Société de rang 1</TermName>
+          <TermId xmlns="http://schemas.microsoft.com/office/infopath/2007/PartnerControls">153bb90e-11c3-427f-ad6a-31f0311df60b</TermId>
+        </TermInfo>
+      </Terms>
+    </hbb7c253cca74a7eb37893d2c784478e>
+    <ad37d51a25df4e05a3b157053c5270a3 xmlns="594212a7-a8eb-497d-bd6b-0e3a174923ee">
+      <Terms xmlns="http://schemas.microsoft.com/office/infopath/2007/PartnerControls"/>
+    </ad37d51a25df4e05a3b157053c5270a3>
+    <TaxCatchAll xmlns="594212a7-a8eb-497d-bd6b-0e3a174923ee">
+      <Value>66</Value>
+      <Value>3</Value>
+      <Value>2</Value>
+    </TaxCatchAll>
+    <e2fa6dee792b43efac6bb28cb4245109 xmlns="594212a7-a8eb-497d-bd6b-0e3a174923ee">
+      <Terms xmlns="http://schemas.microsoft.com/office/infopath/2007/PartnerControls">
+        <TermInfo xmlns="http://schemas.microsoft.com/office/infopath/2007/PartnerControls">
+          <TermName xmlns="http://schemas.microsoft.com/office/infopath/2007/PartnerControls">Safran Electronics and Defense</TermName>
+          <TermId xmlns="http://schemas.microsoft.com/office/infopath/2007/PartnerControls">09be7f39-4113-4616-9cb0-773043a7aa11</TermId>
+        </TermInfo>
+      </Terms>
+    </e2fa6dee792b43efac6bb28cb4245109>
+    <l0cedefb36e74dc2b968aa0e806ff5e3 xmlns="594212a7-a8eb-497d-bd6b-0e3a174923ee">
+      <Terms xmlns="http://schemas.microsoft.com/office/infopath/2007/PartnerControls"/>
+    </l0cedefb36e74dc2b968aa0e806ff5e3>
+    <TaxKeywordTaxHTField xmlns="594212a7-a8eb-497d-bd6b-0e3a174923ee">
+      <Terms xmlns="http://schemas.microsoft.com/office/infopath/2007/PartnerControls"/>
+    </TaxKeywordTaxHTField>
+    <a825e358ec1643889847765ed6ff8a73 xmlns="594212a7-a8eb-497d-bd6b-0e3a174923ee">
+      <Terms xmlns="http://schemas.microsoft.com/office/infopath/2007/PartnerControls"/>
+    </a825e358ec1643889847765ed6ff8a73>
+    <Audience xmlns="http://schemas.microsoft.com/sharepoint/v3">b1fcddf0-eb02-40cf-999e-f891355df569;;;;</Audience>
+    <SAF_DateDeMiseAJour xmlns="594212a7-a8eb-497d-bd6b-0e3a174923ee">2016-05-18T22:00:00+00:00</SAF_DateDeMiseAJour>
+    <SAF_Descriptif xmlns="594212a7-a8eb-497d-bd6b-0e3a174923ee">Modèle de présentation Powerpoint</SAF_Descriptif>
+    <caf53a6a65da4c24b32d62b4b62720b3 xmlns="594212a7-a8eb-497d-bd6b-0e3a174923ee">
+      <Terms xmlns="http://schemas.microsoft.com/office/infopath/2007/PartnerControls"/>
+    </caf53a6a65da4c24b32d62b4b62720b3>
+    <SAF_Auteur xmlns="594212a7-a8eb-497d-bd6b-0e3a174923ee" xsi:nil="true"/>
+    <SharePoint_Item_Language xmlns="594212a7-a8eb-497d-bd6b-0e3a174923ee">ALL</SharePoint_Item_Language>
+  </documentManagement>
+</p:properties>
 </file>
 
 <file path=customXml/item4.xml><?xml version="1.0" encoding="utf-8"?>
@@ -30130,18 +30452,9 @@
 </file>
 
 <file path=customXml/itemProps1.xml><?xml version="1.0" encoding="utf-8"?>
-<ds:datastoreItem xmlns:ds="http://schemas.openxmlformats.org/officeDocument/2006/customXml" ds:itemID="{ACBB7B86-1A6B-4396-82CD-495CB7635E87}">
+<ds:datastoreItem xmlns:ds="http://schemas.openxmlformats.org/officeDocument/2006/customXml" ds:itemID="{83A5CAF7-8EEF-4F62-8E18-26CC56AAAB6D}">
   <ds:schemaRefs>
-    <ds:schemaRef ds:uri="http://purl.org/dc/elements/1.1/"/>
-    <ds:schemaRef ds:uri="http://schemas.microsoft.com/office/2006/metadata/properties"/>
-    <ds:schemaRef ds:uri="http://www.w3.org/XML/1998/namespace"/>
-    <ds:schemaRef ds:uri="594212a7-a8eb-497d-bd6b-0e3a174923ee"/>
-    <ds:schemaRef ds:uri="http://schemas.microsoft.com/office/infopath/2007/PartnerControls"/>
-    <ds:schemaRef ds:uri="http://purl.org/dc/terms/"/>
-    <ds:schemaRef ds:uri="http://schemas.openxmlformats.org/package/2006/metadata/core-properties"/>
-    <ds:schemaRef ds:uri="http://schemas.microsoft.com/office/2006/documentManagement/types"/>
-    <ds:schemaRef ds:uri="http://schemas.microsoft.com/sharepoint/v3"/>
-    <ds:schemaRef ds:uri="http://purl.org/dc/dcmitype/"/>
+    <ds:schemaRef ds:uri="Microsoft.SharePoint.Taxonomy.ContentTypeSync"/>
   </ds:schemaRefs>
 </ds:datastoreItem>
 </file>
@@ -30166,9 +30479,18 @@
 </file>
 
 <file path=customXml/itemProps3.xml><?xml version="1.0" encoding="utf-8"?>
-<ds:datastoreItem xmlns:ds="http://schemas.openxmlformats.org/officeDocument/2006/customXml" ds:itemID="{83A5CAF7-8EEF-4F62-8E18-26CC56AAAB6D}">
+<ds:datastoreItem xmlns:ds="http://schemas.openxmlformats.org/officeDocument/2006/customXml" ds:itemID="{ACBB7B86-1A6B-4396-82CD-495CB7635E87}">
   <ds:schemaRefs>
-    <ds:schemaRef ds:uri="Microsoft.SharePoint.Taxonomy.ContentTypeSync"/>
+    <ds:schemaRef ds:uri="http://purl.org/dc/elements/1.1/"/>
+    <ds:schemaRef ds:uri="http://schemas.microsoft.com/office/2006/metadata/properties"/>
+    <ds:schemaRef ds:uri="http://www.w3.org/XML/1998/namespace"/>
+    <ds:schemaRef ds:uri="594212a7-a8eb-497d-bd6b-0e3a174923ee"/>
+    <ds:schemaRef ds:uri="http://schemas.microsoft.com/office/infopath/2007/PartnerControls"/>
+    <ds:schemaRef ds:uri="http://purl.org/dc/terms/"/>
+    <ds:schemaRef ds:uri="http://schemas.openxmlformats.org/package/2006/metadata/core-properties"/>
+    <ds:schemaRef ds:uri="http://schemas.microsoft.com/office/2006/documentManagement/types"/>
+    <ds:schemaRef ds:uri="http://schemas.microsoft.com/sharepoint/v3"/>
+    <ds:schemaRef ds:uri="http://purl.org/dc/dcmitype/"/>
   </ds:schemaRefs>
 </ds:datastoreItem>
 </file>

--- a/sudoku.pptx
+++ b/sudoku.pptx
@@ -23655,15 +23655,7 @@
             </a:r>
             <a:r>
               <a:rPr lang="fr-FR" dirty="0" smtClean="0"/>
-              <a:t>udoku </a:t>
-            </a:r>
-            <a:r>
-              <a:rPr lang="fr-FR" dirty="0" smtClean="0"/>
-              <a:t>(1/4</a:t>
-            </a:r>
-            <a:r>
-              <a:rPr lang="fr-FR" dirty="0" smtClean="0"/>
-              <a:t>) via la SMTLIB</a:t>
+              <a:t>udoku (1/4) via la SMTLIB</a:t>
             </a:r>
             <a:endParaRPr lang="fr-FR" dirty="0"/>
           </a:p>
@@ -25901,11 +25893,7 @@
           <a:p>
             <a:r>
               <a:rPr lang="fr-FR" dirty="0" smtClean="0"/>
-              <a:t>Sudoku (2/4) </a:t>
-            </a:r>
-            <a:r>
-              <a:rPr lang="fr-FR" dirty="0" smtClean="0"/>
-              <a:t>histoire de la SMTLIB</a:t>
+              <a:t>Sudoku (2/4) histoire de la SMTLIB</a:t>
             </a:r>
             <a:endParaRPr lang="fr-FR" dirty="0"/>
           </a:p>
@@ -26028,7 +26016,12 @@
             <p:ph idx="1"/>
           </p:nvPr>
         </p:nvSpPr>
-        <p:spPr/>
+        <p:spPr>
+          <a:xfrm>
+            <a:off x="503238" y="807554"/>
+            <a:ext cx="8389937" cy="3960440"/>
+          </a:xfrm>
+        </p:spPr>
         <p:txBody>
           <a:bodyPr/>
           <a:lstStyle/>
@@ -26059,8 +26052,85 @@
             </a:r>
             <a:r>
               <a:rPr lang="fr-FR" dirty="0" smtClean="0"/>
-              <a:t>. pour l’arithmétique entière SANS MULTIPLICATION</a:t>
-            </a:r>
+              <a:t>. pour l’arithmétique entière SANS </a:t>
+            </a:r>
+            <a:r>
+              <a:rPr lang="fr-FR" dirty="0" smtClean="0"/>
+              <a:t>MULTIPLICATION</a:t>
+            </a:r>
+          </a:p>
+          <a:p>
+            <a:pPr lvl="1"/>
+            <a:r>
+              <a:rPr lang="fr-FR" dirty="0"/>
+              <a:t>  ☺   </a:t>
+            </a:r>
+            <a:r>
+              <a:rPr lang="fr-FR" dirty="0" smtClean="0">
+                <a:sym typeface="Symbol" panose="05050102010706020507" pitchFamily="18" charset="2"/>
+              </a:rPr>
+              <a:t> </a:t>
+            </a:r>
+            <a:r>
+              <a:rPr lang="fr-FR" dirty="0" err="1" smtClean="0">
+                <a:sym typeface="Symbol" panose="05050102010706020507" pitchFamily="18" charset="2"/>
+              </a:rPr>
+              <a:t>x,y,z</a:t>
+            </a:r>
+            <a:r>
+              <a:rPr lang="fr-FR" dirty="0" smtClean="0">
+                <a:sym typeface="Symbol" panose="05050102010706020507" pitchFamily="18" charset="2"/>
+              </a:rPr>
+              <a:t> . </a:t>
+            </a:r>
+            <a:r>
+              <a:rPr lang="fr-FR" dirty="0">
+                <a:sym typeface="Symbol" panose="05050102010706020507" pitchFamily="18" charset="2"/>
+              </a:rPr>
+              <a:t>x</a:t>
+            </a:r>
+            <a:r>
+              <a:rPr lang="fr-FR" dirty="0" smtClean="0">
+                <a:sym typeface="Symbol" panose="05050102010706020507" pitchFamily="18" charset="2"/>
+              </a:rPr>
+              <a:t>+2*y &gt;= 5*z</a:t>
+            </a:r>
+          </a:p>
+          <a:p>
+            <a:pPr lvl="1"/>
+            <a:r>
+              <a:rPr lang="fr-FR" dirty="0"/>
+              <a:t>  </a:t>
+            </a:r>
+            <a:r>
+              <a:rPr lang="fr-FR" dirty="0" smtClean="0"/>
+              <a:t>☹   </a:t>
+            </a:r>
+            <a:r>
+              <a:rPr lang="fr-FR" dirty="0">
+                <a:sym typeface="Symbol" panose="05050102010706020507" pitchFamily="18" charset="2"/>
+              </a:rPr>
+              <a:t> </a:t>
+            </a:r>
+            <a:r>
+              <a:rPr lang="fr-FR" dirty="0" err="1">
+                <a:sym typeface="Symbol" panose="05050102010706020507" pitchFamily="18" charset="2"/>
+              </a:rPr>
+              <a:t>x,y,z</a:t>
+            </a:r>
+            <a:r>
+              <a:rPr lang="fr-FR" dirty="0">
+                <a:sym typeface="Symbol" panose="05050102010706020507" pitchFamily="18" charset="2"/>
+              </a:rPr>
+              <a:t> . </a:t>
+            </a:r>
+            <a:r>
+              <a:rPr lang="fr-FR" dirty="0" smtClean="0">
+                <a:sym typeface="Symbol" panose="05050102010706020507" pitchFamily="18" charset="2"/>
+              </a:rPr>
+              <a:t>x &gt; 0   &amp;   y &gt; 0   &amp;   x*x*x + y*y*y = z*z*z</a:t>
+            </a:r>
+            <a:endParaRPr lang="fr-FR" dirty="0" smtClean="0"/>
           </a:p>
           <a:p>
             <a:r>
@@ -26081,13 +26151,60 @@
             </a:r>
             <a:r>
               <a:rPr lang="fr-FR" dirty="0" smtClean="0"/>
-              <a:t>our l’arithmétique réelle</a:t>
-            </a:r>
-          </a:p>
-          <a:p>
+              <a:t>our l’arithmétique </a:t>
+            </a:r>
             <a:r>
               <a:rPr lang="fr-FR" dirty="0" smtClean="0"/>
-              <a:t>1947 : George Dantzig : le SIMPLEXE</a:t>
+              <a:t>réelle</a:t>
+            </a:r>
+          </a:p>
+          <a:p>
+            <a:pPr lvl="1"/>
+            <a:r>
+              <a:rPr lang="fr-FR" dirty="0" smtClean="0"/>
+              <a:t>  ☹   Ces 2 </a:t>
+            </a:r>
+            <a:r>
+              <a:rPr lang="fr-FR" dirty="0" err="1" smtClean="0"/>
+              <a:t>algos</a:t>
+            </a:r>
+            <a:r>
+              <a:rPr lang="fr-FR" dirty="0" smtClean="0"/>
+              <a:t> : complexité en DOUBLE EXPONENTIELLE</a:t>
+            </a:r>
+            <a:endParaRPr lang="fr-FR" dirty="0" smtClean="0"/>
+          </a:p>
+          <a:p>
+            <a:r>
+              <a:rPr lang="fr-FR" dirty="0" smtClean="0"/>
+              <a:t>1947 : George Dantzig : le </a:t>
+            </a:r>
+            <a:r>
+              <a:rPr lang="fr-FR" dirty="0" smtClean="0"/>
+              <a:t>SIMPLEXE</a:t>
+            </a:r>
+          </a:p>
+          <a:p>
+            <a:pPr lvl="1"/>
+            <a:r>
+              <a:rPr lang="fr-FR" dirty="0" smtClean="0"/>
+              <a:t>Pire cas exponentiel (1979 : méthode de l’ellipsoïde de </a:t>
+            </a:r>
+            <a:r>
+              <a:rPr lang="fr-FR" dirty="0"/>
+              <a:t>Leonid </a:t>
+            </a:r>
+            <a:r>
+              <a:rPr lang="fr-FR" dirty="0" err="1" smtClean="0"/>
+              <a:t>Khachiyan</a:t>
+            </a:r>
+            <a:r>
+              <a:rPr lang="fr-FR" dirty="0"/>
+              <a:t> </a:t>
+            </a:r>
+            <a:r>
+              <a:rPr lang="fr-FR" dirty="0" smtClean="0"/>
+              <a:t>polynomiale)</a:t>
             </a:r>
             <a:endParaRPr lang="fr-FR" dirty="0" smtClean="0"/>
           </a:p>
@@ -26142,8 +26259,13 @@
             </a:r>
             <a:r>
               <a:rPr lang="fr-FR" dirty="0" smtClean="0"/>
-              <a:t> : idem</a:t>
-            </a:r>
+              <a:t> : </a:t>
+            </a:r>
+            <a:r>
+              <a:rPr lang="fr-FR" dirty="0" smtClean="0"/>
+              <a:t>idem (en plus simple)</a:t>
+            </a:r>
+            <a:endParaRPr lang="fr-FR" dirty="0" smtClean="0"/>
           </a:p>
           <a:p>
             <a:r>
@@ -26162,7 +26284,15 @@
             </a:r>
             <a:r>
               <a:rPr lang="fr-FR" dirty="0" smtClean="0"/>
-              <a:t> SAT-COMP (annuellement à partir de 2002)</a:t>
+              <a:t> SAT-COMP </a:t>
+            </a:r>
+            <a:r>
+              <a:rPr lang="fr-FR" smtClean="0"/>
+              <a:t>(régulièrement </a:t>
+            </a:r>
+            <a:r>
+              <a:rPr lang="fr-FR" dirty="0" smtClean="0"/>
+              <a:t>à partir de 2002)</a:t>
             </a:r>
           </a:p>
           <a:p>
@@ -26184,24 +26314,12 @@
               <a:t>2003 : </a:t>
             </a:r>
             <a:r>
-              <a:rPr lang="fr-FR" b="0" dirty="0"/>
-              <a:t>Silvio </a:t>
-            </a:r>
-            <a:r>
-              <a:rPr lang="fr-FR" b="0" dirty="0" err="1"/>
-              <a:t>Ranise</a:t>
-            </a:r>
-            <a:r>
-              <a:rPr lang="fr-FR" b="0" dirty="0"/>
-              <a:t> and Cesare </a:t>
-            </a:r>
-            <a:r>
-              <a:rPr lang="fr-FR" b="0" dirty="0" err="1" smtClean="0"/>
-              <a:t>Tinelli</a:t>
-            </a:r>
-            <a:r>
               <a:rPr lang="fr-FR" b="0" dirty="0" smtClean="0"/>
-              <a:t> : V0 du format SMTLIB</a:t>
+              <a:t>V0 </a:t>
+            </a:r>
+            <a:r>
+              <a:rPr lang="fr-FR" b="0" dirty="0" smtClean="0"/>
+              <a:t>du format SMTLIB</a:t>
             </a:r>
           </a:p>
           <a:p>
@@ -30064,12 +30182,27 @@
 </a:theme>
 </file>
 
-<file path=customXml/item1.xml><?xml version="1.0" encoding="utf-8"?>
-<?mso-contentType ?>
-<SharedContentType xmlns="Microsoft.SharePoint.Taxonomy.ContentTypeSync" SourceId="45132351-61c7-4947-8fdd-28b295696121" ContentTypeId="0x010100D21E0D47AF3242459E2F63E44FCC089100777D7FF5B336497A8022BDD96D52F206" PreviousValue="false"/>
+<file path=ppt/webextensions/taskpanes.xml><?xml version="1.0" encoding="utf-8"?>
+<wetp:taskpanes xmlns:wetp="http://schemas.microsoft.com/office/webextensions/taskpanes/2010/11">
+  <wetp:taskpane dockstate="right" visibility="0" width="350" row="2">
+    <wetp:webextensionref xmlns:r="http://schemas.openxmlformats.org/officeDocument/2006/relationships" r:id="rId1"/>
+  </wetp:taskpane>
+</wetp:taskpanes>
 </file>
 
-<file path=customXml/item2.xml><?xml version="1.0" encoding="utf-8"?>
+<file path=ppt/webextensions/webextension1.xml><?xml version="1.0" encoding="utf-8"?>
+<we:webextension xmlns:we="http://schemas.microsoft.com/office/webextensions/webextension/2010/11" id="{545067D6-368B-4516-B21D-983CC95ABB8B}">
+  <we:reference id="wa104380121" version="2.0.0.0" store="fr-FR" storeType="OMEX"/>
+  <we:alternateReferences>
+    <we:reference id="WA104380121" version="2.0.0.0" store="WA104380121" storeType="OMEX"/>
+  </we:alternateReferences>
+  <we:properties/>
+  <we:bindings/>
+  <we:snapshot xmlns:r="http://schemas.openxmlformats.org/officeDocument/2006/relationships"/>
+</we:webextension>
+</file>
+
+<file path=customXml/item1.xml><?xml version="1.0" encoding="utf-8"?>
 <ct:contentTypeSchema xmlns:ct="http://schemas.microsoft.com/office/2006/metadata/contentType" xmlns:ma="http://schemas.microsoft.com/office/2006/metadata/properties/metaAttributes" ct:_="" ma:_="" ma:contentTypeName="Insite document" ma:contentTypeID="0x010100D21E0D47AF3242459E2F63E44FCC089100777D7FF5B336497A8022BDD96D52F2060073A9C0FD6552724BA132B83B91CE397D" ma:contentTypeVersion="58" ma:contentTypeDescription="Create Insite document" ma:contentTypeScope="" ma:versionID="f65cc82e10089ab0f0be1d7b16f82811">
   <xsd:schema xmlns:xsd="http://www.w3.org/2001/XMLSchema" xmlns:xs="http://www.w3.org/2001/XMLSchema" xmlns:p="http://schemas.microsoft.com/office/2006/metadata/properties" xmlns:ns1="http://schemas.microsoft.com/sharepoint/v3" xmlns:ns2="594212a7-a8eb-497d-bd6b-0e3a174923ee" targetNamespace="http://schemas.microsoft.com/office/2006/metadata/properties" ma:root="true" ma:fieldsID="a3d08b64a20d4b59c3188e4df41a755c" ns1:_="" ns2:_="">
     <xsd:import namespace="http://schemas.microsoft.com/sharepoint/v3"/>
@@ -30370,7 +30503,21 @@
 </ct:contentTypeSchema>
 </file>
 
+<file path=customXml/item2.xml><?xml version="1.0" encoding="utf-8"?>
+<?mso-contentType ?>
+<SharedContentType xmlns="Microsoft.SharePoint.Taxonomy.ContentTypeSync" SourceId="45132351-61c7-4947-8fdd-28b295696121" ContentTypeId="0x010100D21E0D47AF3242459E2F63E44FCC089100777D7FF5B336497A8022BDD96D52F206" PreviousValue="false"/>
+</file>
+
 <file path=customXml/item3.xml><?xml version="1.0" encoding="utf-8"?>
+<?mso-contentType ?>
+<FormTemplates xmlns="http://schemas.microsoft.com/sharepoint/v3/contenttype/forms">
+  <Display>DocumentLibraryForm</Display>
+  <Edit>DocumentLibraryForm</Edit>
+  <New>DocumentLibraryForm</New>
+</FormTemplates>
+</file>
+
+<file path=customXml/item4.xml><?xml version="1.0" encoding="utf-8"?>
 <p:properties xmlns:p="http://schemas.microsoft.com/office/2006/metadata/properties" xmlns:xsi="http://www.w3.org/2001/XMLSchema-instance" xmlns:pc="http://schemas.microsoft.com/office/infopath/2007/PartnerControls">
   <documentManagement>
     <PublishingRollupImage xmlns="http://schemas.microsoft.com/sharepoint/v3">&lt;img alt="" src="/com/Sagem/PracticalInfo/DocumentModels/PublishingImages/ppt_fr.jpg" style="BORDER&amp;#58;0px solid;" /&gt;</PublishingRollupImage>
@@ -30442,24 +30589,7 @@
 </p:properties>
 </file>
 
-<file path=customXml/item4.xml><?xml version="1.0" encoding="utf-8"?>
-<?mso-contentType ?>
-<FormTemplates xmlns="http://schemas.microsoft.com/sharepoint/v3/contenttype/forms">
-  <Display>DocumentLibraryForm</Display>
-  <Edit>DocumentLibraryForm</Edit>
-  <New>DocumentLibraryForm</New>
-</FormTemplates>
-</file>
-
 <file path=customXml/itemProps1.xml><?xml version="1.0" encoding="utf-8"?>
-<ds:datastoreItem xmlns:ds="http://schemas.openxmlformats.org/officeDocument/2006/customXml" ds:itemID="{83A5CAF7-8EEF-4F62-8E18-26CC56AAAB6D}">
-  <ds:schemaRefs>
-    <ds:schemaRef ds:uri="Microsoft.SharePoint.Taxonomy.ContentTypeSync"/>
-  </ds:schemaRefs>
-</ds:datastoreItem>
-</file>
-
-<file path=customXml/itemProps2.xml><?xml version="1.0" encoding="utf-8"?>
 <ds:datastoreItem xmlns:ds="http://schemas.openxmlformats.org/officeDocument/2006/customXml" ds:itemID="{F7E004A7-897D-4E72-A616-FDDDB65662A9}">
   <ds:schemaRefs>
     <ds:schemaRef ds:uri="http://schemas.microsoft.com/office/2006/metadata/contentType"/>
@@ -30478,7 +30608,23 @@
 </ds:datastoreItem>
 </file>
 
+<file path=customXml/itemProps2.xml><?xml version="1.0" encoding="utf-8"?>
+<ds:datastoreItem xmlns:ds="http://schemas.openxmlformats.org/officeDocument/2006/customXml" ds:itemID="{83A5CAF7-8EEF-4F62-8E18-26CC56AAAB6D}">
+  <ds:schemaRefs>
+    <ds:schemaRef ds:uri="Microsoft.SharePoint.Taxonomy.ContentTypeSync"/>
+  </ds:schemaRefs>
+</ds:datastoreItem>
+</file>
+
 <file path=customXml/itemProps3.xml><?xml version="1.0" encoding="utf-8"?>
+<ds:datastoreItem xmlns:ds="http://schemas.openxmlformats.org/officeDocument/2006/customXml" ds:itemID="{CDFC1E5D-7D92-42DE-BD9A-3052BDFC676F}">
+  <ds:schemaRefs>
+    <ds:schemaRef ds:uri="http://schemas.microsoft.com/sharepoint/v3/contenttype/forms"/>
+  </ds:schemaRefs>
+</ds:datastoreItem>
+</file>
+
+<file path=customXml/itemProps4.xml><?xml version="1.0" encoding="utf-8"?>
 <ds:datastoreItem xmlns:ds="http://schemas.openxmlformats.org/officeDocument/2006/customXml" ds:itemID="{ACBB7B86-1A6B-4396-82CD-495CB7635E87}">
   <ds:schemaRefs>
     <ds:schemaRef ds:uri="http://purl.org/dc/elements/1.1/"/>
@@ -30493,12 +30639,4 @@
     <ds:schemaRef ds:uri="http://purl.org/dc/dcmitype/"/>
   </ds:schemaRefs>
 </ds:datastoreItem>
-</file>
-
-<file path=customXml/itemProps4.xml><?xml version="1.0" encoding="utf-8"?>
-<ds:datastoreItem xmlns:ds="http://schemas.openxmlformats.org/officeDocument/2006/customXml" ds:itemID="{CDFC1E5D-7D92-42DE-BD9A-3052BDFC676F}">
-  <ds:schemaRefs>
-    <ds:schemaRef ds:uri="http://schemas.microsoft.com/sharepoint/v3/contenttype/forms"/>
-  </ds:schemaRefs>
-</ds:datastoreItem>
 </file>
--- a/sudoku.pptx
+++ b/sudoku.pptx
@@ -413,7 +413,7 @@
           <a:p>
             <a:fld id="{0971EF12-5369-4F7D-8386-2BAB2912270B}" type="datetimeFigureOut">
               <a:rPr lang="fr-FR" smtClean="0"/>
-              <a:t>09/04/2020</a:t>
+              <a:t>13/04/2020</a:t>
             </a:fld>
             <a:endParaRPr lang="fr-FR"/>
           </a:p>
@@ -583,7 +583,7 @@
             <a:fld id="{D680E798-53FF-4C51-A981-953463752515}" type="datetimeFigureOut">
               <a:rPr lang="fr-FR" smtClean="0"/>
               <a:pPr/>
-              <a:t>09/04/2020</a:t>
+              <a:t>13/04/2020</a:t>
             </a:fld>
             <a:endParaRPr lang="fr-FR" dirty="0"/>
           </a:p>
@@ -22442,7 +22442,173 @@
           <a:bodyPr/>
           <a:lstStyle/>
           <a:p>
-            <a:endParaRPr lang="fr-FR"/>
+            <a:endParaRPr lang="fr-FR" dirty="0"/>
+          </a:p>
+        </p:txBody>
+      </p:sp>
+      <p:sp>
+        <p:nvSpPr>
+          <p:cNvPr id="3" name="Organigramme : Délai 2"/>
+          <p:cNvSpPr/>
+          <p:nvPr/>
+        </p:nvSpPr>
+        <p:spPr>
+          <a:xfrm>
+            <a:off x="3311860" y="1923678"/>
+            <a:ext cx="972108" cy="756084"/>
+          </a:xfrm>
+          <a:prstGeom prst="flowChartDelay">
+            <a:avLst/>
+          </a:prstGeom>
+        </p:spPr>
+        <p:style>
+          <a:lnRef idx="2">
+            <a:schemeClr val="accent1">
+              <a:shade val="50000"/>
+            </a:schemeClr>
+          </a:lnRef>
+          <a:fillRef idx="1">
+            <a:schemeClr val="accent1"/>
+          </a:fillRef>
+          <a:effectRef idx="0">
+            <a:schemeClr val="accent1"/>
+          </a:effectRef>
+          <a:fontRef idx="minor">
+            <a:schemeClr val="lt1"/>
+          </a:fontRef>
+        </p:style>
+        <p:txBody>
+          <a:bodyPr rtlCol="0" anchor="ctr"/>
+          <a:lstStyle/>
+          <a:p>
+            <a:pPr algn="ctr"/>
+            <a:r>
+              <a:rPr lang="fr-FR" dirty="0" smtClean="0"/>
+              <a:t>ET</a:t>
+            </a:r>
+            <a:endParaRPr lang="fr-FR" dirty="0"/>
+          </a:p>
+        </p:txBody>
+      </p:sp>
+      <p:sp>
+        <p:nvSpPr>
+          <p:cNvPr id="4" name="Organigramme : Données stockées 3"/>
+          <p:cNvSpPr/>
+          <p:nvPr/>
+        </p:nvSpPr>
+        <p:spPr>
+          <a:xfrm flipH="1">
+            <a:off x="4698206" y="1923677"/>
+            <a:ext cx="993093" cy="756085"/>
+          </a:xfrm>
+          <a:prstGeom prst="flowChartOnlineStorage">
+            <a:avLst/>
+          </a:prstGeom>
+        </p:spPr>
+        <p:style>
+          <a:lnRef idx="2">
+            <a:schemeClr val="accent1">
+              <a:shade val="50000"/>
+            </a:schemeClr>
+          </a:lnRef>
+          <a:fillRef idx="1">
+            <a:schemeClr val="accent1"/>
+          </a:fillRef>
+          <a:effectRef idx="0">
+            <a:schemeClr val="accent1"/>
+          </a:effectRef>
+          <a:fontRef idx="minor">
+            <a:schemeClr val="lt1"/>
+          </a:fontRef>
+        </p:style>
+        <p:txBody>
+          <a:bodyPr rtlCol="0" anchor="ctr"/>
+          <a:lstStyle/>
+          <a:p>
+            <a:pPr algn="ctr"/>
+            <a:r>
+              <a:rPr lang="fr-FR" dirty="0" smtClean="0"/>
+              <a:t>OU</a:t>
+            </a:r>
+            <a:endParaRPr lang="fr-FR" dirty="0"/>
+          </a:p>
+        </p:txBody>
+      </p:sp>
+      <p:sp>
+        <p:nvSpPr>
+          <p:cNvPr id="5" name="Organigramme : Extraire 4"/>
+          <p:cNvSpPr/>
+          <p:nvPr/>
+        </p:nvSpPr>
+        <p:spPr>
+          <a:xfrm rot="5400000">
+            <a:off x="1553448" y="1950475"/>
+            <a:ext cx="756084" cy="685800"/>
+          </a:xfrm>
+          <a:prstGeom prst="flowChartExtract">
+            <a:avLst/>
+          </a:prstGeom>
+        </p:spPr>
+        <p:style>
+          <a:lnRef idx="2">
+            <a:schemeClr val="accent1">
+              <a:shade val="50000"/>
+            </a:schemeClr>
+          </a:lnRef>
+          <a:fillRef idx="1">
+            <a:schemeClr val="accent1"/>
+          </a:fillRef>
+          <a:effectRef idx="0">
+            <a:schemeClr val="accent1"/>
+          </a:effectRef>
+          <a:fontRef idx="minor">
+            <a:schemeClr val="lt1"/>
+          </a:fontRef>
+        </p:style>
+        <p:txBody>
+          <a:bodyPr rtlCol="0" anchor="ctr"/>
+          <a:lstStyle/>
+          <a:p>
+            <a:pPr algn="ctr"/>
+            <a:endParaRPr lang="fr-FR" dirty="0"/>
+          </a:p>
+        </p:txBody>
+      </p:sp>
+      <p:sp>
+        <p:nvSpPr>
+          <p:cNvPr id="6" name="ZoneTexte 5"/>
+          <p:cNvSpPr txBox="1"/>
+          <p:nvPr/>
+        </p:nvSpPr>
+        <p:spPr>
+          <a:xfrm>
+            <a:off x="1507699" y="2107126"/>
+            <a:ext cx="697627" cy="369332"/>
+          </a:xfrm>
+          <a:prstGeom prst="rect">
+            <a:avLst/>
+          </a:prstGeom>
+          <a:noFill/>
+        </p:spPr>
+        <p:txBody>
+          <a:bodyPr wrap="none" rtlCol="0">
+            <a:spAutoFit/>
+          </a:bodyPr>
+          <a:lstStyle/>
+          <a:p>
+            <a:r>
+              <a:rPr lang="fr-FR" dirty="0" smtClean="0">
+                <a:solidFill>
+                  <a:schemeClr val="bg1"/>
+                </a:solidFill>
+              </a:rPr>
+              <a:t>NON</a:t>
+            </a:r>
+            <a:endParaRPr lang="fr-FR" dirty="0">
+              <a:solidFill>
+                <a:schemeClr val="bg1"/>
+              </a:solidFill>
+            </a:endParaRPr>
           </a:p>
         </p:txBody>
       </p:sp>
@@ -22505,7 +22671,7 @@
           <a:p>
             <a:r>
               <a:rPr lang="fr-FR" dirty="0" smtClean="0"/>
-              <a:t>De quand date la première étude de fiabilité (1/2) ?</a:t>
+              <a:t>Primalité</a:t>
             </a:r>
             <a:endParaRPr lang="fr-FR" dirty="0"/>
           </a:p>
@@ -22633,7 +22799,35 @@
           <a:bodyPr/>
           <a:lstStyle/>
           <a:p>
-            <a:endParaRPr lang="fr-FR"/>
+            <a:r>
+              <a:rPr lang="fr-FR" dirty="0" smtClean="0"/>
+              <a:t>N = 2675412678089876011600986856574711545708785643760875146594327 est-il premier ?</a:t>
+            </a:r>
+          </a:p>
+          <a:p>
+            <a:endParaRPr lang="fr-FR" dirty="0" smtClean="0"/>
+          </a:p>
+          <a:p>
+            <a:endParaRPr lang="fr-FR" dirty="0" smtClean="0"/>
+          </a:p>
+          <a:p>
+            <a:r>
+              <a:rPr lang="fr-FR" dirty="0" smtClean="0"/>
+              <a:t>2002 : Agrawal, </a:t>
+            </a:r>
+            <a:r>
+              <a:rPr lang="fr-FR" dirty="0" err="1" smtClean="0"/>
+              <a:t>Kayal</a:t>
+            </a:r>
+            <a:r>
+              <a:rPr lang="fr-FR" dirty="0" smtClean="0"/>
+              <a:t>, </a:t>
+            </a:r>
+            <a:r>
+              <a:rPr lang="fr-FR" dirty="0" err="1" smtClean="0"/>
+              <a:t>Saxena</a:t>
+            </a:r>
+            <a:endParaRPr lang="fr-FR" dirty="0"/>
           </a:p>
         </p:txBody>
       </p:sp>
@@ -26018,8 +26212,8 @@
         </p:nvSpPr>
         <p:spPr>
           <a:xfrm>
-            <a:off x="503238" y="807554"/>
-            <a:ext cx="8389937" cy="3960440"/>
+            <a:off x="503238" y="771550"/>
+            <a:ext cx="8389937" cy="4032448"/>
           </a:xfrm>
         </p:spPr>
         <p:txBody>
@@ -26052,11 +26246,7 @@
             </a:r>
             <a:r>
               <a:rPr lang="fr-FR" dirty="0" smtClean="0"/>
-              <a:t>. pour l’arithmétique entière SANS </a:t>
-            </a:r>
-            <a:r>
-              <a:rPr lang="fr-FR" dirty="0" smtClean="0"/>
-              <a:t>MULTIPLICATION</a:t>
+              <a:t>. pour l’arithmétique entière SANS MULTIPLICATION</a:t>
             </a:r>
           </a:p>
           <a:p>
@@ -26151,11 +26341,7 @@
             </a:r>
             <a:r>
               <a:rPr lang="fr-FR" dirty="0" smtClean="0"/>
-              <a:t>our l’arithmétique </a:t>
-            </a:r>
-            <a:r>
-              <a:rPr lang="fr-FR" dirty="0" smtClean="0"/>
-              <a:t>réelle</a:t>
+              <a:t>our l’arithmétique réelle</a:t>
             </a:r>
           </a:p>
           <a:p>
@@ -26170,43 +26356,76 @@
             </a:r>
             <a:r>
               <a:rPr lang="fr-FR" dirty="0" smtClean="0"/>
-              <a:t> : complexité en DOUBLE EXPONENTIELLE</a:t>
-            </a:r>
-            <a:endParaRPr lang="fr-FR" dirty="0" smtClean="0"/>
+              <a:t> : complexité en DOUBLE EXPONENTIELLE (Fischer &amp; Rabin 74)</a:t>
+            </a:r>
           </a:p>
           <a:p>
             <a:r>
               <a:rPr lang="fr-FR" dirty="0" smtClean="0"/>
-              <a:t>1947 : George Dantzig : le </a:t>
+              <a:t>1947 : George Dantzig : </a:t>
+            </a:r>
+            <a:r>
+              <a:rPr lang="fr-FR" dirty="0" err="1" smtClean="0"/>
+              <a:t>algo</a:t>
             </a:r>
             <a:r>
               <a:rPr lang="fr-FR" dirty="0" smtClean="0"/>
-              <a:t>SIMPLEXE</a:t>
+              <a:t>. pour la programmation linéaire : le SIMPLEXE</a:t>
             </a:r>
           </a:p>
           <a:p>
             <a:pPr lvl="1"/>
             <a:r>
               <a:rPr lang="fr-FR" dirty="0" smtClean="0"/>
-              <a:t>Pire cas exponentiel (1979 : méthode de l’ellipsoïde de </a:t>
+              <a:t>1972 : Klee &amp; </a:t>
+            </a:r>
+            <a:r>
+              <a:rPr lang="fr-FR" dirty="0" err="1" smtClean="0"/>
+              <a:t>Minty</a:t>
+            </a:r>
+            <a:r>
+              <a:rPr lang="fr-FR" dirty="0" smtClean="0"/>
+              <a:t> </a:t>
             </a:r>
             <a:r>
               <a:rPr lang="fr-FR" dirty="0"/>
-              <a:t>Leonid </a:t>
+              <a:t>: </a:t>
+            </a:r>
+            <a:r>
+              <a:rPr lang="fr-FR" dirty="0" smtClean="0"/>
+              <a:t>pire </a:t>
+            </a:r>
+            <a:r>
+              <a:rPr lang="fr-FR" dirty="0"/>
+              <a:t>cas </a:t>
+            </a:r>
+            <a:r>
+              <a:rPr lang="fr-FR" dirty="0" smtClean="0"/>
+              <a:t>exponentiel</a:t>
+            </a:r>
+          </a:p>
+          <a:p>
+            <a:pPr lvl="1"/>
+            <a:r>
+              <a:rPr lang="fr-FR" dirty="0" smtClean="0"/>
+              <a:t>1979 : Leonid </a:t>
             </a:r>
             <a:r>
               <a:rPr lang="fr-FR" dirty="0" err="1" smtClean="0"/>
               <a:t>Khachiyan</a:t>
             </a:r>
             <a:r>
-              <a:rPr lang="fr-FR" dirty="0"/>
-              <a:t> </a:t>
-            </a:r>
-            <a:r>
               <a:rPr lang="fr-FR" dirty="0" smtClean="0"/>
-              <a:t>polynomiale)</a:t>
-            </a:r>
-            <a:endParaRPr lang="fr-FR" dirty="0" smtClean="0"/>
+              <a:t> : </a:t>
+            </a:r>
+            <a:r>
+              <a:rPr lang="fr-FR" dirty="0" err="1" smtClean="0"/>
+              <a:t>algo</a:t>
+            </a:r>
+            <a:r>
+              <a:rPr lang="fr-FR" dirty="0" smtClean="0"/>
+              <a:t>. polynomial</a:t>
+            </a:r>
           </a:p>
           <a:p>
             <a:r>
@@ -26217,7 +26436,15 @@
           <a:p>
             <a:r>
               <a:rPr lang="fr-FR" dirty="0" smtClean="0"/>
-              <a:t>1971 : Stephen Cook : SAT est NP-complet</a:t>
+              <a:t>1972 : Richard </a:t>
+            </a:r>
+            <a:r>
+              <a:rPr lang="fr-FR" dirty="0" err="1" smtClean="0"/>
+              <a:t>Karp</a:t>
+            </a:r>
+            <a:r>
+              <a:rPr lang="fr-FR" dirty="0" smtClean="0"/>
+              <a:t> : la programmation entière est NP-complète</a:t>
             </a:r>
           </a:p>
           <a:p>
@@ -26249,6 +26476,7 @@
             </a:r>
           </a:p>
           <a:p>
+            <a:pPr lvl="1"/>
             <a:r>
               <a:rPr lang="fr-FR" dirty="0" smtClean="0"/>
               <a:t>1984 : Robert </a:t>
@@ -26259,13 +26487,8 @@
             </a:r>
             <a:r>
               <a:rPr lang="fr-FR" dirty="0" smtClean="0"/>
-              <a:t> : </a:t>
-            </a:r>
-            <a:r>
-              <a:rPr lang="fr-FR" dirty="0" smtClean="0"/>
-              <a:t>idem (en plus simple)</a:t>
-            </a:r>
-            <a:endParaRPr lang="fr-FR" dirty="0" smtClean="0"/>
+              <a:t> : idem (en plus simple)</a:t>
+            </a:r>
           </a:p>
           <a:p>
             <a:r>
@@ -26284,15 +26507,7 @@
             </a:r>
             <a:r>
               <a:rPr lang="fr-FR" dirty="0" smtClean="0"/>
-              <a:t> SAT-COMP </a:t>
-            </a:r>
-            <a:r>
-              <a:rPr lang="fr-FR" smtClean="0"/>
-              <a:t>(régulièrement </a:t>
-            </a:r>
-            <a:r>
-              <a:rPr lang="fr-FR" dirty="0" smtClean="0"/>
-              <a:t>à partir de 2002)</a:t>
+              <a:t> SAT-COMP (régulièrement à partir de 2002)</a:t>
             </a:r>
           </a:p>
           <a:p>
@@ -26311,18 +26526,11 @@
           <a:p>
             <a:r>
               <a:rPr lang="fr-FR" dirty="0" smtClean="0"/>
-              <a:t>2003 : </a:t>
-            </a:r>
-            <a:r>
-              <a:rPr lang="fr-FR" b="0" dirty="0" smtClean="0"/>
-              <a:t>V0 </a:t>
-            </a:r>
-            <a:r>
-              <a:rPr lang="fr-FR" b="0" dirty="0" smtClean="0"/>
-              <a:t>du format SMTLIB</a:t>
-            </a:r>
-          </a:p>
-          <a:p>
+              <a:t>2003 : V0 du format SMTLIB</a:t>
+            </a:r>
+          </a:p>
+          <a:p>
+            <a:pPr lvl="1"/>
             <a:r>
               <a:rPr lang="fr-FR" b="0" dirty="0" smtClean="0"/>
               <a:t>2005 : 1</a:t>
@@ -26338,10 +26546,9 @@
           </a:p>
           <a:p>
             <a:r>
-              <a:rPr lang="fr-FR" b="0" dirty="0" smtClean="0"/>
+              <a:rPr lang="fr-FR" dirty="0" smtClean="0"/>
               <a:t>2017 : V2.6, plus de 100000 benchmarks</a:t>
             </a:r>
-            <a:endParaRPr lang="fr-FR" dirty="0" smtClean="0"/>
           </a:p>
           <a:p>
             <a:endParaRPr lang="fr-FR" dirty="0" smtClean="0"/>
@@ -30203,6 +30410,11 @@
 </file>
 
 <file path=customXml/item1.xml><?xml version="1.0" encoding="utf-8"?>
+<?mso-contentType ?>
+<SharedContentType xmlns="Microsoft.SharePoint.Taxonomy.ContentTypeSync" SourceId="45132351-61c7-4947-8fdd-28b295696121" ContentTypeId="0x010100D21E0D47AF3242459E2F63E44FCC089100777D7FF5B336497A8022BDD96D52F206" PreviousValue="false"/>
+</file>
+
+<file path=customXml/item2.xml><?xml version="1.0" encoding="utf-8"?>
 <ct:contentTypeSchema xmlns:ct="http://schemas.microsoft.com/office/2006/metadata/contentType" xmlns:ma="http://schemas.microsoft.com/office/2006/metadata/properties/metaAttributes" ct:_="" ma:_="" ma:contentTypeName="Insite document" ma:contentTypeID="0x010100D21E0D47AF3242459E2F63E44FCC089100777D7FF5B336497A8022BDD96D52F2060073A9C0FD6552724BA132B83B91CE397D" ma:contentTypeVersion="58" ma:contentTypeDescription="Create Insite document" ma:contentTypeScope="" ma:versionID="f65cc82e10089ab0f0be1d7b16f82811">
   <xsd:schema xmlns:xsd="http://www.w3.org/2001/XMLSchema" xmlns:xs="http://www.w3.org/2001/XMLSchema" xmlns:p="http://schemas.microsoft.com/office/2006/metadata/properties" xmlns:ns1="http://schemas.microsoft.com/sharepoint/v3" xmlns:ns2="594212a7-a8eb-497d-bd6b-0e3a174923ee" targetNamespace="http://schemas.microsoft.com/office/2006/metadata/properties" ma:root="true" ma:fieldsID="a3d08b64a20d4b59c3188e4df41a755c" ns1:_="" ns2:_="">
     <xsd:import namespace="http://schemas.microsoft.com/sharepoint/v3"/>
@@ -30503,21 +30715,7 @@
 </ct:contentTypeSchema>
 </file>
 
-<file path=customXml/item2.xml><?xml version="1.0" encoding="utf-8"?>
-<?mso-contentType ?>
-<SharedContentType xmlns="Microsoft.SharePoint.Taxonomy.ContentTypeSync" SourceId="45132351-61c7-4947-8fdd-28b295696121" ContentTypeId="0x010100D21E0D47AF3242459E2F63E44FCC089100777D7FF5B336497A8022BDD96D52F206" PreviousValue="false"/>
-</file>
-
 <file path=customXml/item3.xml><?xml version="1.0" encoding="utf-8"?>
-<?mso-contentType ?>
-<FormTemplates xmlns="http://schemas.microsoft.com/sharepoint/v3/contenttype/forms">
-  <Display>DocumentLibraryForm</Display>
-  <Edit>DocumentLibraryForm</Edit>
-  <New>DocumentLibraryForm</New>
-</FormTemplates>
-</file>
-
-<file path=customXml/item4.xml><?xml version="1.0" encoding="utf-8"?>
 <p:properties xmlns:p="http://schemas.microsoft.com/office/2006/metadata/properties" xmlns:xsi="http://www.w3.org/2001/XMLSchema-instance" xmlns:pc="http://schemas.microsoft.com/office/infopath/2007/PartnerControls">
   <documentManagement>
     <PublishingRollupImage xmlns="http://schemas.microsoft.com/sharepoint/v3">&lt;img alt="" src="/com/Sagem/PracticalInfo/DocumentModels/PublishingImages/ppt_fr.jpg" style="BORDER&amp;#58;0px solid;" /&gt;</PublishingRollupImage>
@@ -30589,7 +30787,24 @@
 </p:properties>
 </file>
 
+<file path=customXml/item4.xml><?xml version="1.0" encoding="utf-8"?>
+<?mso-contentType ?>
+<FormTemplates xmlns="http://schemas.microsoft.com/sharepoint/v3/contenttype/forms">
+  <Display>DocumentLibraryForm</Display>
+  <Edit>DocumentLibraryForm</Edit>
+  <New>DocumentLibraryForm</New>
+</FormTemplates>
+</file>
+
 <file path=customXml/itemProps1.xml><?xml version="1.0" encoding="utf-8"?>
+<ds:datastoreItem xmlns:ds="http://schemas.openxmlformats.org/officeDocument/2006/customXml" ds:itemID="{83A5CAF7-8EEF-4F62-8E18-26CC56AAAB6D}">
+  <ds:schemaRefs>
+    <ds:schemaRef ds:uri="Microsoft.SharePoint.Taxonomy.ContentTypeSync"/>
+  </ds:schemaRefs>
+</ds:datastoreItem>
+</file>
+
+<file path=customXml/itemProps2.xml><?xml version="1.0" encoding="utf-8"?>
 <ds:datastoreItem xmlns:ds="http://schemas.openxmlformats.org/officeDocument/2006/customXml" ds:itemID="{F7E004A7-897D-4E72-A616-FDDDB65662A9}">
   <ds:schemaRefs>
     <ds:schemaRef ds:uri="http://schemas.microsoft.com/office/2006/metadata/contentType"/>
@@ -30608,23 +30823,7 @@
 </ds:datastoreItem>
 </file>
 
-<file path=customXml/itemProps2.xml><?xml version="1.0" encoding="utf-8"?>
-<ds:datastoreItem xmlns:ds="http://schemas.openxmlformats.org/officeDocument/2006/customXml" ds:itemID="{83A5CAF7-8EEF-4F62-8E18-26CC56AAAB6D}">
-  <ds:schemaRefs>
-    <ds:schemaRef ds:uri="Microsoft.SharePoint.Taxonomy.ContentTypeSync"/>
-  </ds:schemaRefs>
-</ds:datastoreItem>
-</file>
-
 <file path=customXml/itemProps3.xml><?xml version="1.0" encoding="utf-8"?>
-<ds:datastoreItem xmlns:ds="http://schemas.openxmlformats.org/officeDocument/2006/customXml" ds:itemID="{CDFC1E5D-7D92-42DE-BD9A-3052BDFC676F}">
-  <ds:schemaRefs>
-    <ds:schemaRef ds:uri="http://schemas.microsoft.com/sharepoint/v3/contenttype/forms"/>
-  </ds:schemaRefs>
-</ds:datastoreItem>
-</file>
-
-<file path=customXml/itemProps4.xml><?xml version="1.0" encoding="utf-8"?>
 <ds:datastoreItem xmlns:ds="http://schemas.openxmlformats.org/officeDocument/2006/customXml" ds:itemID="{ACBB7B86-1A6B-4396-82CD-495CB7635E87}">
   <ds:schemaRefs>
     <ds:schemaRef ds:uri="http://purl.org/dc/elements/1.1/"/>
@@ -30639,4 +30838,12 @@
     <ds:schemaRef ds:uri="http://purl.org/dc/dcmitype/"/>
   </ds:schemaRefs>
 </ds:datastoreItem>
+</file>
+
+<file path=customXml/itemProps4.xml><?xml version="1.0" encoding="utf-8"?>
+<ds:datastoreItem xmlns:ds="http://schemas.openxmlformats.org/officeDocument/2006/customXml" ds:itemID="{CDFC1E5D-7D92-42DE-BD9A-3052BDFC676F}">
+  <ds:schemaRefs>
+    <ds:schemaRef ds:uri="http://schemas.microsoft.com/sharepoint/v3/contenttype/forms"/>
+  </ds:schemaRefs>
+</ds:datastoreItem>
 </file>